--- a/doc/PPT/第六组PPT.pptx
+++ b/doc/PPT/第六组PPT.pptx
@@ -5,24 +5,24 @@
     <p:sldMasterId id="2147483648" r:id="rId1"/>
   </p:sldMasterIdLst>
   <p:notesMasterIdLst>
-    <p:notesMasterId r:id="rId4"/>
+    <p:notesMasterId r:id="rId14"/>
   </p:notesMasterIdLst>
   <p:sldIdLst>
-    <p:sldId id="257" r:id="rId3"/>
-    <p:sldId id="258" r:id="rId5"/>
-    <p:sldId id="259" r:id="rId6"/>
-    <p:sldId id="260" r:id="rId7"/>
-    <p:sldId id="270" r:id="rId8"/>
-    <p:sldId id="278" r:id="rId9"/>
-    <p:sldId id="264" r:id="rId10"/>
-    <p:sldId id="266" r:id="rId11"/>
-    <p:sldId id="283" r:id="rId12"/>
-    <p:sldId id="284" r:id="rId13"/>
-    <p:sldId id="285" r:id="rId14"/>
-    <p:sldId id="263" r:id="rId15"/>
+    <p:sldId id="257" r:id="rId2"/>
+    <p:sldId id="258" r:id="rId3"/>
+    <p:sldId id="259" r:id="rId4"/>
+    <p:sldId id="260" r:id="rId5"/>
+    <p:sldId id="270" r:id="rId6"/>
+    <p:sldId id="278" r:id="rId7"/>
+    <p:sldId id="264" r:id="rId8"/>
+    <p:sldId id="266" r:id="rId9"/>
+    <p:sldId id="283" r:id="rId10"/>
+    <p:sldId id="284" r:id="rId11"/>
+    <p:sldId id="285" r:id="rId12"/>
+    <p:sldId id="263" r:id="rId13"/>
   </p:sldIdLst>
   <p:sldSz cx="12192000" cy="6858000"/>
-  <p:notesSz cx="7103745" cy="10234295"/>
+  <p:notesSz cx="7104063" cy="10234613"/>
   <p:defaultTextStyle>
     <a:defPPr>
       <a:defRPr lang="zh-CN"/>
@@ -118,6 +118,22 @@
       </a:defRPr>
     </a:lvl9pPr>
   </p:defaultTextStyle>
+  <p:extLst>
+    <p:ext uri="{EFAFB233-063F-42B5-8137-9DF3F51BA10A}">
+      <p15:sldGuideLst xmlns:p15="http://schemas.microsoft.com/office/powerpoint/2012/main">
+        <p15:guide id="1" orient="horz" pos="2128">
+          <p15:clr>
+            <a:srgbClr val="A4A3A4"/>
+          </p15:clr>
+        </p15:guide>
+        <p15:guide id="2" pos="3840">
+          <p15:clr>
+            <a:srgbClr val="A4A3A4"/>
+          </p15:clr>
+        </p15:guide>
+      </p15:sldGuideLst>
+    </p:ext>
+  </p:extLst>
 </p:presentation>
 </file>
 
@@ -203,6 +219,7 @@
           <a:p>
             <a:fld id="{D2A48B96-639E-45A3-A0BA-2464DFDB1FAA}" type="datetimeFigureOut">
               <a:rPr lang="zh-CN" altLang="en-US" smtClean="0"/>
+              <a:t>2020/7/15</a:t>
             </a:fld>
             <a:endParaRPr lang="zh-CN" altLang="en-US"/>
           </a:p>
@@ -266,42 +283,37 @@
           <a:p>
             <a:pPr lvl="0"/>
             <a:r>
-              <a:rPr lang="zh-CN" altLang="en-US" smtClean="0"/>
+              <a:rPr lang="zh-CN" altLang="en-US"/>
               <a:t>单击此处编辑母版文本样式</a:t>
             </a:r>
-            <a:endParaRPr lang="zh-CN" altLang="en-US" smtClean="0"/>
           </a:p>
           <a:p>
             <a:pPr lvl="1"/>
             <a:r>
-              <a:rPr lang="zh-CN" altLang="en-US" smtClean="0"/>
+              <a:rPr lang="zh-CN" altLang="en-US"/>
               <a:t>第二级</a:t>
             </a:r>
-            <a:endParaRPr lang="zh-CN" altLang="en-US" smtClean="0"/>
           </a:p>
           <a:p>
             <a:pPr lvl="2"/>
             <a:r>
-              <a:rPr lang="zh-CN" altLang="en-US" smtClean="0"/>
+              <a:rPr lang="zh-CN" altLang="en-US"/>
               <a:t>第三级</a:t>
             </a:r>
-            <a:endParaRPr lang="zh-CN" altLang="en-US" smtClean="0"/>
           </a:p>
           <a:p>
             <a:pPr lvl="3"/>
             <a:r>
-              <a:rPr lang="zh-CN" altLang="en-US" smtClean="0"/>
+              <a:rPr lang="zh-CN" altLang="en-US"/>
               <a:t>第四级</a:t>
             </a:r>
-            <a:endParaRPr lang="zh-CN" altLang="en-US" smtClean="0"/>
           </a:p>
           <a:p>
             <a:pPr lvl="4"/>
             <a:r>
-              <a:rPr lang="zh-CN" altLang="en-US" smtClean="0"/>
+              <a:rPr lang="zh-CN" altLang="en-US"/>
               <a:t>第五级</a:t>
             </a:r>
-            <a:endParaRPr lang="zh-CN" altLang="en-US"/>
           </a:p>
         </p:txBody>
       </p:sp>
@@ -365,6 +377,7 @@
           <a:p>
             <a:fld id="{A6837353-30EB-4A48-80EB-173D804AEFBD}" type="slidenum">
               <a:rPr lang="zh-CN" altLang="en-US" smtClean="0"/>
+              <a:t>‹#›</a:t>
             </a:fld>
             <a:endParaRPr lang="zh-CN" altLang="en-US"/>
           </a:p>
@@ -538,6 +551,7 @@
           <a:p>
             <a:fld id="{575769E8-19F7-47D4-AFC6-D17EEAD4A98C}" type="slidenum">
               <a:rPr lang="zh-CN" altLang="en-US" smtClean="0"/>
+              <a:t>1</a:t>
             </a:fld>
             <a:endParaRPr lang="zh-CN" altLang="en-US"/>
           </a:p>
@@ -955,10 +969,9 @@
           </a:lstStyle>
           <a:p>
             <a:r>
-              <a:rPr lang="zh-CN" altLang="en-US" dirty="0" smtClean="0"/>
+              <a:rPr lang="zh-CN" altLang="en-US" dirty="0"/>
               <a:t>单击此处编辑母版标题样式</a:t>
             </a:r>
-            <a:endParaRPr lang="zh-CN" altLang="en-US" dirty="0"/>
           </a:p>
         </p:txBody>
       </p:sp>
@@ -1029,10 +1042,9 @@
           </a:lstStyle>
           <a:p>
             <a:r>
-              <a:rPr lang="zh-CN" altLang="en-US" dirty="0" smtClean="0"/>
+              <a:rPr lang="zh-CN" altLang="en-US" dirty="0"/>
               <a:t>单击此处编辑母版副标题样式</a:t>
             </a:r>
-            <a:endParaRPr lang="zh-CN" altLang="en-US" dirty="0"/>
           </a:p>
         </p:txBody>
       </p:sp>
@@ -1053,6 +1065,7 @@
           <a:p>
             <a:fld id="{7E209CE7-C191-49CB-93DE-563C8614E8C5}" type="datetimeFigureOut">
               <a:rPr lang="zh-CN" altLang="en-US" smtClean="0"/>
+              <a:t>2020/7/15</a:t>
             </a:fld>
             <a:endParaRPr lang="zh-CN" altLang="en-US"/>
           </a:p>
@@ -1094,6 +1107,7 @@
           <a:p>
             <a:fld id="{B31067DD-7756-4DF3-904A-8F40BA684AA6}" type="slidenum">
               <a:rPr lang="zh-CN" altLang="en-US" smtClean="0"/>
+              <a:t>‹#›</a:t>
             </a:fld>
             <a:endParaRPr lang="zh-CN" altLang="en-US"/>
           </a:p>
@@ -1104,13 +1118,6 @@
   <p:clrMapOvr>
     <a:masterClrMapping/>
   </p:clrMapOvr>
-  <p:timing>
-    <p:tnLst>
-      <p:par>
-        <p:cTn id="1" dur="indefinite" restart="never" nodeType="tmRoot"/>
-      </p:par>
-    </p:tnLst>
-  </p:timing>
 </p:sldLayout>
 </file>
 
@@ -1148,6 +1155,7 @@
           <a:p>
             <a:fld id="{7E209CE7-C191-49CB-93DE-563C8614E8C5}" type="datetimeFigureOut">
               <a:rPr lang="zh-CN" altLang="en-US" smtClean="0"/>
+              <a:t>2020/7/15</a:t>
             </a:fld>
             <a:endParaRPr lang="zh-CN" altLang="en-US"/>
           </a:p>
@@ -1189,6 +1197,7 @@
           <a:p>
             <a:fld id="{B31067DD-7756-4DF3-904A-8F40BA684AA6}" type="slidenum">
               <a:rPr lang="zh-CN" altLang="en-US" smtClean="0"/>
+              <a:t>‹#›</a:t>
             </a:fld>
             <a:endParaRPr lang="zh-CN" altLang="en-US"/>
           </a:p>
@@ -1220,42 +1229,37 @@
           <a:p>
             <a:pPr lvl="0"/>
             <a:r>
-              <a:rPr lang="zh-CN" altLang="en-US" dirty="0" smtClean="0"/>
+              <a:rPr lang="zh-CN" altLang="en-US" dirty="0"/>
               <a:t>单击此处编辑母版文本样式</a:t>
             </a:r>
-            <a:endParaRPr lang="zh-CN" altLang="en-US" dirty="0" smtClean="0"/>
           </a:p>
           <a:p>
             <a:pPr lvl="2"/>
             <a:r>
-              <a:rPr lang="zh-CN" altLang="en-US" dirty="0" smtClean="0"/>
+              <a:rPr lang="zh-CN" altLang="en-US" dirty="0"/>
               <a:t>第二级</a:t>
             </a:r>
-            <a:endParaRPr lang="zh-CN" altLang="en-US" dirty="0" smtClean="0"/>
           </a:p>
           <a:p>
             <a:pPr lvl="3"/>
             <a:r>
-              <a:rPr lang="zh-CN" altLang="en-US" dirty="0" smtClean="0"/>
+              <a:rPr lang="zh-CN" altLang="en-US" dirty="0"/>
               <a:t>第三级</a:t>
             </a:r>
-            <a:endParaRPr lang="zh-CN" altLang="en-US" dirty="0" smtClean="0"/>
           </a:p>
           <a:p>
             <a:pPr lvl="4"/>
             <a:r>
-              <a:rPr lang="zh-CN" altLang="en-US" dirty="0" smtClean="0"/>
+              <a:rPr lang="zh-CN" altLang="en-US" dirty="0"/>
               <a:t>第四级</a:t>
             </a:r>
-            <a:endParaRPr lang="zh-CN" altLang="en-US" dirty="0" smtClean="0"/>
           </a:p>
           <a:p>
             <a:pPr lvl="5"/>
             <a:r>
-              <a:rPr lang="zh-CN" altLang="en-US" dirty="0" smtClean="0"/>
+              <a:rPr lang="zh-CN" altLang="en-US" dirty="0"/>
               <a:t>第五级</a:t>
             </a:r>
-            <a:endParaRPr lang="zh-CN" altLang="en-US" dirty="0"/>
           </a:p>
         </p:txBody>
       </p:sp>
@@ -1305,7 +1309,7 @@
           <a:lstStyle/>
           <a:p>
             <a:r>
-              <a:rPr lang="zh-CN" altLang="en-US" dirty="0" smtClean="0"/>
+              <a:rPr lang="zh-CN" altLang="en-US" dirty="0"/>
               <a:t>单击此处编辑母版标题样式</a:t>
             </a:r>
             <a:endParaRPr lang="en-US" dirty="0"/>
@@ -1387,42 +1391,37 @@
           <a:p>
             <a:pPr lvl="0"/>
             <a:r>
-              <a:rPr lang="zh-CN" altLang="en-US" dirty="0" smtClean="0"/>
+              <a:rPr lang="zh-CN" altLang="en-US" dirty="0"/>
               <a:t>单击此处编辑母版文本样式</a:t>
             </a:r>
-            <a:endParaRPr lang="zh-CN" altLang="en-US" dirty="0" smtClean="0"/>
           </a:p>
           <a:p>
             <a:pPr lvl="2"/>
             <a:r>
-              <a:rPr lang="zh-CN" altLang="en-US" dirty="0" smtClean="0"/>
+              <a:rPr lang="zh-CN" altLang="en-US" dirty="0"/>
               <a:t>第二级</a:t>
             </a:r>
-            <a:endParaRPr lang="zh-CN" altLang="en-US" dirty="0" smtClean="0"/>
           </a:p>
           <a:p>
             <a:pPr lvl="3"/>
             <a:r>
-              <a:rPr lang="zh-CN" altLang="en-US" dirty="0" smtClean="0"/>
+              <a:rPr lang="zh-CN" altLang="en-US" dirty="0"/>
               <a:t>第三级</a:t>
             </a:r>
-            <a:endParaRPr lang="zh-CN" altLang="en-US" dirty="0" smtClean="0"/>
           </a:p>
           <a:p>
             <a:pPr lvl="4"/>
             <a:r>
-              <a:rPr lang="zh-CN" altLang="en-US" dirty="0" smtClean="0"/>
+              <a:rPr lang="zh-CN" altLang="en-US" dirty="0"/>
               <a:t>第四级</a:t>
             </a:r>
-            <a:endParaRPr lang="zh-CN" altLang="en-US" dirty="0" smtClean="0"/>
           </a:p>
           <a:p>
             <a:pPr lvl="5"/>
             <a:r>
-              <a:rPr lang="zh-CN" altLang="en-US" dirty="0" smtClean="0"/>
+              <a:rPr lang="zh-CN" altLang="en-US" dirty="0"/>
               <a:t>第五级</a:t>
             </a:r>
-            <a:endParaRPr lang="zh-CN" altLang="en-US" dirty="0"/>
           </a:p>
         </p:txBody>
       </p:sp>
@@ -1443,6 +1442,7 @@
           <a:p>
             <a:fld id="{7E209CE7-C191-49CB-93DE-563C8614E8C5}" type="datetimeFigureOut">
               <a:rPr lang="zh-CN" altLang="en-US" smtClean="0"/>
+              <a:t>2020/7/15</a:t>
             </a:fld>
             <a:endParaRPr lang="zh-CN" altLang="en-US"/>
           </a:p>
@@ -1484,6 +1484,7 @@
           <a:p>
             <a:fld id="{B31067DD-7756-4DF3-904A-8F40BA684AA6}" type="slidenum">
               <a:rPr lang="zh-CN" altLang="en-US" smtClean="0"/>
+              <a:t>‹#›</a:t>
             </a:fld>
             <a:endParaRPr lang="zh-CN" altLang="en-US"/>
           </a:p>
@@ -1494,13 +1495,6 @@
   <p:clrMapOvr>
     <a:masterClrMapping/>
   </p:clrMapOvr>
-  <p:timing>
-    <p:tnLst>
-      <p:par>
-        <p:cTn id="1" dur="indefinite" restart="never" nodeType="tmRoot"/>
-      </p:par>
-    </p:tnLst>
-  </p:timing>
 </p:sldLayout>
 </file>
 
@@ -1544,11 +1538,11 @@
             <p:nvPr userDrawn="1"/>
           </p:nvPicPr>
           <p:blipFill>
-            <a:blip r:embed="rId2">
+            <a:blip r:embed="rId4">
               <a:extLst>
                 <a:ext uri="{BEBA8EAE-BF5A-486C-A8C5-ECC9F3942E4B}">
                   <a14:imgProps xmlns:a14="http://schemas.microsoft.com/office/drawing/2010/main">
-                    <a14:imgLayer r:embed="rId3">
+                    <a14:imgLayer r:embed="rId5">
                       <a14:imgEffect>
                         <a14:artisticBlur/>
                       </a14:imgEffect>
@@ -1580,11 +1574,11 @@
             <p:nvPr userDrawn="1"/>
           </p:nvPicPr>
           <p:blipFill>
-            <a:blip r:embed="rId2">
+            <a:blip r:embed="rId4">
               <a:extLst>
                 <a:ext uri="{BEBA8EAE-BF5A-486C-A8C5-ECC9F3942E4B}">
                   <a14:imgProps xmlns:a14="http://schemas.microsoft.com/office/drawing/2010/main">
-                    <a14:imgLayer r:embed="rId3">
+                    <a14:imgLayer r:embed="rId5">
                       <a14:imgEffect>
                         <a14:artisticBlur/>
                       </a14:imgEffect>
@@ -1689,10 +1683,9 @@
           </a:lstStyle>
           <a:p>
             <a:r>
-              <a:rPr lang="zh-CN" altLang="en-US" dirty="0" smtClean="0"/>
+              <a:rPr lang="zh-CN" altLang="en-US" dirty="0"/>
               <a:t>单击此处编辑标题</a:t>
             </a:r>
-            <a:endParaRPr lang="zh-CN" altLang="en-US" dirty="0"/>
           </a:p>
         </p:txBody>
       </p:sp>
@@ -1702,7 +1695,7 @@
           <p:cNvSpPr/>
           <p:nvPr userDrawn="1">
             <p:custDataLst>
-              <p:tags r:id="rId4"/>
+              <p:tags r:id="rId1"/>
             </p:custDataLst>
           </p:nvPr>
         </p:nvSpPr>
@@ -1758,7 +1751,7 @@
           <p:cNvSpPr/>
           <p:nvPr userDrawn="1">
             <p:custDataLst>
-              <p:tags r:id="rId5"/>
+              <p:tags r:id="rId2"/>
             </p:custDataLst>
           </p:nvPr>
         </p:nvSpPr>
@@ -1827,6 +1820,7 @@
           <a:p>
             <a:fld id="{7E209CE7-C191-49CB-93DE-563C8614E8C5}" type="datetimeFigureOut">
               <a:rPr lang="zh-CN" altLang="en-US" smtClean="0"/>
+              <a:t>2020/7/15</a:t>
             </a:fld>
             <a:endParaRPr lang="zh-CN" altLang="en-US"/>
           </a:p>
@@ -1868,6 +1862,7 @@
           <a:p>
             <a:fld id="{B31067DD-7756-4DF3-904A-8F40BA684AA6}" type="slidenum">
               <a:rPr lang="zh-CN" altLang="en-US" smtClean="0"/>
+              <a:t>‹#›</a:t>
             </a:fld>
             <a:endParaRPr lang="zh-CN" altLang="en-US"/>
           </a:p>
@@ -1878,13 +1873,6 @@
   <p:clrMapOvr>
     <a:masterClrMapping/>
   </p:clrMapOvr>
-  <p:timing>
-    <p:tnLst>
-      <p:par>
-        <p:cTn id="1" dur="indefinite" restart="never" nodeType="tmRoot"/>
-      </p:par>
-    </p:tnLst>
-  </p:timing>
 </p:sldLayout>
 </file>
 
@@ -1926,7 +1914,7 @@
           <a:lstStyle/>
           <a:p>
             <a:r>
-              <a:rPr lang="zh-CN" altLang="en-US" dirty="0" smtClean="0"/>
+              <a:rPr lang="zh-CN" altLang="en-US" dirty="0"/>
               <a:t>单击此处编辑母版标题样式</a:t>
             </a:r>
             <a:endParaRPr lang="en-US" dirty="0"/>
@@ -2013,42 +2001,37 @@
           <a:p>
             <a:pPr lvl="0"/>
             <a:r>
-              <a:rPr lang="zh-CN" altLang="en-US" dirty="0" smtClean="0"/>
+              <a:rPr lang="zh-CN" altLang="en-US" dirty="0"/>
               <a:t>单击此处编辑母版文本样式</a:t>
             </a:r>
-            <a:endParaRPr lang="zh-CN" altLang="en-US" dirty="0" smtClean="0"/>
           </a:p>
           <a:p>
             <a:pPr lvl="2"/>
             <a:r>
-              <a:rPr lang="zh-CN" altLang="en-US" dirty="0" smtClean="0"/>
+              <a:rPr lang="zh-CN" altLang="en-US" dirty="0"/>
               <a:t>第二级</a:t>
             </a:r>
-            <a:endParaRPr lang="zh-CN" altLang="en-US" dirty="0" smtClean="0"/>
           </a:p>
           <a:p>
             <a:pPr lvl="3"/>
             <a:r>
-              <a:rPr lang="zh-CN" altLang="en-US" dirty="0" smtClean="0"/>
+              <a:rPr lang="zh-CN" altLang="en-US" dirty="0"/>
               <a:t>第三级</a:t>
             </a:r>
-            <a:endParaRPr lang="zh-CN" altLang="en-US" dirty="0" smtClean="0"/>
           </a:p>
           <a:p>
             <a:pPr lvl="4"/>
             <a:r>
-              <a:rPr lang="zh-CN" altLang="en-US" dirty="0" smtClean="0"/>
+              <a:rPr lang="zh-CN" altLang="en-US" dirty="0"/>
               <a:t>第四级</a:t>
             </a:r>
-            <a:endParaRPr lang="zh-CN" altLang="en-US" dirty="0" smtClean="0"/>
           </a:p>
           <a:p>
             <a:pPr lvl="5"/>
             <a:r>
-              <a:rPr lang="zh-CN" altLang="en-US" dirty="0" smtClean="0"/>
+              <a:rPr lang="zh-CN" altLang="en-US" dirty="0"/>
               <a:t>第五级</a:t>
             </a:r>
-            <a:endParaRPr lang="zh-CN" altLang="en-US" dirty="0"/>
           </a:p>
         </p:txBody>
       </p:sp>
@@ -2132,42 +2115,37 @@
           <a:p>
             <a:pPr lvl="0"/>
             <a:r>
-              <a:rPr lang="zh-CN" altLang="en-US" dirty="0" smtClean="0"/>
+              <a:rPr lang="zh-CN" altLang="en-US" dirty="0"/>
               <a:t>单击此处编辑母版文本样式</a:t>
             </a:r>
-            <a:endParaRPr lang="zh-CN" altLang="en-US" dirty="0" smtClean="0"/>
           </a:p>
           <a:p>
             <a:pPr lvl="2"/>
             <a:r>
-              <a:rPr lang="zh-CN" altLang="en-US" dirty="0" smtClean="0"/>
+              <a:rPr lang="zh-CN" altLang="en-US" dirty="0"/>
               <a:t>第二级</a:t>
             </a:r>
-            <a:endParaRPr lang="zh-CN" altLang="en-US" dirty="0" smtClean="0"/>
           </a:p>
           <a:p>
             <a:pPr lvl="3"/>
             <a:r>
-              <a:rPr lang="zh-CN" altLang="en-US" dirty="0" smtClean="0"/>
+              <a:rPr lang="zh-CN" altLang="en-US" dirty="0"/>
               <a:t>第三级</a:t>
             </a:r>
-            <a:endParaRPr lang="zh-CN" altLang="en-US" dirty="0" smtClean="0"/>
           </a:p>
           <a:p>
             <a:pPr lvl="4"/>
             <a:r>
-              <a:rPr lang="zh-CN" altLang="en-US" dirty="0" smtClean="0"/>
+              <a:rPr lang="zh-CN" altLang="en-US" dirty="0"/>
               <a:t>第四级</a:t>
             </a:r>
-            <a:endParaRPr lang="zh-CN" altLang="en-US" dirty="0" smtClean="0"/>
           </a:p>
           <a:p>
             <a:pPr lvl="5"/>
             <a:r>
-              <a:rPr lang="zh-CN" altLang="en-US" dirty="0" smtClean="0"/>
+              <a:rPr lang="zh-CN" altLang="en-US" dirty="0"/>
               <a:t>第五级</a:t>
             </a:r>
-            <a:endParaRPr lang="zh-CN" altLang="en-US" dirty="0"/>
           </a:p>
         </p:txBody>
       </p:sp>
@@ -2188,6 +2166,7 @@
           <a:p>
             <a:fld id="{7E209CE7-C191-49CB-93DE-563C8614E8C5}" type="datetimeFigureOut">
               <a:rPr lang="zh-CN" altLang="en-US" smtClean="0"/>
+              <a:t>2020/7/15</a:t>
             </a:fld>
             <a:endParaRPr lang="zh-CN" altLang="en-US"/>
           </a:p>
@@ -2229,6 +2208,7 @@
           <a:p>
             <a:fld id="{B31067DD-7756-4DF3-904A-8F40BA684AA6}" type="slidenum">
               <a:rPr lang="zh-CN" altLang="en-US" smtClean="0"/>
+              <a:t>‹#›</a:t>
             </a:fld>
             <a:endParaRPr lang="zh-CN" altLang="en-US"/>
           </a:p>
@@ -2239,13 +2219,6 @@
   <p:clrMapOvr>
     <a:masterClrMapping/>
   </p:clrMapOvr>
-  <p:timing>
-    <p:tnLst>
-      <p:par>
-        <p:cTn id="1" dur="indefinite" restart="never" nodeType="tmRoot"/>
-      </p:par>
-    </p:tnLst>
-  </p:timing>
 </p:sldLayout>
 </file>
 
@@ -2338,7 +2311,7 @@
           <a:lstStyle/>
           <a:p>
             <a:r>
-              <a:rPr lang="zh-CN" altLang="en-US" dirty="0" smtClean="0"/>
+              <a:rPr lang="zh-CN" altLang="en-US" dirty="0"/>
               <a:t>单击此处编辑母版标题样式</a:t>
             </a:r>
             <a:endParaRPr lang="en-US" dirty="0"/>
@@ -2406,10 +2379,9 @@
           <a:p>
             <a:pPr lvl="0"/>
             <a:r>
-              <a:rPr lang="zh-CN" altLang="en-US" dirty="0" smtClean="0"/>
+              <a:rPr lang="zh-CN" altLang="en-US" dirty="0"/>
               <a:t>单击此处编辑母版文本样式</a:t>
             </a:r>
-            <a:endParaRPr lang="zh-CN" altLang="en-US" dirty="0" smtClean="0"/>
           </a:p>
         </p:txBody>
       </p:sp>
@@ -2435,42 +2407,37 @@
           <a:p>
             <a:pPr lvl="0"/>
             <a:r>
-              <a:rPr lang="zh-CN" altLang="en-US" dirty="0" smtClean="0"/>
+              <a:rPr lang="zh-CN" altLang="en-US" dirty="0"/>
               <a:t>单击此处编辑母版文本样式</a:t>
             </a:r>
-            <a:endParaRPr lang="zh-CN" altLang="en-US" dirty="0" smtClean="0"/>
           </a:p>
           <a:p>
             <a:pPr lvl="2"/>
             <a:r>
-              <a:rPr lang="zh-CN" altLang="en-US" dirty="0" smtClean="0"/>
+              <a:rPr lang="zh-CN" altLang="en-US" dirty="0"/>
               <a:t>第二级</a:t>
             </a:r>
-            <a:endParaRPr lang="zh-CN" altLang="en-US" dirty="0" smtClean="0"/>
           </a:p>
           <a:p>
             <a:pPr lvl="3"/>
             <a:r>
-              <a:rPr lang="zh-CN" altLang="en-US" dirty="0" smtClean="0"/>
+              <a:rPr lang="zh-CN" altLang="en-US" dirty="0"/>
               <a:t>第三级</a:t>
             </a:r>
-            <a:endParaRPr lang="zh-CN" altLang="en-US" dirty="0" smtClean="0"/>
           </a:p>
           <a:p>
             <a:pPr lvl="4"/>
             <a:r>
-              <a:rPr lang="zh-CN" altLang="en-US" dirty="0" smtClean="0"/>
+              <a:rPr lang="zh-CN" altLang="en-US" dirty="0"/>
               <a:t>第四级</a:t>
             </a:r>
-            <a:endParaRPr lang="zh-CN" altLang="en-US" dirty="0" smtClean="0"/>
           </a:p>
           <a:p>
             <a:pPr lvl="5"/>
             <a:r>
-              <a:rPr lang="zh-CN" altLang="en-US" dirty="0" smtClean="0"/>
+              <a:rPr lang="zh-CN" altLang="en-US" dirty="0"/>
               <a:t>第五级</a:t>
             </a:r>
-            <a:endParaRPr lang="zh-CN" altLang="en-US" dirty="0"/>
           </a:p>
         </p:txBody>
       </p:sp>
@@ -2535,10 +2502,9 @@
           <a:p>
             <a:pPr lvl="0"/>
             <a:r>
-              <a:rPr lang="zh-CN" altLang="en-US" dirty="0" smtClean="0"/>
+              <a:rPr lang="zh-CN" altLang="en-US" dirty="0"/>
               <a:t>单击此处编辑母版文本样式</a:t>
             </a:r>
-            <a:endParaRPr lang="zh-CN" altLang="en-US" dirty="0" smtClean="0"/>
           </a:p>
         </p:txBody>
       </p:sp>
@@ -2564,42 +2530,37 @@
           <a:p>
             <a:pPr lvl="0"/>
             <a:r>
-              <a:rPr lang="zh-CN" altLang="en-US" dirty="0" smtClean="0"/>
+              <a:rPr lang="zh-CN" altLang="en-US" dirty="0"/>
               <a:t>单击此处编辑母版文本样式</a:t>
             </a:r>
-            <a:endParaRPr lang="zh-CN" altLang="en-US" dirty="0" smtClean="0"/>
           </a:p>
           <a:p>
             <a:pPr lvl="2"/>
             <a:r>
-              <a:rPr lang="zh-CN" altLang="en-US" dirty="0" smtClean="0"/>
+              <a:rPr lang="zh-CN" altLang="en-US" dirty="0"/>
               <a:t>第二级</a:t>
             </a:r>
-            <a:endParaRPr lang="zh-CN" altLang="en-US" dirty="0" smtClean="0"/>
           </a:p>
           <a:p>
             <a:pPr lvl="3"/>
             <a:r>
-              <a:rPr lang="zh-CN" altLang="en-US" dirty="0" smtClean="0"/>
+              <a:rPr lang="zh-CN" altLang="en-US" dirty="0"/>
               <a:t>第三级</a:t>
             </a:r>
-            <a:endParaRPr lang="zh-CN" altLang="en-US" dirty="0" smtClean="0"/>
           </a:p>
           <a:p>
             <a:pPr lvl="4"/>
             <a:r>
-              <a:rPr lang="zh-CN" altLang="en-US" dirty="0" smtClean="0"/>
+              <a:rPr lang="zh-CN" altLang="en-US" dirty="0"/>
               <a:t>第四级</a:t>
             </a:r>
-            <a:endParaRPr lang="zh-CN" altLang="en-US" dirty="0" smtClean="0"/>
           </a:p>
           <a:p>
             <a:pPr lvl="5"/>
             <a:r>
-              <a:rPr lang="zh-CN" altLang="en-US" dirty="0" smtClean="0"/>
+              <a:rPr lang="zh-CN" altLang="en-US" dirty="0"/>
               <a:t>第五级</a:t>
             </a:r>
-            <a:endParaRPr lang="zh-CN" altLang="en-US" dirty="0"/>
           </a:p>
         </p:txBody>
       </p:sp>
@@ -2620,6 +2581,7 @@
           <a:p>
             <a:fld id="{7E209CE7-C191-49CB-93DE-563C8614E8C5}" type="datetimeFigureOut">
               <a:rPr lang="zh-CN" altLang="en-US" smtClean="0"/>
+              <a:t>2020/7/15</a:t>
             </a:fld>
             <a:endParaRPr lang="zh-CN" altLang="en-US"/>
           </a:p>
@@ -2661,6 +2623,7 @@
           <a:p>
             <a:fld id="{B31067DD-7756-4DF3-904A-8F40BA684AA6}" type="slidenum">
               <a:rPr lang="zh-CN" altLang="en-US" smtClean="0"/>
+              <a:t>‹#›</a:t>
             </a:fld>
             <a:endParaRPr lang="zh-CN" altLang="en-US"/>
           </a:p>
@@ -2671,13 +2634,6 @@
   <p:clrMapOvr>
     <a:masterClrMapping/>
   </p:clrMapOvr>
-  <p:timing>
-    <p:tnLst>
-      <p:par>
-        <p:cTn id="1" dur="indefinite" restart="never" nodeType="tmRoot"/>
-      </p:par>
-    </p:tnLst>
-  </p:timing>
 </p:sldLayout>
 </file>
 
@@ -2707,11 +2663,11 @@
           <p:nvPr userDrawn="1"/>
         </p:nvPicPr>
         <p:blipFill>
-          <a:blip r:embed="rId2">
+          <a:blip r:embed="rId6">
             <a:extLst>
               <a:ext uri="{BEBA8EAE-BF5A-486C-A8C5-ECC9F3942E4B}">
                 <a14:imgProps xmlns:a14="http://schemas.microsoft.com/office/drawing/2010/main">
-                  <a14:imgLayer r:embed="rId3">
+                  <a14:imgLayer r:embed="rId7">
                     <a14:imgEffect>
                       <a14:artisticBlur/>
                     </a14:imgEffect>
@@ -2743,11 +2699,11 @@
           <p:nvPr userDrawn="1"/>
         </p:nvPicPr>
         <p:blipFill>
-          <a:blip r:embed="rId2">
+          <a:blip r:embed="rId6">
             <a:extLst>
               <a:ext uri="{BEBA8EAE-BF5A-486C-A8C5-ECC9F3942E4B}">
                 <a14:imgProps xmlns:a14="http://schemas.microsoft.com/office/drawing/2010/main">
-                  <a14:imgLayer r:embed="rId3">
+                  <a14:imgLayer r:embed="rId7">
                     <a14:imgEffect>
                       <a14:artisticBlur/>
                     </a14:imgEffect>
@@ -2841,7 +2797,7 @@
             <p:cNvSpPr/>
             <p:nvPr userDrawn="1">
               <p:custDataLst>
-                <p:tags r:id="rId4"/>
+                <p:tags r:id="rId1"/>
               </p:custDataLst>
             </p:nvPr>
           </p:nvSpPr>
@@ -2941,7 +2897,7 @@
             <p:cNvSpPr/>
             <p:nvPr userDrawn="1">
               <p:custDataLst>
-                <p:tags r:id="rId5"/>
+                <p:tags r:id="rId2"/>
               </p:custDataLst>
             </p:nvPr>
           </p:nvSpPr>
@@ -3041,7 +2997,7 @@
             <p:cNvSpPr/>
             <p:nvPr userDrawn="1">
               <p:custDataLst>
-                <p:tags r:id="rId6"/>
+                <p:tags r:id="rId3"/>
               </p:custDataLst>
             </p:nvPr>
           </p:nvSpPr>
@@ -3141,7 +3097,7 @@
             <p:cNvSpPr/>
             <p:nvPr userDrawn="1">
               <p:custDataLst>
-                <p:tags r:id="rId7"/>
+                <p:tags r:id="rId4"/>
               </p:custDataLst>
             </p:nvPr>
           </p:nvSpPr>
@@ -3259,10 +3215,9 @@
           </a:lstStyle>
           <a:p>
             <a:r>
-              <a:rPr lang="zh-CN" altLang="en-US" dirty="0" smtClean="0"/>
+              <a:rPr lang="zh-CN" altLang="en-US" dirty="0"/>
               <a:t>编辑标题</a:t>
             </a:r>
-            <a:endParaRPr lang="zh-CN" altLang="en-US" dirty="0"/>
           </a:p>
         </p:txBody>
       </p:sp>
@@ -3299,10 +3254,9 @@
           <a:p>
             <a:pPr lvl="0"/>
             <a:r>
-              <a:rPr lang="zh-CN" altLang="en-US" dirty="0" smtClean="0"/>
+              <a:rPr lang="zh-CN" altLang="en-US" dirty="0"/>
               <a:t>编辑副标题</a:t>
             </a:r>
-            <a:endParaRPr lang="zh-CN" altLang="en-US" dirty="0" smtClean="0"/>
           </a:p>
         </p:txBody>
       </p:sp>
@@ -3323,6 +3277,7 @@
           <a:p>
             <a:fld id="{7E209CE7-C191-49CB-93DE-563C8614E8C5}" type="datetimeFigureOut">
               <a:rPr lang="zh-CN" altLang="en-US" smtClean="0"/>
+              <a:t>2020/7/15</a:t>
             </a:fld>
             <a:endParaRPr lang="zh-CN" altLang="en-US"/>
           </a:p>
@@ -3364,6 +3319,7 @@
           <a:p>
             <a:fld id="{B31067DD-7756-4DF3-904A-8F40BA684AA6}" type="slidenum">
               <a:rPr lang="zh-CN" altLang="en-US" smtClean="0"/>
+              <a:t>‹#›</a:t>
             </a:fld>
             <a:endParaRPr lang="zh-CN" altLang="en-US"/>
           </a:p>
@@ -3374,13 +3330,6 @@
   <p:clrMapOvr>
     <a:masterClrMapping/>
   </p:clrMapOvr>
-  <p:timing>
-    <p:tnLst>
-      <p:par>
-        <p:cTn id="1" dur="indefinite" restart="never" nodeType="tmRoot"/>
-      </p:par>
-    </p:tnLst>
-  </p:timing>
 </p:sldLayout>
 </file>
 
@@ -3541,6 +3490,7 @@
           <a:p>
             <a:fld id="{7E209CE7-C191-49CB-93DE-563C8614E8C5}" type="datetimeFigureOut">
               <a:rPr lang="zh-CN" altLang="en-US" smtClean="0"/>
+              <a:t>2020/7/15</a:t>
             </a:fld>
             <a:endParaRPr lang="zh-CN" altLang="en-US"/>
           </a:p>
@@ -3582,6 +3532,7 @@
           <a:p>
             <a:fld id="{B31067DD-7756-4DF3-904A-8F40BA684AA6}" type="slidenum">
               <a:rPr lang="zh-CN" altLang="en-US" smtClean="0"/>
+              <a:t>‹#›</a:t>
             </a:fld>
             <a:endParaRPr lang="zh-CN" altLang="en-US"/>
           </a:p>
@@ -3592,13 +3543,6 @@
   <p:clrMapOvr>
     <a:masterClrMapping/>
   </p:clrMapOvr>
-  <p:timing>
-    <p:tnLst>
-      <p:par>
-        <p:cTn id="1" dur="indefinite" restart="never" nodeType="tmRoot"/>
-      </p:par>
-    </p:tnLst>
-  </p:timing>
 </p:sldLayout>
 </file>
 
@@ -3648,7 +3592,7 @@
           </a:lstStyle>
           <a:p>
             <a:r>
-              <a:rPr lang="zh-CN" altLang="en-US" dirty="0" smtClean="0"/>
+              <a:rPr lang="zh-CN" altLang="en-US" dirty="0"/>
               <a:t>单击此处编辑标题</a:t>
             </a:r>
             <a:endParaRPr lang="en-US" dirty="0"/>
@@ -3713,7 +3657,7 @@
           </a:lstStyle>
           <a:p>
             <a:r>
-              <a:rPr lang="zh-CN" altLang="en-US" smtClean="0"/>
+              <a:rPr lang="zh-CN" altLang="en-US"/>
               <a:t>单击图标添加图片</a:t>
             </a:r>
             <a:endParaRPr lang="en-US" dirty="0"/>
@@ -3781,10 +3725,9 @@
           <a:p>
             <a:pPr lvl="0"/>
             <a:r>
-              <a:rPr lang="zh-CN" altLang="en-US" dirty="0" smtClean="0"/>
+              <a:rPr lang="zh-CN" altLang="en-US" dirty="0"/>
               <a:t>单击此处编辑母版文本样式</a:t>
             </a:r>
-            <a:endParaRPr lang="zh-CN" altLang="en-US" dirty="0" smtClean="0"/>
           </a:p>
         </p:txBody>
       </p:sp>
@@ -3805,6 +3748,7 @@
           <a:p>
             <a:fld id="{7E209CE7-C191-49CB-93DE-563C8614E8C5}" type="datetimeFigureOut">
               <a:rPr lang="zh-CN" altLang="en-US" smtClean="0"/>
+              <a:t>2020/7/15</a:t>
             </a:fld>
             <a:endParaRPr lang="zh-CN" altLang="en-US"/>
           </a:p>
@@ -3846,6 +3790,7 @@
           <a:p>
             <a:fld id="{B31067DD-7756-4DF3-904A-8F40BA684AA6}" type="slidenum">
               <a:rPr lang="zh-CN" altLang="en-US" smtClean="0"/>
+              <a:t>‹#›</a:t>
             </a:fld>
             <a:endParaRPr lang="zh-CN" altLang="en-US"/>
           </a:p>
@@ -3856,13 +3801,6 @@
   <p:clrMapOvr>
     <a:masterClrMapping/>
   </p:clrMapOvr>
-  <p:timing>
-    <p:tnLst>
-      <p:par>
-        <p:cTn id="1" dur="indefinite" restart="never" nodeType="tmRoot"/>
-      </p:par>
-    </p:tnLst>
-  </p:timing>
 </p:sldLayout>
 </file>
 
@@ -3942,7 +3880,7 @@
           </a:lstStyle>
           <a:p>
             <a:r>
-              <a:rPr lang="zh-CN" altLang="en-US" dirty="0" smtClean="0"/>
+              <a:rPr lang="zh-CN" altLang="en-US" dirty="0"/>
               <a:t>编辑标题</a:t>
             </a:r>
             <a:endParaRPr lang="en-US" dirty="0"/>
@@ -3993,42 +3931,37 @@
           <a:p>
             <a:pPr lvl="0"/>
             <a:r>
-              <a:rPr lang="zh-CN" altLang="en-US" dirty="0" smtClean="0"/>
+              <a:rPr lang="zh-CN" altLang="en-US" dirty="0"/>
               <a:t>单击此处编辑母版文本样式</a:t>
             </a:r>
-            <a:endParaRPr lang="zh-CN" altLang="en-US" dirty="0" smtClean="0"/>
           </a:p>
           <a:p>
             <a:pPr lvl="2"/>
             <a:r>
-              <a:rPr lang="zh-CN" altLang="en-US" dirty="0" smtClean="0"/>
+              <a:rPr lang="zh-CN" altLang="en-US" dirty="0"/>
               <a:t>第二级</a:t>
             </a:r>
-            <a:endParaRPr lang="zh-CN" altLang="en-US" dirty="0" smtClean="0"/>
           </a:p>
           <a:p>
             <a:pPr lvl="3"/>
             <a:r>
-              <a:rPr lang="zh-CN" altLang="en-US" dirty="0" smtClean="0"/>
+              <a:rPr lang="zh-CN" altLang="en-US" dirty="0"/>
               <a:t>第三级</a:t>
             </a:r>
-            <a:endParaRPr lang="zh-CN" altLang="en-US" dirty="0" smtClean="0"/>
           </a:p>
           <a:p>
             <a:pPr lvl="4"/>
             <a:r>
-              <a:rPr lang="zh-CN" altLang="en-US" dirty="0" smtClean="0"/>
+              <a:rPr lang="zh-CN" altLang="en-US" dirty="0"/>
               <a:t>第四级</a:t>
             </a:r>
-            <a:endParaRPr lang="zh-CN" altLang="en-US" dirty="0" smtClean="0"/>
           </a:p>
           <a:p>
             <a:pPr lvl="5"/>
             <a:r>
-              <a:rPr lang="zh-CN" altLang="en-US" dirty="0" smtClean="0"/>
+              <a:rPr lang="zh-CN" altLang="en-US" dirty="0"/>
               <a:t>第五级</a:t>
             </a:r>
-            <a:endParaRPr lang="zh-CN" altLang="en-US" dirty="0"/>
           </a:p>
         </p:txBody>
       </p:sp>
@@ -4049,6 +3982,7 @@
           <a:p>
             <a:fld id="{7E209CE7-C191-49CB-93DE-563C8614E8C5}" type="datetimeFigureOut">
               <a:rPr lang="zh-CN" altLang="en-US" smtClean="0"/>
+              <a:t>2020/7/15</a:t>
             </a:fld>
             <a:endParaRPr lang="zh-CN" altLang="en-US"/>
           </a:p>
@@ -4090,6 +4024,7 @@
           <a:p>
             <a:fld id="{B31067DD-7756-4DF3-904A-8F40BA684AA6}" type="slidenum">
               <a:rPr lang="zh-CN" altLang="en-US" smtClean="0"/>
+              <a:t>‹#›</a:t>
             </a:fld>
             <a:endParaRPr lang="zh-CN" altLang="en-US"/>
           </a:p>
@@ -4100,13 +4035,6 @@
   <p:clrMapOvr>
     <a:masterClrMapping/>
   </p:clrMapOvr>
-  <p:timing>
-    <p:tnLst>
-      <p:par>
-        <p:cTn id="1" dur="indefinite" restart="never" nodeType="tmRoot"/>
-      </p:par>
-    </p:tnLst>
-  </p:timing>
 </p:sldLayout>
 </file>
 
@@ -4116,7 +4044,7 @@
     <p:bg>
       <p:bgPr>
         <a:blipFill dpi="0" rotWithShape="1">
-          <a:blip r:embed="rId11">
+          <a:blip r:embed="rId12">
             <a:lum/>
           </a:blip>
           <a:srcRect/>
@@ -4150,11 +4078,11 @@
           <p:nvPr/>
         </p:nvPicPr>
         <p:blipFill>
-          <a:blip r:embed="rId12">
+          <a:blip r:embed="rId13">
             <a:extLst>
               <a:ext uri="{BEBA8EAE-BF5A-486C-A8C5-ECC9F3942E4B}">
                 <a14:imgProps xmlns:a14="http://schemas.microsoft.com/office/drawing/2010/main">
-                  <a14:imgLayer r:embed="rId13">
+                  <a14:imgLayer r:embed="rId14">
                     <a14:imgEffect>
                       <a14:artisticBlur/>
                     </a14:imgEffect>
@@ -4254,7 +4182,7 @@
           <a:lstStyle/>
           <a:p>
             <a:r>
-              <a:rPr lang="zh-CN" altLang="en-US" dirty="0" smtClean="0"/>
+              <a:rPr lang="zh-CN" altLang="en-US" dirty="0"/>
               <a:t>单击此处编辑母版标题样式</a:t>
             </a:r>
             <a:endParaRPr lang="en-US" dirty="0"/>
@@ -4296,6 +4224,7 @@
           <a:p>
             <a:fld id="{7E209CE7-C191-49CB-93DE-563C8614E8C5}" type="datetimeFigureOut">
               <a:rPr lang="zh-CN" altLang="en-US" smtClean="0"/>
+              <a:t>2020/7/15</a:t>
             </a:fld>
             <a:endParaRPr lang="zh-CN" altLang="en-US"/>
           </a:p>
@@ -4373,6 +4302,7 @@
           <a:p>
             <a:fld id="{B31067DD-7756-4DF3-904A-8F40BA684AA6}" type="slidenum">
               <a:rPr lang="zh-CN" altLang="en-US" smtClean="0"/>
+              <a:t>‹#›</a:t>
             </a:fld>
             <a:endParaRPr lang="zh-CN" altLang="en-US"/>
           </a:p>
@@ -4405,42 +4335,37 @@
           <a:p>
             <a:pPr lvl="0"/>
             <a:r>
-              <a:rPr lang="zh-CN" altLang="en-US" dirty="0" smtClean="0"/>
+              <a:rPr lang="zh-CN" altLang="en-US" dirty="0"/>
               <a:t>单击此处编辑母版文本样式</a:t>
             </a:r>
-            <a:endParaRPr lang="zh-CN" altLang="en-US" dirty="0" smtClean="0"/>
           </a:p>
           <a:p>
             <a:pPr lvl="2"/>
             <a:r>
-              <a:rPr lang="zh-CN" altLang="en-US" dirty="0" smtClean="0"/>
+              <a:rPr lang="zh-CN" altLang="en-US" dirty="0"/>
               <a:t>第二级</a:t>
             </a:r>
-            <a:endParaRPr lang="zh-CN" altLang="en-US" dirty="0" smtClean="0"/>
           </a:p>
           <a:p>
             <a:pPr lvl="3"/>
             <a:r>
-              <a:rPr lang="zh-CN" altLang="en-US" dirty="0" smtClean="0"/>
+              <a:rPr lang="zh-CN" altLang="en-US" dirty="0"/>
               <a:t>第三级</a:t>
             </a:r>
-            <a:endParaRPr lang="zh-CN" altLang="en-US" dirty="0" smtClean="0"/>
           </a:p>
           <a:p>
             <a:pPr lvl="4"/>
             <a:r>
-              <a:rPr lang="zh-CN" altLang="en-US" dirty="0" smtClean="0"/>
+              <a:rPr lang="zh-CN" altLang="en-US" dirty="0"/>
               <a:t>第四级</a:t>
             </a:r>
-            <a:endParaRPr lang="zh-CN" altLang="en-US" dirty="0" smtClean="0"/>
           </a:p>
           <a:p>
             <a:pPr lvl="5"/>
             <a:r>
-              <a:rPr lang="zh-CN" altLang="en-US" dirty="0" smtClean="0"/>
+              <a:rPr lang="zh-CN" altLang="en-US" dirty="0"/>
               <a:t>第五级</a:t>
             </a:r>
-            <a:endParaRPr lang="zh-CN" altLang="en-US" dirty="0"/>
           </a:p>
         </p:txBody>
       </p:sp>
@@ -4459,13 +4384,6 @@
     <p:sldLayoutId id="2147483657" r:id="rId9"/>
     <p:sldLayoutId id="2147483658" r:id="rId10"/>
   </p:sldLayoutIdLst>
-  <p:timing>
-    <p:tnLst>
-      <p:par>
-        <p:cTn id="1" dur="indefinite" restart="never" nodeType="tmRoot"/>
-      </p:par>
-    </p:tnLst>
-  </p:timing>
   <p:txStyles>
     <p:titleStyle>
       <a:lvl1pPr algn="l" defTabSz="914400" rtl="0" eaLnBrk="1" latinLnBrk="0" hangingPunct="1">
@@ -4770,7 +4688,7 @@
     <p:bg>
       <p:bgPr>
         <a:blipFill dpi="0" rotWithShape="1">
-          <a:blip r:embed="rId1"/>
+          <a:blip r:embed="rId6"/>
           <a:srcRect/>
           <a:stretch>
             <a:fillRect t="-27000" b="-27000"/>
@@ -4814,16 +4732,12 @@
           <a:lstStyle/>
           <a:p>
             <a:r>
-              <a:rPr lang="zh-CN" altLang="en-US" dirty="0" smtClean="0">
+              <a:rPr lang="zh-CN" altLang="en-US" dirty="0">
                 <a:latin typeface="+mj-lt"/>
                 <a:ea typeface="+mj-ea"/>
               </a:rPr>
               <a:t>豆瓣数据管理 第六组</a:t>
             </a:r>
-            <a:endParaRPr lang="zh-CN" altLang="en-US" dirty="0" smtClean="0">
-              <a:latin typeface="+mj-lt"/>
-              <a:ea typeface="+mj-ea"/>
-            </a:endParaRPr>
           </a:p>
         </p:txBody>
       </p:sp>
@@ -4848,22 +4762,18 @@
           <a:lstStyle/>
           <a:p>
             <a:r>
-              <a:rPr lang="zh-CN" altLang="da-DK" sz="2400" dirty="0" smtClean="0">
+              <a:rPr lang="zh-CN" altLang="da-DK" sz="2400" dirty="0">
                 <a:latin typeface="+mn-lt"/>
                 <a:ea typeface="+mn-ea"/>
               </a:rPr>
               <a:t>全体成员</a:t>
             </a:r>
-            <a:endParaRPr lang="zh-CN" altLang="da-DK" sz="2400" dirty="0" smtClean="0">
-              <a:latin typeface="+mn-lt"/>
-              <a:ea typeface="+mn-ea"/>
-            </a:endParaRPr>
           </a:p>
         </p:txBody>
       </p:sp>
     </p:spTree>
     <p:custDataLst>
-      <p:tags r:id="rId4"/>
+      <p:tags r:id="rId1"/>
     </p:custDataLst>
   </p:cSld>
   <p:clrMapOvr>
@@ -4872,13 +4782,6 @@
   <p:transition spd="slow">
     <p:push dir="u"/>
   </p:transition>
-  <p:timing>
-    <p:tnLst>
-      <p:par>
-        <p:cTn id="1" dur="indefinite" restart="never" nodeType="tmRoot"/>
-      </p:par>
-    </p:tnLst>
-  </p:timing>
 </p:sld>
 </file>
 
@@ -4891,7 +4794,14 @@
         <p:cNvGrpSpPr/>
         <p:nvPr/>
       </p:nvGrpSpPr>
-      <p:grpSpPr/>
+      <p:grpSpPr>
+        <a:xfrm>
+          <a:off x="0" y="0"/>
+          <a:ext cx="0" cy="0"/>
+          <a:chOff x="0" y="0"/>
+          <a:chExt cx="0" cy="0"/>
+        </a:xfrm>
+      </p:grpSpPr>
       <p:sp>
         <p:nvSpPr>
           <p:cNvPr id="2" name="标题 1"/>
@@ -4905,13 +4815,13 @@
         <p:spPr/>
         <p:txBody>
           <a:bodyPr/>
+          <a:lstStyle/>
           <a:p>
             <a:pPr algn="ctr"/>
             <a:r>
               <a:rPr lang="zh-CN" altLang="en-US"/>
               <a:t>各主要功能截图</a:t>
             </a:r>
-            <a:endParaRPr lang="zh-CN" altLang="en-US"/>
           </a:p>
         </p:txBody>
       </p:sp>
@@ -4928,12 +4838,12 @@
         <p:spPr/>
         <p:txBody>
           <a:bodyPr/>
+          <a:lstStyle/>
           <a:p>
             <a:r>
               <a:rPr lang="zh-CN" altLang="en-US"/>
               <a:t>樊午龙：</a:t>
             </a:r>
-            <a:endParaRPr lang="zh-CN" altLang="en-US"/>
           </a:p>
         </p:txBody>
       </p:sp>
@@ -4946,7 +4856,7 @@
           <p:nvPr/>
         </p:nvPicPr>
         <p:blipFill>
-          <a:blip r:embed="rId1"/>
+          <a:blip r:embed="rId2"/>
           <a:stretch>
             <a:fillRect/>
           </a:stretch>
@@ -4970,7 +4880,7 @@
           <p:nvPr/>
         </p:nvPicPr>
         <p:blipFill>
-          <a:blip r:embed="rId2"/>
+          <a:blip r:embed="rId3"/>
           <a:stretch>
             <a:fillRect/>
           </a:stretch>
@@ -4994,7 +4904,7 @@
           <p:nvPr/>
         </p:nvPicPr>
         <p:blipFill>
-          <a:blip r:embed="rId3"/>
+          <a:blip r:embed="rId4"/>
           <a:stretch>
             <a:fillRect/>
           </a:stretch>
@@ -5026,7 +4936,14 @@
         <p:cNvGrpSpPr/>
         <p:nvPr/>
       </p:nvGrpSpPr>
-      <p:grpSpPr/>
+      <p:grpSpPr>
+        <a:xfrm>
+          <a:off x="0" y="0"/>
+          <a:ext cx="0" cy="0"/>
+          <a:chOff x="0" y="0"/>
+          <a:chExt cx="0" cy="0"/>
+        </a:xfrm>
+      </p:grpSpPr>
       <p:sp>
         <p:nvSpPr>
           <p:cNvPr id="2" name="标题 1"/>
@@ -5040,13 +4957,13 @@
         <p:spPr/>
         <p:txBody>
           <a:bodyPr/>
+          <a:lstStyle/>
           <a:p>
             <a:pPr algn="ctr"/>
             <a:r>
               <a:rPr lang="zh-CN" altLang="en-US"/>
               <a:t>各主要功能截图</a:t>
             </a:r>
-            <a:endParaRPr lang="zh-CN" altLang="en-US"/>
           </a:p>
         </p:txBody>
       </p:sp>
@@ -5063,12 +4980,12 @@
         <p:spPr/>
         <p:txBody>
           <a:bodyPr/>
+          <a:lstStyle/>
           <a:p>
             <a:r>
               <a:rPr lang="zh-CN" altLang="en-US"/>
               <a:t>郝子成：</a:t>
             </a:r>
-            <a:endParaRPr lang="zh-CN" altLang="en-US"/>
           </a:p>
         </p:txBody>
       </p:sp>
@@ -5081,7 +4998,7 @@
           <p:nvPr/>
         </p:nvPicPr>
         <p:blipFill>
-          <a:blip r:embed="rId1"/>
+          <a:blip r:embed="rId2"/>
           <a:stretch>
             <a:fillRect/>
           </a:stretch>
@@ -5105,7 +5022,7 @@
           <p:nvPr/>
         </p:nvPicPr>
         <p:blipFill>
-          <a:blip r:embed="rId2"/>
+          <a:blip r:embed="rId3"/>
           <a:stretch>
             <a:fillRect/>
           </a:stretch>
@@ -5129,7 +5046,7 @@
           <p:nvPr/>
         </p:nvPicPr>
         <p:blipFill>
-          <a:blip r:embed="rId3"/>
+          <a:blip r:embed="rId4"/>
           <a:stretch>
             <a:fillRect/>
           </a:stretch>
@@ -5153,7 +5070,7 @@
           <p:nvPr/>
         </p:nvPicPr>
         <p:blipFill>
-          <a:blip r:embed="rId4"/>
+          <a:blip r:embed="rId5"/>
           <a:stretch>
             <a:fillRect/>
           </a:stretch>
@@ -5186,7 +5103,7 @@
     <p:bg>
       <p:bgPr>
         <a:blipFill dpi="0" rotWithShape="1">
-          <a:blip r:embed="rId1"/>
+          <a:blip r:embed="rId2"/>
           <a:srcRect/>
           <a:stretch>
             <a:fillRect t="-27000" b="-27000"/>
@@ -5227,10 +5144,9 @@
           <a:lstStyle/>
           <a:p>
             <a:r>
-              <a:rPr lang="zh-CN" altLang="en-US" sz="4800" dirty="0" smtClean="0"/>
+              <a:rPr lang="zh-CN" altLang="en-US" sz="4800" dirty="0"/>
               <a:t>谢谢观看</a:t>
             </a:r>
-            <a:endParaRPr lang="zh-CN" altLang="en-US" sz="4800" dirty="0"/>
           </a:p>
         </p:txBody>
       </p:sp>
@@ -5242,13 +5158,6 @@
   <p:transition spd="slow">
     <p:push dir="u"/>
   </p:transition>
-  <p:timing>
-    <p:tnLst>
-      <p:par>
-        <p:cTn id="1" dur="indefinite" restart="never" nodeType="tmRoot"/>
-      </p:par>
-    </p:tnLst>
-  </p:timing>
 </p:sld>
 </file>
 
@@ -5258,7 +5167,7 @@
     <p:bg>
       <p:bgPr>
         <a:blipFill dpi="0" rotWithShape="1">
-          <a:blip r:embed="rId1"/>
+          <a:blip r:embed="rId2"/>
           <a:srcRect/>
           <a:stretch>
             <a:fillRect t="-16000" b="-16000"/>
@@ -5305,18 +5214,13 @@
           <a:p>
             <a:pPr algn="ctr"/>
             <a:r>
-              <a:rPr lang="zh-CN" altLang="en-US" sz="5400" dirty="0" smtClean="0">
+              <a:rPr lang="zh-CN" altLang="en-US" sz="5400" dirty="0">
                 <a:solidFill>
                   <a:srgbClr val="FF0000"/>
                 </a:solidFill>
               </a:rPr>
               <a:t>  目录</a:t>
             </a:r>
-            <a:endParaRPr lang="zh-CN" altLang="en-US" sz="5400" dirty="0">
-              <a:solidFill>
-                <a:srgbClr val="FF0000"/>
-              </a:solidFill>
-            </a:endParaRPr>
           </a:p>
         </p:txBody>
       </p:sp>
@@ -5342,10 +5246,10 @@
               <a:buChar char="u"/>
             </a:pPr>
             <a:r>
-              <a:rPr lang="zh-CN" altLang="en-US" sz="4400" dirty="0" smtClean="0"/>
+              <a:rPr lang="zh-CN" altLang="en-US" sz="4400" dirty="0"/>
               <a:t>成员介绍及分工说明</a:t>
             </a:r>
-            <a:endParaRPr lang="en-US" altLang="zh-CN" sz="4400" dirty="0" smtClean="0"/>
+            <a:endParaRPr lang="en-US" altLang="zh-CN" sz="4400" dirty="0"/>
           </a:p>
           <a:p>
             <a:pPr algn="l">
@@ -5353,10 +5257,9 @@
               <a:buChar char="u"/>
             </a:pPr>
             <a:r>
-              <a:rPr lang="zh-CN" sz="4400" dirty="0" smtClean="0"/>
+              <a:rPr lang="zh-CN" sz="4400" dirty="0"/>
               <a:t>数据爬虫条目数汇总</a:t>
             </a:r>
-            <a:endParaRPr lang="zh-CN" sz="4400" dirty="0" smtClean="0"/>
           </a:p>
           <a:p>
             <a:pPr algn="l">
@@ -5364,10 +5267,9 @@
               <a:buChar char="u"/>
             </a:pPr>
             <a:r>
-              <a:rPr lang="zh-CN" sz="4400" dirty="0" smtClean="0"/>
+              <a:rPr lang="zh-CN" sz="4400" dirty="0"/>
               <a:t>所用技术列表及介绍</a:t>
             </a:r>
-            <a:endParaRPr lang="zh-CN" sz="4400" dirty="0" smtClean="0"/>
           </a:p>
           <a:p>
             <a:pPr algn="l">
@@ -5378,7 +5280,6 @@
               <a:rPr lang="zh-CN" altLang="en-US" sz="4400" dirty="0"/>
               <a:t>各主要功能截图</a:t>
             </a:r>
-            <a:endParaRPr lang="zh-CN" altLang="en-US" sz="4400" dirty="0"/>
           </a:p>
         </p:txBody>
       </p:sp>
@@ -5387,25 +5288,18 @@
   <p:clrMapOvr>
     <a:masterClrMapping/>
   </p:clrMapOvr>
-  <mc:AlternateContent xmlns:mc="http://schemas.openxmlformats.org/markup-compatibility/2006">
-    <mc:Choice xmlns:p14="http://schemas.microsoft.com/office/powerpoint/2010/main" Requires="p14">
+  <mc:AlternateContent xmlns:mc="http://schemas.openxmlformats.org/markup-compatibility/2006" xmlns:p14="http://schemas.microsoft.com/office/powerpoint/2010/main">
+    <mc:Choice Requires="p14">
       <p:transition spd="med" p14:dur="700">
         <p:fade/>
       </p:transition>
     </mc:Choice>
-    <mc:Fallback>
+    <mc:Fallback xmlns="">
       <p:transition spd="med">
         <p:fade/>
       </p:transition>
     </mc:Fallback>
   </mc:AlternateContent>
-  <p:timing>
-    <p:tnLst>
-      <p:par>
-        <p:cTn id="1" dur="indefinite" restart="never" nodeType="tmRoot"/>
-      </p:par>
-    </p:tnLst>
-  </p:timing>
 </p:sld>
 </file>
 
@@ -5415,7 +5309,7 @@
     <p:bg>
       <p:bgPr>
         <a:blipFill dpi="0" rotWithShape="1">
-          <a:blip r:embed="rId1"/>
+          <a:blip r:embed="rId2"/>
           <a:srcRect/>
           <a:stretch>
             <a:fillRect t="-61000" b="-61000"/>
@@ -5455,18 +5349,13 @@
           <a:p>
             <a:pPr algn="ctr"/>
             <a:r>
-              <a:rPr lang="zh-CN" altLang="en-US" dirty="0" smtClean="0">
+              <a:rPr lang="zh-CN" altLang="en-US" dirty="0">
                 <a:solidFill>
                   <a:srgbClr val="FF0000"/>
                 </a:solidFill>
               </a:rPr>
               <a:t>    成员介绍及分工说明</a:t>
             </a:r>
-            <a:endParaRPr lang="zh-CN" altLang="en-US" dirty="0">
-              <a:solidFill>
-                <a:srgbClr val="FF0000"/>
-              </a:solidFill>
-            </a:endParaRPr>
           </a:p>
         </p:txBody>
       </p:sp>
@@ -5492,7 +5381,6 @@
               <a:rPr lang="zh-CN" altLang="en-US" dirty="0"/>
               <a:t>组长：孔维一</a:t>
             </a:r>
-            <a:endParaRPr lang="zh-CN" altLang="en-US" dirty="0"/>
           </a:p>
           <a:p>
             <a:pPr marL="0" indent="0">
@@ -5502,7 +5390,6 @@
               <a:rPr lang="zh-CN" altLang="en-US" dirty="0"/>
               <a:t>组员：史芯源 樊午龙 郝子成</a:t>
             </a:r>
-            <a:endParaRPr lang="zh-CN" altLang="en-US" dirty="0"/>
           </a:p>
           <a:p>
             <a:pPr marL="0" indent="0">
@@ -5526,7 +5413,6 @@
               <a:rPr lang="zh-CN" altLang="en-US" dirty="0"/>
               <a:t>孔维一</a:t>
             </a:r>
-            <a:endParaRPr lang="zh-CN" altLang="en-US" dirty="0"/>
           </a:p>
           <a:p>
             <a:pPr marL="0" indent="0">
@@ -5548,7 +5434,6 @@
               <a:rPr lang="zh-CN" altLang="en-US" dirty="0"/>
               <a:t>樊午龙</a:t>
             </a:r>
-            <a:endParaRPr lang="zh-CN" altLang="en-US" dirty="0"/>
           </a:p>
           <a:p>
             <a:pPr marL="0" indent="0">
@@ -5570,7 +5455,6 @@
               <a:rPr lang="zh-CN" altLang="en-US" dirty="0"/>
               <a:t>史芯源</a:t>
             </a:r>
-            <a:endParaRPr lang="zh-CN" altLang="en-US" dirty="0"/>
           </a:p>
           <a:p>
             <a:pPr marL="0" indent="0">
@@ -5592,7 +5476,6 @@
               <a:rPr lang="zh-CN" altLang="en-US" dirty="0"/>
               <a:t>郝子成</a:t>
             </a:r>
-            <a:endParaRPr lang="zh-CN" altLang="en-US" dirty="0"/>
           </a:p>
           <a:p>
             <a:pPr marL="0" indent="0">
@@ -5614,7 +5497,6 @@
               <a:rPr lang="zh-CN" altLang="en-US" dirty="0"/>
               <a:t>主要为孔维一负责</a:t>
             </a:r>
-            <a:endParaRPr lang="zh-CN" altLang="en-US" dirty="0"/>
           </a:p>
           <a:p>
             <a:pPr marL="0" indent="0">
@@ -5628,7 +5510,6 @@
               <a:rPr lang="zh-CN" altLang="en-US" dirty="0"/>
               <a:t>其余人负责页面编写修订等内容</a:t>
             </a:r>
-            <a:endParaRPr lang="zh-CN" altLang="en-US" dirty="0"/>
           </a:p>
         </p:txBody>
       </p:sp>
@@ -5640,13 +5521,6 @@
   <p:transition spd="slow">
     <p:wipe/>
   </p:transition>
-  <p:timing>
-    <p:tnLst>
-      <p:par>
-        <p:cTn id="1" dur="indefinite" restart="never" nodeType="tmRoot"/>
-      </p:par>
-    </p:tnLst>
-  </p:timing>
 </p:sld>
 </file>
 
@@ -5656,7 +5530,7 @@
     <p:bg>
       <p:bgPr>
         <a:blipFill dpi="0" rotWithShape="1">
-          <a:blip r:embed="rId1"/>
+          <a:blip r:embed="rId2"/>
           <a:srcRect/>
           <a:stretch>
             <a:fillRect/>
@@ -5703,11 +5577,6 @@
               </a:rPr>
               <a:t>数据爬虫条目数汇总</a:t>
             </a:r>
-            <a:endParaRPr lang="zh-CN" altLang="en-US" dirty="0">
-              <a:solidFill>
-                <a:srgbClr val="FF0000"/>
-              </a:solidFill>
-            </a:endParaRPr>
           </a:p>
         </p:txBody>
       </p:sp>
@@ -5746,7 +5615,6 @@
               <a:rPr lang="zh-CN" altLang="en-US" dirty="0"/>
               <a:t>本图书信息</a:t>
             </a:r>
-            <a:endParaRPr lang="zh-CN" altLang="en-US" dirty="0"/>
           </a:p>
           <a:p>
             <a:pPr marL="0" indent="0">
@@ -5768,7 +5636,6 @@
               <a:rPr lang="zh-CN" altLang="en-US" dirty="0"/>
               <a:t>条评论信息</a:t>
             </a:r>
-            <a:endParaRPr lang="zh-CN" altLang="en-US" dirty="0"/>
           </a:p>
           <a:p>
             <a:pPr marL="0" indent="0">
@@ -5798,13 +5665,12 @@
             </a:r>
             <a:r>
               <a:rPr lang="en-US" altLang="zh-CN" dirty="0"/>
-              <a:t>1251</a:t>
+              <a:t>1771</a:t>
             </a:r>
             <a:r>
               <a:rPr lang="zh-CN" altLang="en-US" dirty="0"/>
               <a:t>首音乐信息</a:t>
             </a:r>
-            <a:endParaRPr lang="zh-CN" altLang="en-US" dirty="0"/>
           </a:p>
           <a:p>
             <a:pPr marL="0" indent="0">
@@ -5826,7 +5692,6 @@
               <a:rPr lang="zh-CN" altLang="en-US" dirty="0"/>
               <a:t>条评论信息</a:t>
             </a:r>
-            <a:endParaRPr lang="zh-CN" altLang="en-US" dirty="0"/>
           </a:p>
         </p:txBody>
       </p:sp>
@@ -5839,7 +5704,7 @@
           <p:nvPr/>
         </p:nvPicPr>
         <p:blipFill>
-          <a:blip r:embed="rId2"/>
+          <a:blip r:embed="rId3"/>
           <a:stretch>
             <a:fillRect/>
           </a:stretch>
@@ -5863,7 +5728,7 @@
           <p:nvPr/>
         </p:nvPicPr>
         <p:blipFill>
-          <a:blip r:embed="rId3"/>
+          <a:blip r:embed="rId4"/>
           <a:stretch>
             <a:fillRect/>
           </a:stretch>
@@ -5887,7 +5752,7 @@
           <p:nvPr/>
         </p:nvPicPr>
         <p:blipFill>
-          <a:blip r:embed="rId4"/>
+          <a:blip r:embed="rId5"/>
           <a:stretch>
             <a:fillRect/>
           </a:stretch>
@@ -5911,7 +5776,7 @@
           <p:nvPr/>
         </p:nvPicPr>
         <p:blipFill>
-          <a:blip r:embed="rId5"/>
+          <a:blip r:embed="rId6"/>
           <a:stretch>
             <a:fillRect/>
           </a:stretch>
@@ -5931,25 +5796,18 @@
   <p:clrMapOvr>
     <a:masterClrMapping/>
   </p:clrMapOvr>
-  <mc:AlternateContent xmlns:mc="http://schemas.openxmlformats.org/markup-compatibility/2006">
-    <mc:Choice xmlns:p14="http://schemas.microsoft.com/office/powerpoint/2010/main" Requires="p14">
+  <mc:AlternateContent xmlns:mc="http://schemas.openxmlformats.org/markup-compatibility/2006" xmlns:p14="http://schemas.microsoft.com/office/powerpoint/2010/main">
+    <mc:Choice Requires="p14">
       <p:transition spd="slow" p14:dur="1500">
         <p:split orient="vert"/>
       </p:transition>
     </mc:Choice>
-    <mc:Fallback>
+    <mc:Fallback xmlns="">
       <p:transition spd="slow">
         <p:split orient="vert"/>
       </p:transition>
     </mc:Fallback>
   </mc:AlternateContent>
-  <p:timing>
-    <p:tnLst>
-      <p:par>
-        <p:cTn id="1" dur="indefinite" restart="never" nodeType="tmRoot"/>
-      </p:par>
-    </p:tnLst>
-  </p:timing>
 </p:sld>
 </file>
 
@@ -5959,7 +5817,7 @@
     <p:bg>
       <p:bgPr>
         <a:blipFill dpi="0" rotWithShape="1">
-          <a:blip r:embed="rId1"/>
+          <a:blip r:embed="rId2"/>
           <a:srcRect/>
           <a:stretch>
             <a:fillRect/>
@@ -6006,11 +5864,6 @@
               </a:rPr>
               <a:t>数据爬虫条目数汇总</a:t>
             </a:r>
-            <a:endParaRPr lang="zh-CN" altLang="en-US" dirty="0">
-              <a:solidFill>
-                <a:srgbClr val="FF0000"/>
-              </a:solidFill>
-            </a:endParaRPr>
           </a:p>
         </p:txBody>
       </p:sp>
@@ -6049,7 +5902,6 @@
               <a:rPr lang="zh-CN" altLang="en-US" dirty="0"/>
               <a:t>部电视剧信息</a:t>
             </a:r>
-            <a:endParaRPr lang="zh-CN" altLang="en-US" dirty="0"/>
           </a:p>
           <a:p>
             <a:pPr marL="0" indent="0">
@@ -6063,7 +5915,6 @@
               <a:rPr lang="zh-CN" altLang="en-US" dirty="0"/>
               <a:t>（包括评论在内）</a:t>
             </a:r>
-            <a:endParaRPr lang="zh-CN" altLang="en-US" dirty="0"/>
           </a:p>
           <a:p>
             <a:pPr marL="0" indent="0">
@@ -6091,13 +5942,8 @@
             </a:r>
             <a:r>
               <a:rPr lang="zh-CN" altLang="en-US" dirty="0"/>
-              <a:t>部电影</a:t>
-            </a:r>
-            <a:r>
-              <a:rPr lang="zh-CN" altLang="en-US" dirty="0"/>
-              <a:t>信息</a:t>
-            </a:r>
-            <a:endParaRPr lang="zh-CN" altLang="en-US" dirty="0"/>
+              <a:t>部电影信息</a:t>
+            </a:r>
           </a:p>
           <a:p>
             <a:pPr marL="0" indent="0">
@@ -6119,7 +5965,6 @@
               <a:rPr lang="zh-CN" altLang="en-US" dirty="0"/>
               <a:t>条评论信息</a:t>
             </a:r>
-            <a:endParaRPr lang="zh-CN" altLang="en-US" dirty="0"/>
           </a:p>
         </p:txBody>
       </p:sp>
@@ -6132,7 +5977,7 @@
           <p:nvPr/>
         </p:nvPicPr>
         <p:blipFill>
-          <a:blip r:embed="rId2"/>
+          <a:blip r:embed="rId3"/>
           <a:stretch>
             <a:fillRect/>
           </a:stretch>
@@ -6156,7 +6001,7 @@
           <p:nvPr/>
         </p:nvPicPr>
         <p:blipFill>
-          <a:blip r:embed="rId3"/>
+          <a:blip r:embed="rId4"/>
           <a:stretch>
             <a:fillRect/>
           </a:stretch>
@@ -6180,7 +6025,7 @@
           <p:nvPr/>
         </p:nvPicPr>
         <p:blipFill>
-          <a:blip r:embed="rId4"/>
+          <a:blip r:embed="rId5"/>
           <a:stretch>
             <a:fillRect/>
           </a:stretch>
@@ -6200,25 +6045,18 @@
   <p:clrMapOvr>
     <a:masterClrMapping/>
   </p:clrMapOvr>
-  <mc:AlternateContent xmlns:mc="http://schemas.openxmlformats.org/markup-compatibility/2006">
-    <mc:Choice xmlns:p14="http://schemas.microsoft.com/office/powerpoint/2010/main" Requires="p14">
+  <mc:AlternateContent xmlns:mc="http://schemas.openxmlformats.org/markup-compatibility/2006" xmlns:p14="http://schemas.microsoft.com/office/powerpoint/2010/main">
+    <mc:Choice Requires="p14">
       <p:transition spd="slow" p14:dur="1500">
         <p:split orient="vert"/>
       </p:transition>
     </mc:Choice>
-    <mc:Fallback>
+    <mc:Fallback xmlns="">
       <p:transition spd="slow">
         <p:split orient="vert"/>
       </p:transition>
     </mc:Fallback>
   </mc:AlternateContent>
-  <p:timing>
-    <p:tnLst>
-      <p:par>
-        <p:cTn id="1" dur="indefinite" restart="never" nodeType="tmRoot"/>
-      </p:par>
-    </p:tnLst>
-  </p:timing>
 </p:sld>
 </file>
 
@@ -6228,7 +6066,7 @@
     <p:bg>
       <p:bgPr>
         <a:blipFill dpi="0" rotWithShape="1">
-          <a:blip r:embed="rId1"/>
+          <a:blip r:embed="rId3"/>
           <a:srcRect/>
           <a:stretch>
             <a:fillRect/>
@@ -6275,11 +6113,6 @@
               </a:rPr>
               <a:t>数据爬虫条目数汇总</a:t>
             </a:r>
-            <a:endParaRPr lang="zh-CN" altLang="en-US" dirty="0">
-              <a:solidFill>
-                <a:srgbClr val="FF0000"/>
-              </a:solidFill>
-            </a:endParaRPr>
           </a:p>
         </p:txBody>
       </p:sp>
@@ -6318,7 +6151,6 @@
               <a:rPr lang="zh-CN" altLang="en-US" dirty="0"/>
               <a:t>条豆瓣用户信息</a:t>
             </a:r>
-            <a:endParaRPr lang="zh-CN" altLang="en-US" dirty="0"/>
           </a:p>
         </p:txBody>
       </p:sp>
@@ -6330,12 +6162,12 @@
           </p:cNvPicPr>
           <p:nvPr>
             <p:custDataLst>
-              <p:tags r:id="rId2"/>
+              <p:tags r:id="rId1"/>
             </p:custDataLst>
           </p:nvPr>
         </p:nvPicPr>
         <p:blipFill>
-          <a:blip r:embed="rId3"/>
+          <a:blip r:embed="rId4"/>
           <a:stretch>
             <a:fillRect/>
           </a:stretch>
@@ -6355,25 +6187,18 @@
   <p:clrMapOvr>
     <a:masterClrMapping/>
   </p:clrMapOvr>
-  <mc:AlternateContent xmlns:mc="http://schemas.openxmlformats.org/markup-compatibility/2006">
-    <mc:Choice xmlns:p14="http://schemas.microsoft.com/office/powerpoint/2010/main" Requires="p14">
+  <mc:AlternateContent xmlns:mc="http://schemas.openxmlformats.org/markup-compatibility/2006" xmlns:p14="http://schemas.microsoft.com/office/powerpoint/2010/main">
+    <mc:Choice Requires="p14">
       <p:transition spd="slow" p14:dur="1500">
         <p:split orient="vert"/>
       </p:transition>
     </mc:Choice>
-    <mc:Fallback>
+    <mc:Fallback xmlns="">
       <p:transition spd="slow">
         <p:split orient="vert"/>
       </p:transition>
     </mc:Fallback>
   </mc:AlternateContent>
-  <p:timing>
-    <p:tnLst>
-      <p:par>
-        <p:cTn id="1" dur="indefinite" restart="never" nodeType="tmRoot"/>
-      </p:par>
-    </p:tnLst>
-  </p:timing>
 </p:sld>
 </file>
 
@@ -6386,7 +6211,14 @@
         <p:cNvGrpSpPr/>
         <p:nvPr/>
       </p:nvGrpSpPr>
-      <p:grpSpPr/>
+      <p:grpSpPr>
+        <a:xfrm>
+          <a:off x="0" y="0"/>
+          <a:ext cx="0" cy="0"/>
+          <a:chOff x="0" y="0"/>
+          <a:chExt cx="0" cy="0"/>
+        </a:xfrm>
+      </p:grpSpPr>
       <p:sp>
         <p:nvSpPr>
           <p:cNvPr id="2" name="标题 1"/>
@@ -6402,10 +6234,11 @@
           <a:bodyPr>
             <a:normAutofit/>
           </a:bodyPr>
+          <a:lstStyle/>
           <a:p>
             <a:pPr algn="ctr"/>
             <a:r>
-              <a:rPr lang="zh-CN" dirty="0" smtClean="0">
+              <a:rPr lang="zh-CN" dirty="0">
                 <a:sym typeface="+mn-ea"/>
               </a:rPr>
               <a:t>所用技术列表及介绍</a:t>
@@ -6417,7 +6250,9 @@
       <p:graphicFrame>
         <p:nvGraphicFramePr>
           <p:cNvPr id="7" name="内容占位符 6"/>
-          <p:cNvGraphicFramePr/>
+          <p:cNvGraphicFramePr>
+            <a:graphicFrameLocks noGrp="1"/>
+          </p:cNvGraphicFramePr>
           <p:nvPr>
             <p:ph idx="1"/>
           </p:nvPr>
@@ -6433,15 +6268,40 @@
                 <a:tableStyleId>{5C22544A-7EE6-4342-B048-85BDC9FD1C3A}</a:tableStyleId>
               </a:tblPr>
               <a:tblGrid>
-                <a:gridCol w="2714625"/>
-                <a:gridCol w="2714625"/>
-                <a:gridCol w="2714625"/>
-                <a:gridCol w="2714625"/>
+                <a:gridCol w="2714625">
+                  <a:extLst>
+                    <a:ext uri="{9D8B030D-6E8A-4147-A177-3AD203B41FA5}">
+                      <a16:colId xmlns:a16="http://schemas.microsoft.com/office/drawing/2014/main" val="20000"/>
+                    </a:ext>
+                  </a:extLst>
+                </a:gridCol>
+                <a:gridCol w="2714625">
+                  <a:extLst>
+                    <a:ext uri="{9D8B030D-6E8A-4147-A177-3AD203B41FA5}">
+                      <a16:colId xmlns:a16="http://schemas.microsoft.com/office/drawing/2014/main" val="20001"/>
+                    </a:ext>
+                  </a:extLst>
+                </a:gridCol>
+                <a:gridCol w="2714625">
+                  <a:extLst>
+                    <a:ext uri="{9D8B030D-6E8A-4147-A177-3AD203B41FA5}">
+                      <a16:colId xmlns:a16="http://schemas.microsoft.com/office/drawing/2014/main" val="20002"/>
+                    </a:ext>
+                  </a:extLst>
+                </a:gridCol>
+                <a:gridCol w="2714625">
+                  <a:extLst>
+                    <a:ext uri="{9D8B030D-6E8A-4147-A177-3AD203B41FA5}">
+                      <a16:colId xmlns:a16="http://schemas.microsoft.com/office/drawing/2014/main" val="20003"/>
+                    </a:ext>
+                  </a:extLst>
+                </a:gridCol>
               </a:tblGrid>
               <a:tr h="4361815">
                 <a:tc>
                   <a:txBody>
                     <a:bodyPr/>
+                    <a:lstStyle/>
                     <a:p>
                       <a:pPr algn="ctr">
                         <a:buNone/>
@@ -6450,7 +6310,6 @@
                         <a:rPr lang="zh-CN" altLang="en-US" sz="2400"/>
                         <a:t>爬虫技术：</a:t>
                       </a:r>
-                      <a:endParaRPr lang="zh-CN" altLang="en-US" sz="2400"/>
                     </a:p>
                     <a:p>
                       <a:pPr algn="l">
@@ -6464,7 +6323,6 @@
                         <a:rPr lang="zh-CN" altLang="en-US" sz="1800"/>
                         <a:t>框架</a:t>
                       </a:r>
-                      <a:endParaRPr lang="zh-CN" altLang="en-US" sz="1800"/>
                     </a:p>
                     <a:p>
                       <a:pPr algn="l">
@@ -6478,7 +6336,6 @@
                         <a:rPr lang="zh-CN" altLang="en-US" sz="1800"/>
                         <a:t>：史芯源使用的为BeautifulSoup爬虫技术</a:t>
                       </a:r>
-                      <a:endParaRPr lang="zh-CN" altLang="en-US" sz="1800"/>
                     </a:p>
                     <a:p>
                       <a:pPr algn="l">
@@ -6500,7 +6357,6 @@
                         <a:rPr lang="zh-CN" altLang="en-US" sz="1800"/>
                         <a:t>该技术用于四个模块豆瓣信息的爬取。</a:t>
                       </a:r>
-                      <a:endParaRPr lang="zh-CN" altLang="en-US" sz="1800"/>
                     </a:p>
                     <a:p>
                       <a:pPr algn="l">
@@ -6520,6 +6376,7 @@
                 <a:tc>
                   <a:txBody>
                     <a:bodyPr/>
+                    <a:lstStyle/>
                     <a:p>
                       <a:pPr algn="ctr">
                         <a:buNone/>
@@ -6528,7 +6385,6 @@
                         <a:rPr lang="zh-CN" altLang="en-US" sz="2400"/>
                         <a:t>服务器端开发框架：</a:t>
                       </a:r>
-                      <a:endParaRPr lang="zh-CN" altLang="en-US" sz="2400"/>
                     </a:p>
                     <a:p>
                       <a:pPr algn="l">
@@ -6542,7 +6398,6 @@
                         <a:rPr sz="1800"/>
                         <a:t>（Spring + SpringMVC + MyBatis）</a:t>
                       </a:r>
-                      <a:endParaRPr sz="1800"/>
                     </a:p>
                     <a:p>
                       <a:pPr algn="l">
@@ -6594,7 +6449,6 @@
                         <a:rPr lang="zh-CN" altLang="en-US" sz="1800"/>
                         <a:t>无法与数据库产生交互，需要用这些技术让前端与服务器端产生交互。</a:t>
                       </a:r>
-                      <a:endParaRPr lang="zh-CN" altLang="en-US" sz="1800"/>
                     </a:p>
                   </a:txBody>
                   <a:tcPr/>
@@ -6602,6 +6456,7 @@
                 <a:tc>
                   <a:txBody>
                     <a:bodyPr/>
+                    <a:lstStyle/>
                     <a:p>
                       <a:pPr algn="ctr">
                         <a:buNone/>
@@ -6610,7 +6465,6 @@
                         <a:rPr lang="zh-CN" altLang="en-US" sz="2400"/>
                         <a:t>前端开发技术：</a:t>
                       </a:r>
-                      <a:endParaRPr lang="zh-CN" altLang="en-US" sz="2400"/>
                     </a:p>
                     <a:p>
                       <a:pPr algn="l">
@@ -6620,7 +6474,6 @@
                         <a:rPr lang="zh-CN" altLang="en-US" sz="1800"/>
                         <a:t>jQuery + LayUI + eCharts</a:t>
                       </a:r>
-                      <a:endParaRPr lang="zh-CN" altLang="en-US" sz="1800"/>
                     </a:p>
                     <a:p>
                       <a:pPr algn="l">
@@ -6672,7 +6525,6 @@
                         <a:rPr lang="zh-CN" altLang="en-US" sz="1800"/>
                         <a:t>将数据库中爬来的数据进行图表等可视化展示。</a:t>
                       </a:r>
-                      <a:endParaRPr lang="zh-CN" altLang="en-US" sz="1800"/>
                     </a:p>
                   </a:txBody>
                   <a:tcPr/>
@@ -6680,6 +6532,7 @@
                 <a:tc>
                   <a:txBody>
                     <a:bodyPr/>
+                    <a:lstStyle/>
                     <a:p>
                       <a:pPr algn="ctr">
                         <a:buNone/>
@@ -6688,7 +6541,6 @@
                         <a:rPr lang="zh-CN" altLang="en-US" sz="2400"/>
                         <a:t>数据库技术：</a:t>
                       </a:r>
-                      <a:endParaRPr lang="zh-CN" altLang="en-US" sz="2400"/>
                     </a:p>
                     <a:p>
                       <a:pPr algn="ctr">
@@ -6706,7 +6558,6 @@
                         <a:rPr lang="en-US" altLang="zh-CN" sz="2400"/>
                         <a:t>Mariadb)</a:t>
                       </a:r>
-                      <a:endParaRPr lang="en-US" altLang="zh-CN" sz="2400"/>
                     </a:p>
                     <a:p>
                       <a:pPr algn="ctr">
@@ -6734,11 +6585,15 @@
                         <a:rPr lang="zh-CN" altLang="en-US" sz="1800"/>
                         <a:t>此次是在远程服务器上部署数据库而非本地，本地下载安装数据库管理工具即可。</a:t>
                       </a:r>
-                      <a:endParaRPr lang="zh-CN" altLang="en-US" sz="1800"/>
                     </a:p>
                   </a:txBody>
                   <a:tcPr/>
                 </a:tc>
+                <a:extLst>
+                  <a:ext uri="{0D108BD9-81ED-4DB2-BD59-A6C34878D82A}">
+                    <a16:rowId xmlns:a16="http://schemas.microsoft.com/office/drawing/2014/main" val="10000"/>
+                  </a:ext>
+                </a:extLst>
               </a:tr>
             </a:tbl>
           </a:graphicData>
@@ -6761,7 +6616,14 @@
         <p:cNvGrpSpPr/>
         <p:nvPr/>
       </p:nvGrpSpPr>
-      <p:grpSpPr/>
+      <p:grpSpPr>
+        <a:xfrm>
+          <a:off x="0" y="0"/>
+          <a:ext cx="0" cy="0"/>
+          <a:chOff x="0" y="0"/>
+          <a:chExt cx="0" cy="0"/>
+        </a:xfrm>
+      </p:grpSpPr>
       <p:sp>
         <p:nvSpPr>
           <p:cNvPr id="2" name="标题 1"/>
@@ -6775,13 +6637,13 @@
         <p:spPr/>
         <p:txBody>
           <a:bodyPr/>
+          <a:lstStyle/>
           <a:p>
             <a:pPr algn="ctr"/>
             <a:r>
               <a:rPr lang="zh-CN" altLang="en-US"/>
               <a:t>各主要功能截图</a:t>
             </a:r>
-            <a:endParaRPr lang="zh-CN" altLang="en-US"/>
           </a:p>
         </p:txBody>
       </p:sp>
@@ -6798,12 +6660,12 @@
         <p:spPr/>
         <p:txBody>
           <a:bodyPr/>
+          <a:lstStyle/>
           <a:p>
             <a:r>
               <a:rPr lang="zh-CN" altLang="en-US"/>
               <a:t>孔维一：</a:t>
             </a:r>
-            <a:endParaRPr lang="zh-CN" altLang="en-US"/>
           </a:p>
         </p:txBody>
       </p:sp>
@@ -6820,7 +6682,7 @@
           </p:nvPr>
         </p:nvPicPr>
         <p:blipFill>
-          <a:blip r:embed="rId2"/>
+          <a:blip r:embed="rId3"/>
           <a:stretch>
             <a:fillRect/>
           </a:stretch>
@@ -6844,7 +6706,7 @@
           <p:nvPr/>
         </p:nvPicPr>
         <p:blipFill>
-          <a:blip r:embed="rId3"/>
+          <a:blip r:embed="rId4"/>
           <a:stretch>
             <a:fillRect/>
           </a:stretch>
@@ -6868,7 +6730,7 @@
           <p:nvPr/>
         </p:nvPicPr>
         <p:blipFill>
-          <a:blip r:embed="rId4"/>
+          <a:blip r:embed="rId5"/>
           <a:stretch>
             <a:fillRect/>
           </a:stretch>
@@ -6892,7 +6754,7 @@
           <p:nvPr/>
         </p:nvPicPr>
         <p:blipFill>
-          <a:blip r:embed="rId5"/>
+          <a:blip r:embed="rId6"/>
           <a:stretch>
             <a:fillRect/>
           </a:stretch>
@@ -6924,7 +6786,14 @@
         <p:cNvGrpSpPr/>
         <p:nvPr/>
       </p:nvGrpSpPr>
-      <p:grpSpPr/>
+      <p:grpSpPr>
+        <a:xfrm>
+          <a:off x="0" y="0"/>
+          <a:ext cx="0" cy="0"/>
+          <a:chOff x="0" y="0"/>
+          <a:chExt cx="0" cy="0"/>
+        </a:xfrm>
+      </p:grpSpPr>
       <p:sp>
         <p:nvSpPr>
           <p:cNvPr id="2" name="标题 1"/>
@@ -6938,13 +6807,13 @@
         <p:spPr/>
         <p:txBody>
           <a:bodyPr/>
+          <a:lstStyle/>
           <a:p>
             <a:pPr algn="ctr"/>
             <a:r>
               <a:rPr lang="zh-CN" altLang="en-US"/>
               <a:t>各主要功能截图</a:t>
             </a:r>
-            <a:endParaRPr lang="zh-CN" altLang="en-US"/>
           </a:p>
         </p:txBody>
       </p:sp>
@@ -6961,12 +6830,12 @@
         <p:spPr/>
         <p:txBody>
           <a:bodyPr/>
+          <a:lstStyle/>
           <a:p>
             <a:r>
               <a:rPr lang="zh-CN" altLang="en-US"/>
               <a:t>史芯源：</a:t>
             </a:r>
-            <a:endParaRPr lang="zh-CN" altLang="en-US"/>
           </a:p>
         </p:txBody>
       </p:sp>
@@ -6979,7 +6848,7 @@
           <p:nvPr/>
         </p:nvPicPr>
         <p:blipFill>
-          <a:blip r:embed="rId1"/>
+          <a:blip r:embed="rId2"/>
           <a:stretch>
             <a:fillRect/>
           </a:stretch>
@@ -7003,7 +6872,7 @@
           <p:nvPr/>
         </p:nvPicPr>
         <p:blipFill>
-          <a:blip r:embed="rId2"/>
+          <a:blip r:embed="rId3"/>
           <a:stretch>
             <a:fillRect/>
           </a:stretch>
@@ -7027,7 +6896,7 @@
           <p:nvPr/>
         </p:nvPicPr>
         <p:blipFill>
-          <a:blip r:embed="rId3"/>
+          <a:blip r:embed="rId4"/>
           <a:stretch>
             <a:fillRect/>
           </a:stretch>
@@ -7051,7 +6920,7 @@
 </file>
 
 <file path=ppt/tags/tag1.xml><?xml version="1.0" encoding="utf-8"?>
-<p:tagLst xmlns:p="http://schemas.openxmlformats.org/presentationml/2006/main">
+<p:tagLst xmlns:a="http://schemas.openxmlformats.org/drawingml/2006/main" xmlns:r="http://schemas.openxmlformats.org/officeDocument/2006/relationships" xmlns:p="http://schemas.openxmlformats.org/presentationml/2006/main">
   <p:tag name="MH" val="20150923180313"/>
   <p:tag name="MH_LIBRARY" val="CONTENTS"/>
   <p:tag name="MH_TYPE" val="OTHERS"/>
@@ -7060,19 +6929,19 @@
 </file>
 
 <file path=ppt/tags/tag10.xml><?xml version="1.0" encoding="utf-8"?>
-<p:tagLst xmlns:p="http://schemas.openxmlformats.org/presentationml/2006/main">
+<p:tagLst xmlns:a="http://schemas.openxmlformats.org/drawingml/2006/main" xmlns:r="http://schemas.openxmlformats.org/officeDocument/2006/relationships" xmlns:p="http://schemas.openxmlformats.org/presentationml/2006/main">
   <p:tag name="KSO_WM_UNIT_PLACING_PICTURE_USER_VIEWPORT" val="{&quot;height&quot;:2496,&quot;width&quot;:16560}"/>
 </p:tagLst>
 </file>
 
 <file path=ppt/tags/tag11.xml><?xml version="1.0" encoding="utf-8"?>
-<p:tagLst xmlns:p="http://schemas.openxmlformats.org/presentationml/2006/main">
+<p:tagLst xmlns:a="http://schemas.openxmlformats.org/drawingml/2006/main" xmlns:r="http://schemas.openxmlformats.org/officeDocument/2006/relationships" xmlns:p="http://schemas.openxmlformats.org/presentationml/2006/main">
   <p:tag name="KSO_WM_UNIT_PLACING_PICTURE_USER_VIEWPORT" val="{&quot;height&quot;:6204,&quot;width&quot;:8340}"/>
 </p:tagLst>
 </file>
 
 <file path=ppt/tags/tag2.xml><?xml version="1.0" encoding="utf-8"?>
-<p:tagLst xmlns:p="http://schemas.openxmlformats.org/presentationml/2006/main">
+<p:tagLst xmlns:a="http://schemas.openxmlformats.org/drawingml/2006/main" xmlns:r="http://schemas.openxmlformats.org/officeDocument/2006/relationships" xmlns:p="http://schemas.openxmlformats.org/presentationml/2006/main">
   <p:tag name="MH" val="20150923180313"/>
   <p:tag name="MH_LIBRARY" val="CONTENTS"/>
   <p:tag name="MH_TYPE" val="NUMBER"/>
@@ -7082,7 +6951,7 @@
 </file>
 
 <file path=ppt/tags/tag3.xml><?xml version="1.0" encoding="utf-8"?>
-<p:tagLst xmlns:p="http://schemas.openxmlformats.org/presentationml/2006/main">
+<p:tagLst xmlns:a="http://schemas.openxmlformats.org/drawingml/2006/main" xmlns:r="http://schemas.openxmlformats.org/officeDocument/2006/relationships" xmlns:p="http://schemas.openxmlformats.org/presentationml/2006/main">
   <p:tag name="MH" val="20151014092127"/>
   <p:tag name="MH_LIBRARY" val="GRAPHIC"/>
   <p:tag name="MH_ORDER" val="Freeform 36"/>
@@ -7090,7 +6959,7 @@
 </file>
 
 <file path=ppt/tags/tag4.xml><?xml version="1.0" encoding="utf-8"?>
-<p:tagLst xmlns:p="http://schemas.openxmlformats.org/presentationml/2006/main">
+<p:tagLst xmlns:a="http://schemas.openxmlformats.org/drawingml/2006/main" xmlns:r="http://schemas.openxmlformats.org/officeDocument/2006/relationships" xmlns:p="http://schemas.openxmlformats.org/presentationml/2006/main">
   <p:tag name="MH" val="20151014092127"/>
   <p:tag name="MH_LIBRARY" val="GRAPHIC"/>
   <p:tag name="MH_ORDER" val="Freeform 34"/>
@@ -7098,7 +6967,7 @@
 </file>
 
 <file path=ppt/tags/tag5.xml><?xml version="1.0" encoding="utf-8"?>
-<p:tagLst xmlns:p="http://schemas.openxmlformats.org/presentationml/2006/main">
+<p:tagLst xmlns:a="http://schemas.openxmlformats.org/drawingml/2006/main" xmlns:r="http://schemas.openxmlformats.org/officeDocument/2006/relationships" xmlns:p="http://schemas.openxmlformats.org/presentationml/2006/main">
   <p:tag name="MH" val="20151014092127"/>
   <p:tag name="MH_LIBRARY" val="GRAPHIC"/>
   <p:tag name="MH_ORDER" val="Freeform 35"/>
@@ -7106,7 +6975,7 @@
 </file>
 
 <file path=ppt/tags/tag6.xml><?xml version="1.0" encoding="utf-8"?>
-<p:tagLst xmlns:p="http://schemas.openxmlformats.org/presentationml/2006/main">
+<p:tagLst xmlns:a="http://schemas.openxmlformats.org/drawingml/2006/main" xmlns:r="http://schemas.openxmlformats.org/officeDocument/2006/relationships" xmlns:p="http://schemas.openxmlformats.org/presentationml/2006/main">
   <p:tag name="MH" val="20151014092127"/>
   <p:tag name="MH_LIBRARY" val="GRAPHIC"/>
   <p:tag name="MH_ORDER" val="Freeform 38"/>
@@ -7114,7 +6983,24 @@
 </file>
 
 <file path=ppt/tags/tag7.xml><?xml version="1.0" encoding="utf-8"?>
-<p:tagLst xmlns:p="http://schemas.openxmlformats.org/presentationml/2006/main">
+<p:tagLst xmlns:a="http://schemas.openxmlformats.org/drawingml/2006/main" xmlns:r="http://schemas.openxmlformats.org/officeDocument/2006/relationships" xmlns:p="http://schemas.openxmlformats.org/presentationml/2006/main">
+  <p:tag name="KSO_WM_TEMPLATE_CATEGORY" val="custom"/>
+  <p:tag name="KSO_WM_TEMPLATE_INDEX" val="160107"/>
+  <p:tag name="KSO_WM_TAG_VERSION" val="1.0"/>
+  <p:tag name="KSO_WM_SLIDE_ID" val="custom160107_1"/>
+  <p:tag name="KSO_WM_SLIDE_INDEX" val="1"/>
+  <p:tag name="KSO_WM_SLIDE_ITEM_CNT" val="2"/>
+  <p:tag name="KSO_WM_SLIDE_LAYOUT" val="a_b"/>
+  <p:tag name="KSO_WM_SLIDE_LAYOUT_CNT" val="1_1"/>
+  <p:tag name="KSO_WM_SLIDE_TYPE" val="title"/>
+  <p:tag name="KSO_WM_BEAUTIFY_FLAG" val="#wm#"/>
+  <p:tag name="KSO_WM_TEMPLATE_THUMBS_INDEX" val="1、3、8、14、18、23、24、25"/>
+  <p:tag name="KSO_WM_SLIDE_MODEL_TYPE" val="cover"/>
+</p:tagLst>
+</file>
+
+<file path=ppt/tags/tag8.xml><?xml version="1.0" encoding="utf-8"?>
+<p:tagLst xmlns:a="http://schemas.openxmlformats.org/drawingml/2006/main" xmlns:r="http://schemas.openxmlformats.org/officeDocument/2006/relationships" xmlns:p="http://schemas.openxmlformats.org/presentationml/2006/main">
   <p:tag name="KSO_WM_TAG_VERSION" val="1.0"/>
   <p:tag name="KSO_WM_BEAUTIFY_FLAG" val="#wm#"/>
   <p:tag name="KSO_WM_TEMPLATE_CATEGORY" val="custom"/>
@@ -7133,8 +7019,8 @@
 </p:tagLst>
 </file>
 
-<file path=ppt/tags/tag8.xml><?xml version="1.0" encoding="utf-8"?>
-<p:tagLst xmlns:p="http://schemas.openxmlformats.org/presentationml/2006/main">
+<file path=ppt/tags/tag9.xml><?xml version="1.0" encoding="utf-8"?>
+<p:tagLst xmlns:a="http://schemas.openxmlformats.org/drawingml/2006/main" xmlns:r="http://schemas.openxmlformats.org/officeDocument/2006/relationships" xmlns:p="http://schemas.openxmlformats.org/presentationml/2006/main">
   <p:tag name="KSO_WM_TAG_VERSION" val="1.0"/>
   <p:tag name="KSO_WM_BEAUTIFY_FLAG" val="#wm#"/>
   <p:tag name="KSO_WM_TEMPLATE_CATEGORY" val="custom"/>
@@ -7150,23 +7036,6 @@
   <p:tag name="KSO_WM_UNIT_COMPATIBLE" val="0"/>
   <p:tag name="KSO_WM_UNIT_PRESET_TEXT_INDEX" val="3"/>
   <p:tag name="KSO_WM_UNIT_PRESET_TEXT_LEN" val="24"/>
-</p:tagLst>
-</file>
-
-<file path=ppt/tags/tag9.xml><?xml version="1.0" encoding="utf-8"?>
-<p:tagLst xmlns:p="http://schemas.openxmlformats.org/presentationml/2006/main">
-  <p:tag name="KSO_WM_TEMPLATE_CATEGORY" val="custom"/>
-  <p:tag name="KSO_WM_TEMPLATE_INDEX" val="160107"/>
-  <p:tag name="KSO_WM_TAG_VERSION" val="1.0"/>
-  <p:tag name="KSO_WM_SLIDE_ID" val="custom160107_1"/>
-  <p:tag name="KSO_WM_SLIDE_INDEX" val="1"/>
-  <p:tag name="KSO_WM_SLIDE_ITEM_CNT" val="2"/>
-  <p:tag name="KSO_WM_SLIDE_LAYOUT" val="a_b"/>
-  <p:tag name="KSO_WM_SLIDE_LAYOUT_CNT" val="1_1"/>
-  <p:tag name="KSO_WM_SLIDE_TYPE" val="title"/>
-  <p:tag name="KSO_WM_BEAUTIFY_FLAG" val="#wm#"/>
-  <p:tag name="KSO_WM_TEMPLATE_THUMBS_INDEX" val="1、3、8、14、18、23、24、25"/>
-  <p:tag name="KSO_WM_SLIDE_MODEL_TYPE" val="cover"/>
 </p:tagLst>
 </file>
 
@@ -7411,6 +7280,7 @@
       </a:lstStyle>
     </a:txDef>
   </a:objectDefaults>
+  <a:extraClrSchemeLst/>
   <a:extLst>
     <a:ext uri="{05A4C25C-085E-4340-85A3-A5531E510DB2}">
       <thm15:themeFamily xmlns:thm15="http://schemas.microsoft.com/office/thememl/2012/main" name="Office Theme" id="{62F939B6-93AF-4DB8-9C6B-D6C7DFDC589F}" vid="{4A3C46E8-61CC-4603-A589-7422A47A8E4A}"/>
@@ -7670,6 +7540,8 @@
       </a:bgFillStyleLst>
     </a:fmtScheme>
   </a:themeElements>
+  <a:objectDefaults/>
+  <a:extraClrSchemeLst/>
   <a:extLst>
     <a:ext uri="{05A4C25C-085E-4340-85A3-A5531E510DB2}">
       <thm15:themeFamily xmlns:thm15="http://schemas.microsoft.com/office/thememl/2012/main" name="Office Theme" id="{62F939B6-93AF-4DB8-9C6B-D6C7DFDC589F}" vid="{4A3C46E8-61CC-4603-A589-7422A47A8E4A}"/>

--- a/doc/PPT/第六组PPT.pptx
+++ b/doc/PPT/第六组PPT.pptx
@@ -5,24 +5,24 @@
     <p:sldMasterId id="2147483648" r:id="rId1"/>
   </p:sldMasterIdLst>
   <p:notesMasterIdLst>
-    <p:notesMasterId r:id="rId4"/>
+    <p:notesMasterId r:id="rId14"/>
   </p:notesMasterIdLst>
   <p:sldIdLst>
-    <p:sldId id="257" r:id="rId3"/>
-    <p:sldId id="258" r:id="rId5"/>
-    <p:sldId id="259" r:id="rId6"/>
-    <p:sldId id="260" r:id="rId7"/>
-    <p:sldId id="270" r:id="rId8"/>
-    <p:sldId id="278" r:id="rId9"/>
-    <p:sldId id="264" r:id="rId10"/>
-    <p:sldId id="266" r:id="rId11"/>
-    <p:sldId id="283" r:id="rId12"/>
-    <p:sldId id="284" r:id="rId13"/>
-    <p:sldId id="285" r:id="rId14"/>
-    <p:sldId id="263" r:id="rId15"/>
+    <p:sldId id="257" r:id="rId2"/>
+    <p:sldId id="258" r:id="rId3"/>
+    <p:sldId id="259" r:id="rId4"/>
+    <p:sldId id="260" r:id="rId5"/>
+    <p:sldId id="270" r:id="rId6"/>
+    <p:sldId id="278" r:id="rId7"/>
+    <p:sldId id="264" r:id="rId8"/>
+    <p:sldId id="266" r:id="rId9"/>
+    <p:sldId id="283" r:id="rId10"/>
+    <p:sldId id="284" r:id="rId11"/>
+    <p:sldId id="285" r:id="rId12"/>
+    <p:sldId id="263" r:id="rId13"/>
   </p:sldIdLst>
   <p:sldSz cx="12192000" cy="6858000"/>
-  <p:notesSz cx="7103745" cy="10234295"/>
+  <p:notesSz cx="7104063" cy="10234613"/>
   <p:defaultTextStyle>
     <a:defPPr>
       <a:defRPr lang="zh-CN"/>
@@ -118,6 +118,22 @@
       </a:defRPr>
     </a:lvl9pPr>
   </p:defaultTextStyle>
+  <p:extLst>
+    <p:ext uri="{EFAFB233-063F-42B5-8137-9DF3F51BA10A}">
+      <p15:sldGuideLst xmlns:p15="http://schemas.microsoft.com/office/powerpoint/2012/main">
+        <p15:guide id="1" orient="horz" pos="2128">
+          <p15:clr>
+            <a:srgbClr val="A4A3A4"/>
+          </p15:clr>
+        </p15:guide>
+        <p15:guide id="2" pos="3840">
+          <p15:clr>
+            <a:srgbClr val="A4A3A4"/>
+          </p15:clr>
+        </p15:guide>
+      </p15:sldGuideLst>
+    </p:ext>
+  </p:extLst>
 </p:presentation>
 </file>
 
@@ -203,6 +219,7 @@
           <a:p>
             <a:fld id="{D2A48B96-639E-45A3-A0BA-2464DFDB1FAA}" type="datetimeFigureOut">
               <a:rPr lang="zh-CN" altLang="en-US" smtClean="0"/>
+              <a:t>2020/7/15</a:t>
             </a:fld>
             <a:endParaRPr lang="zh-CN" altLang="en-US"/>
           </a:p>
@@ -266,42 +283,37 @@
           <a:p>
             <a:pPr lvl="0"/>
             <a:r>
-              <a:rPr lang="zh-CN" altLang="en-US" smtClean="0"/>
+              <a:rPr lang="zh-CN" altLang="en-US"/>
               <a:t>单击此处编辑母版文本样式</a:t>
             </a:r>
-            <a:endParaRPr lang="zh-CN" altLang="en-US" smtClean="0"/>
           </a:p>
           <a:p>
             <a:pPr lvl="1"/>
             <a:r>
-              <a:rPr lang="zh-CN" altLang="en-US" smtClean="0"/>
+              <a:rPr lang="zh-CN" altLang="en-US"/>
               <a:t>第二级</a:t>
             </a:r>
-            <a:endParaRPr lang="zh-CN" altLang="en-US" smtClean="0"/>
           </a:p>
           <a:p>
             <a:pPr lvl="2"/>
             <a:r>
-              <a:rPr lang="zh-CN" altLang="en-US" smtClean="0"/>
+              <a:rPr lang="zh-CN" altLang="en-US"/>
               <a:t>第三级</a:t>
             </a:r>
-            <a:endParaRPr lang="zh-CN" altLang="en-US" smtClean="0"/>
           </a:p>
           <a:p>
             <a:pPr lvl="3"/>
             <a:r>
-              <a:rPr lang="zh-CN" altLang="en-US" smtClean="0"/>
+              <a:rPr lang="zh-CN" altLang="en-US"/>
               <a:t>第四级</a:t>
             </a:r>
-            <a:endParaRPr lang="zh-CN" altLang="en-US" smtClean="0"/>
           </a:p>
           <a:p>
             <a:pPr lvl="4"/>
             <a:r>
-              <a:rPr lang="zh-CN" altLang="en-US" smtClean="0"/>
+              <a:rPr lang="zh-CN" altLang="en-US"/>
               <a:t>第五级</a:t>
             </a:r>
-            <a:endParaRPr lang="zh-CN" altLang="en-US"/>
           </a:p>
         </p:txBody>
       </p:sp>
@@ -365,6 +377,7 @@
           <a:p>
             <a:fld id="{A6837353-30EB-4A48-80EB-173D804AEFBD}" type="slidenum">
               <a:rPr lang="zh-CN" altLang="en-US" smtClean="0"/>
+              <a:t>‹#›</a:t>
             </a:fld>
             <a:endParaRPr lang="zh-CN" altLang="en-US"/>
           </a:p>
@@ -538,6 +551,7 @@
           <a:p>
             <a:fld id="{575769E8-19F7-47D4-AFC6-D17EEAD4A98C}" type="slidenum">
               <a:rPr lang="zh-CN" altLang="en-US" smtClean="0"/>
+              <a:t>1</a:t>
             </a:fld>
             <a:endParaRPr lang="zh-CN" altLang="en-US"/>
           </a:p>
@@ -955,10 +969,9 @@
           </a:lstStyle>
           <a:p>
             <a:r>
-              <a:rPr lang="zh-CN" altLang="en-US" dirty="0" smtClean="0"/>
+              <a:rPr lang="zh-CN" altLang="en-US" dirty="0"/>
               <a:t>单击此处编辑母版标题样式</a:t>
             </a:r>
-            <a:endParaRPr lang="zh-CN" altLang="en-US" dirty="0"/>
           </a:p>
         </p:txBody>
       </p:sp>
@@ -1029,10 +1042,9 @@
           </a:lstStyle>
           <a:p>
             <a:r>
-              <a:rPr lang="zh-CN" altLang="en-US" dirty="0" smtClean="0"/>
+              <a:rPr lang="zh-CN" altLang="en-US" dirty="0"/>
               <a:t>单击此处编辑母版副标题样式</a:t>
             </a:r>
-            <a:endParaRPr lang="zh-CN" altLang="en-US" dirty="0"/>
           </a:p>
         </p:txBody>
       </p:sp>
@@ -1053,6 +1065,7 @@
           <a:p>
             <a:fld id="{7E209CE7-C191-49CB-93DE-563C8614E8C5}" type="datetimeFigureOut">
               <a:rPr lang="zh-CN" altLang="en-US" smtClean="0"/>
+              <a:t>2020/7/15</a:t>
             </a:fld>
             <a:endParaRPr lang="zh-CN" altLang="en-US"/>
           </a:p>
@@ -1094,6 +1107,7 @@
           <a:p>
             <a:fld id="{B31067DD-7756-4DF3-904A-8F40BA684AA6}" type="slidenum">
               <a:rPr lang="zh-CN" altLang="en-US" smtClean="0"/>
+              <a:t>‹#›</a:t>
             </a:fld>
             <a:endParaRPr lang="zh-CN" altLang="en-US"/>
           </a:p>
@@ -1104,13 +1118,6 @@
   <p:clrMapOvr>
     <a:masterClrMapping/>
   </p:clrMapOvr>
-  <p:timing>
-    <p:tnLst>
-      <p:par>
-        <p:cTn id="1" dur="indefinite" restart="never" nodeType="tmRoot"/>
-      </p:par>
-    </p:tnLst>
-  </p:timing>
 </p:sldLayout>
 </file>
 
@@ -1148,6 +1155,7 @@
           <a:p>
             <a:fld id="{7E209CE7-C191-49CB-93DE-563C8614E8C5}" type="datetimeFigureOut">
               <a:rPr lang="zh-CN" altLang="en-US" smtClean="0"/>
+              <a:t>2020/7/15</a:t>
             </a:fld>
             <a:endParaRPr lang="zh-CN" altLang="en-US"/>
           </a:p>
@@ -1189,6 +1197,7 @@
           <a:p>
             <a:fld id="{B31067DD-7756-4DF3-904A-8F40BA684AA6}" type="slidenum">
               <a:rPr lang="zh-CN" altLang="en-US" smtClean="0"/>
+              <a:t>‹#›</a:t>
             </a:fld>
             <a:endParaRPr lang="zh-CN" altLang="en-US"/>
           </a:p>
@@ -1220,42 +1229,37 @@
           <a:p>
             <a:pPr lvl="0"/>
             <a:r>
-              <a:rPr lang="zh-CN" altLang="en-US" dirty="0" smtClean="0"/>
+              <a:rPr lang="zh-CN" altLang="en-US" dirty="0"/>
               <a:t>单击此处编辑母版文本样式</a:t>
             </a:r>
-            <a:endParaRPr lang="zh-CN" altLang="en-US" dirty="0" smtClean="0"/>
           </a:p>
           <a:p>
             <a:pPr lvl="2"/>
             <a:r>
-              <a:rPr lang="zh-CN" altLang="en-US" dirty="0" smtClean="0"/>
+              <a:rPr lang="zh-CN" altLang="en-US" dirty="0"/>
               <a:t>第二级</a:t>
             </a:r>
-            <a:endParaRPr lang="zh-CN" altLang="en-US" dirty="0" smtClean="0"/>
           </a:p>
           <a:p>
             <a:pPr lvl="3"/>
             <a:r>
-              <a:rPr lang="zh-CN" altLang="en-US" dirty="0" smtClean="0"/>
+              <a:rPr lang="zh-CN" altLang="en-US" dirty="0"/>
               <a:t>第三级</a:t>
             </a:r>
-            <a:endParaRPr lang="zh-CN" altLang="en-US" dirty="0" smtClean="0"/>
           </a:p>
           <a:p>
             <a:pPr lvl="4"/>
             <a:r>
-              <a:rPr lang="zh-CN" altLang="en-US" dirty="0" smtClean="0"/>
+              <a:rPr lang="zh-CN" altLang="en-US" dirty="0"/>
               <a:t>第四级</a:t>
             </a:r>
-            <a:endParaRPr lang="zh-CN" altLang="en-US" dirty="0" smtClean="0"/>
           </a:p>
           <a:p>
             <a:pPr lvl="5"/>
             <a:r>
-              <a:rPr lang="zh-CN" altLang="en-US" dirty="0" smtClean="0"/>
+              <a:rPr lang="zh-CN" altLang="en-US" dirty="0"/>
               <a:t>第五级</a:t>
             </a:r>
-            <a:endParaRPr lang="zh-CN" altLang="en-US" dirty="0"/>
           </a:p>
         </p:txBody>
       </p:sp>
@@ -1305,7 +1309,7 @@
           <a:lstStyle/>
           <a:p>
             <a:r>
-              <a:rPr lang="zh-CN" altLang="en-US" dirty="0" smtClean="0"/>
+              <a:rPr lang="zh-CN" altLang="en-US" dirty="0"/>
               <a:t>单击此处编辑母版标题样式</a:t>
             </a:r>
             <a:endParaRPr lang="en-US" dirty="0"/>
@@ -1387,42 +1391,37 @@
           <a:p>
             <a:pPr lvl="0"/>
             <a:r>
-              <a:rPr lang="zh-CN" altLang="en-US" dirty="0" smtClean="0"/>
+              <a:rPr lang="zh-CN" altLang="en-US" dirty="0"/>
               <a:t>单击此处编辑母版文本样式</a:t>
             </a:r>
-            <a:endParaRPr lang="zh-CN" altLang="en-US" dirty="0" smtClean="0"/>
           </a:p>
           <a:p>
             <a:pPr lvl="2"/>
             <a:r>
-              <a:rPr lang="zh-CN" altLang="en-US" dirty="0" smtClean="0"/>
+              <a:rPr lang="zh-CN" altLang="en-US" dirty="0"/>
               <a:t>第二级</a:t>
             </a:r>
-            <a:endParaRPr lang="zh-CN" altLang="en-US" dirty="0" smtClean="0"/>
           </a:p>
           <a:p>
             <a:pPr lvl="3"/>
             <a:r>
-              <a:rPr lang="zh-CN" altLang="en-US" dirty="0" smtClean="0"/>
+              <a:rPr lang="zh-CN" altLang="en-US" dirty="0"/>
               <a:t>第三级</a:t>
             </a:r>
-            <a:endParaRPr lang="zh-CN" altLang="en-US" dirty="0" smtClean="0"/>
           </a:p>
           <a:p>
             <a:pPr lvl="4"/>
             <a:r>
-              <a:rPr lang="zh-CN" altLang="en-US" dirty="0" smtClean="0"/>
+              <a:rPr lang="zh-CN" altLang="en-US" dirty="0"/>
               <a:t>第四级</a:t>
             </a:r>
-            <a:endParaRPr lang="zh-CN" altLang="en-US" dirty="0" smtClean="0"/>
           </a:p>
           <a:p>
             <a:pPr lvl="5"/>
             <a:r>
-              <a:rPr lang="zh-CN" altLang="en-US" dirty="0" smtClean="0"/>
+              <a:rPr lang="zh-CN" altLang="en-US" dirty="0"/>
               <a:t>第五级</a:t>
             </a:r>
-            <a:endParaRPr lang="zh-CN" altLang="en-US" dirty="0"/>
           </a:p>
         </p:txBody>
       </p:sp>
@@ -1443,6 +1442,7 @@
           <a:p>
             <a:fld id="{7E209CE7-C191-49CB-93DE-563C8614E8C5}" type="datetimeFigureOut">
               <a:rPr lang="zh-CN" altLang="en-US" smtClean="0"/>
+              <a:t>2020/7/15</a:t>
             </a:fld>
             <a:endParaRPr lang="zh-CN" altLang="en-US"/>
           </a:p>
@@ -1484,6 +1484,7 @@
           <a:p>
             <a:fld id="{B31067DD-7756-4DF3-904A-8F40BA684AA6}" type="slidenum">
               <a:rPr lang="zh-CN" altLang="en-US" smtClean="0"/>
+              <a:t>‹#›</a:t>
             </a:fld>
             <a:endParaRPr lang="zh-CN" altLang="en-US"/>
           </a:p>
@@ -1494,13 +1495,6 @@
   <p:clrMapOvr>
     <a:masterClrMapping/>
   </p:clrMapOvr>
-  <p:timing>
-    <p:tnLst>
-      <p:par>
-        <p:cTn id="1" dur="indefinite" restart="never" nodeType="tmRoot"/>
-      </p:par>
-    </p:tnLst>
-  </p:timing>
 </p:sldLayout>
 </file>
 
@@ -1544,11 +1538,11 @@
             <p:nvPr userDrawn="1"/>
           </p:nvPicPr>
           <p:blipFill>
-            <a:blip r:embed="rId2">
+            <a:blip r:embed="rId4">
               <a:extLst>
                 <a:ext uri="{BEBA8EAE-BF5A-486C-A8C5-ECC9F3942E4B}">
                   <a14:imgProps xmlns:a14="http://schemas.microsoft.com/office/drawing/2010/main">
-                    <a14:imgLayer r:embed="rId3">
+                    <a14:imgLayer r:embed="rId5">
                       <a14:imgEffect>
                         <a14:artisticBlur/>
                       </a14:imgEffect>
@@ -1580,11 +1574,11 @@
             <p:nvPr userDrawn="1"/>
           </p:nvPicPr>
           <p:blipFill>
-            <a:blip r:embed="rId2">
+            <a:blip r:embed="rId4">
               <a:extLst>
                 <a:ext uri="{BEBA8EAE-BF5A-486C-A8C5-ECC9F3942E4B}">
                   <a14:imgProps xmlns:a14="http://schemas.microsoft.com/office/drawing/2010/main">
-                    <a14:imgLayer r:embed="rId3">
+                    <a14:imgLayer r:embed="rId5">
                       <a14:imgEffect>
                         <a14:artisticBlur/>
                       </a14:imgEffect>
@@ -1689,10 +1683,9 @@
           </a:lstStyle>
           <a:p>
             <a:r>
-              <a:rPr lang="zh-CN" altLang="en-US" dirty="0" smtClean="0"/>
+              <a:rPr lang="zh-CN" altLang="en-US" dirty="0"/>
               <a:t>单击此处编辑标题</a:t>
             </a:r>
-            <a:endParaRPr lang="zh-CN" altLang="en-US" dirty="0"/>
           </a:p>
         </p:txBody>
       </p:sp>
@@ -1702,7 +1695,7 @@
           <p:cNvSpPr/>
           <p:nvPr userDrawn="1">
             <p:custDataLst>
-              <p:tags r:id="rId4"/>
+              <p:tags r:id="rId1"/>
             </p:custDataLst>
           </p:nvPr>
         </p:nvSpPr>
@@ -1758,7 +1751,7 @@
           <p:cNvSpPr/>
           <p:nvPr userDrawn="1">
             <p:custDataLst>
-              <p:tags r:id="rId5"/>
+              <p:tags r:id="rId2"/>
             </p:custDataLst>
           </p:nvPr>
         </p:nvSpPr>
@@ -1827,6 +1820,7 @@
           <a:p>
             <a:fld id="{7E209CE7-C191-49CB-93DE-563C8614E8C5}" type="datetimeFigureOut">
               <a:rPr lang="zh-CN" altLang="en-US" smtClean="0"/>
+              <a:t>2020/7/15</a:t>
             </a:fld>
             <a:endParaRPr lang="zh-CN" altLang="en-US"/>
           </a:p>
@@ -1868,6 +1862,7 @@
           <a:p>
             <a:fld id="{B31067DD-7756-4DF3-904A-8F40BA684AA6}" type="slidenum">
               <a:rPr lang="zh-CN" altLang="en-US" smtClean="0"/>
+              <a:t>‹#›</a:t>
             </a:fld>
             <a:endParaRPr lang="zh-CN" altLang="en-US"/>
           </a:p>
@@ -1878,13 +1873,6 @@
   <p:clrMapOvr>
     <a:masterClrMapping/>
   </p:clrMapOvr>
-  <p:timing>
-    <p:tnLst>
-      <p:par>
-        <p:cTn id="1" dur="indefinite" restart="never" nodeType="tmRoot"/>
-      </p:par>
-    </p:tnLst>
-  </p:timing>
 </p:sldLayout>
 </file>
 
@@ -1926,7 +1914,7 @@
           <a:lstStyle/>
           <a:p>
             <a:r>
-              <a:rPr lang="zh-CN" altLang="en-US" dirty="0" smtClean="0"/>
+              <a:rPr lang="zh-CN" altLang="en-US" dirty="0"/>
               <a:t>单击此处编辑母版标题样式</a:t>
             </a:r>
             <a:endParaRPr lang="en-US" dirty="0"/>
@@ -2013,42 +2001,37 @@
           <a:p>
             <a:pPr lvl="0"/>
             <a:r>
-              <a:rPr lang="zh-CN" altLang="en-US" dirty="0" smtClean="0"/>
+              <a:rPr lang="zh-CN" altLang="en-US" dirty="0"/>
               <a:t>单击此处编辑母版文本样式</a:t>
             </a:r>
-            <a:endParaRPr lang="zh-CN" altLang="en-US" dirty="0" smtClean="0"/>
           </a:p>
           <a:p>
             <a:pPr lvl="2"/>
             <a:r>
-              <a:rPr lang="zh-CN" altLang="en-US" dirty="0" smtClean="0"/>
+              <a:rPr lang="zh-CN" altLang="en-US" dirty="0"/>
               <a:t>第二级</a:t>
             </a:r>
-            <a:endParaRPr lang="zh-CN" altLang="en-US" dirty="0" smtClean="0"/>
           </a:p>
           <a:p>
             <a:pPr lvl="3"/>
             <a:r>
-              <a:rPr lang="zh-CN" altLang="en-US" dirty="0" smtClean="0"/>
+              <a:rPr lang="zh-CN" altLang="en-US" dirty="0"/>
               <a:t>第三级</a:t>
             </a:r>
-            <a:endParaRPr lang="zh-CN" altLang="en-US" dirty="0" smtClean="0"/>
           </a:p>
           <a:p>
             <a:pPr lvl="4"/>
             <a:r>
-              <a:rPr lang="zh-CN" altLang="en-US" dirty="0" smtClean="0"/>
+              <a:rPr lang="zh-CN" altLang="en-US" dirty="0"/>
               <a:t>第四级</a:t>
             </a:r>
-            <a:endParaRPr lang="zh-CN" altLang="en-US" dirty="0" smtClean="0"/>
           </a:p>
           <a:p>
             <a:pPr lvl="5"/>
             <a:r>
-              <a:rPr lang="zh-CN" altLang="en-US" dirty="0" smtClean="0"/>
+              <a:rPr lang="zh-CN" altLang="en-US" dirty="0"/>
               <a:t>第五级</a:t>
             </a:r>
-            <a:endParaRPr lang="zh-CN" altLang="en-US" dirty="0"/>
           </a:p>
         </p:txBody>
       </p:sp>
@@ -2132,42 +2115,37 @@
           <a:p>
             <a:pPr lvl="0"/>
             <a:r>
-              <a:rPr lang="zh-CN" altLang="en-US" dirty="0" smtClean="0"/>
+              <a:rPr lang="zh-CN" altLang="en-US" dirty="0"/>
               <a:t>单击此处编辑母版文本样式</a:t>
             </a:r>
-            <a:endParaRPr lang="zh-CN" altLang="en-US" dirty="0" smtClean="0"/>
           </a:p>
           <a:p>
             <a:pPr lvl="2"/>
             <a:r>
-              <a:rPr lang="zh-CN" altLang="en-US" dirty="0" smtClean="0"/>
+              <a:rPr lang="zh-CN" altLang="en-US" dirty="0"/>
               <a:t>第二级</a:t>
             </a:r>
-            <a:endParaRPr lang="zh-CN" altLang="en-US" dirty="0" smtClean="0"/>
           </a:p>
           <a:p>
             <a:pPr lvl="3"/>
             <a:r>
-              <a:rPr lang="zh-CN" altLang="en-US" dirty="0" smtClean="0"/>
+              <a:rPr lang="zh-CN" altLang="en-US" dirty="0"/>
               <a:t>第三级</a:t>
             </a:r>
-            <a:endParaRPr lang="zh-CN" altLang="en-US" dirty="0" smtClean="0"/>
           </a:p>
           <a:p>
             <a:pPr lvl="4"/>
             <a:r>
-              <a:rPr lang="zh-CN" altLang="en-US" dirty="0" smtClean="0"/>
+              <a:rPr lang="zh-CN" altLang="en-US" dirty="0"/>
               <a:t>第四级</a:t>
             </a:r>
-            <a:endParaRPr lang="zh-CN" altLang="en-US" dirty="0" smtClean="0"/>
           </a:p>
           <a:p>
             <a:pPr lvl="5"/>
             <a:r>
-              <a:rPr lang="zh-CN" altLang="en-US" dirty="0" smtClean="0"/>
+              <a:rPr lang="zh-CN" altLang="en-US" dirty="0"/>
               <a:t>第五级</a:t>
             </a:r>
-            <a:endParaRPr lang="zh-CN" altLang="en-US" dirty="0"/>
           </a:p>
         </p:txBody>
       </p:sp>
@@ -2188,6 +2166,7 @@
           <a:p>
             <a:fld id="{7E209CE7-C191-49CB-93DE-563C8614E8C5}" type="datetimeFigureOut">
               <a:rPr lang="zh-CN" altLang="en-US" smtClean="0"/>
+              <a:t>2020/7/15</a:t>
             </a:fld>
             <a:endParaRPr lang="zh-CN" altLang="en-US"/>
           </a:p>
@@ -2229,6 +2208,7 @@
           <a:p>
             <a:fld id="{B31067DD-7756-4DF3-904A-8F40BA684AA6}" type="slidenum">
               <a:rPr lang="zh-CN" altLang="en-US" smtClean="0"/>
+              <a:t>‹#›</a:t>
             </a:fld>
             <a:endParaRPr lang="zh-CN" altLang="en-US"/>
           </a:p>
@@ -2239,13 +2219,6 @@
   <p:clrMapOvr>
     <a:masterClrMapping/>
   </p:clrMapOvr>
-  <p:timing>
-    <p:tnLst>
-      <p:par>
-        <p:cTn id="1" dur="indefinite" restart="never" nodeType="tmRoot"/>
-      </p:par>
-    </p:tnLst>
-  </p:timing>
 </p:sldLayout>
 </file>
 
@@ -2338,7 +2311,7 @@
           <a:lstStyle/>
           <a:p>
             <a:r>
-              <a:rPr lang="zh-CN" altLang="en-US" dirty="0" smtClean="0"/>
+              <a:rPr lang="zh-CN" altLang="en-US" dirty="0"/>
               <a:t>单击此处编辑母版标题样式</a:t>
             </a:r>
             <a:endParaRPr lang="en-US" dirty="0"/>
@@ -2406,10 +2379,9 @@
           <a:p>
             <a:pPr lvl="0"/>
             <a:r>
-              <a:rPr lang="zh-CN" altLang="en-US" dirty="0" smtClean="0"/>
+              <a:rPr lang="zh-CN" altLang="en-US" dirty="0"/>
               <a:t>单击此处编辑母版文本样式</a:t>
             </a:r>
-            <a:endParaRPr lang="zh-CN" altLang="en-US" dirty="0" smtClean="0"/>
           </a:p>
         </p:txBody>
       </p:sp>
@@ -2435,42 +2407,37 @@
           <a:p>
             <a:pPr lvl="0"/>
             <a:r>
-              <a:rPr lang="zh-CN" altLang="en-US" dirty="0" smtClean="0"/>
+              <a:rPr lang="zh-CN" altLang="en-US" dirty="0"/>
               <a:t>单击此处编辑母版文本样式</a:t>
             </a:r>
-            <a:endParaRPr lang="zh-CN" altLang="en-US" dirty="0" smtClean="0"/>
           </a:p>
           <a:p>
             <a:pPr lvl="2"/>
             <a:r>
-              <a:rPr lang="zh-CN" altLang="en-US" dirty="0" smtClean="0"/>
+              <a:rPr lang="zh-CN" altLang="en-US" dirty="0"/>
               <a:t>第二级</a:t>
             </a:r>
-            <a:endParaRPr lang="zh-CN" altLang="en-US" dirty="0" smtClean="0"/>
           </a:p>
           <a:p>
             <a:pPr lvl="3"/>
             <a:r>
-              <a:rPr lang="zh-CN" altLang="en-US" dirty="0" smtClean="0"/>
+              <a:rPr lang="zh-CN" altLang="en-US" dirty="0"/>
               <a:t>第三级</a:t>
             </a:r>
-            <a:endParaRPr lang="zh-CN" altLang="en-US" dirty="0" smtClean="0"/>
           </a:p>
           <a:p>
             <a:pPr lvl="4"/>
             <a:r>
-              <a:rPr lang="zh-CN" altLang="en-US" dirty="0" smtClean="0"/>
+              <a:rPr lang="zh-CN" altLang="en-US" dirty="0"/>
               <a:t>第四级</a:t>
             </a:r>
-            <a:endParaRPr lang="zh-CN" altLang="en-US" dirty="0" smtClean="0"/>
           </a:p>
           <a:p>
             <a:pPr lvl="5"/>
             <a:r>
-              <a:rPr lang="zh-CN" altLang="en-US" dirty="0" smtClean="0"/>
+              <a:rPr lang="zh-CN" altLang="en-US" dirty="0"/>
               <a:t>第五级</a:t>
             </a:r>
-            <a:endParaRPr lang="zh-CN" altLang="en-US" dirty="0"/>
           </a:p>
         </p:txBody>
       </p:sp>
@@ -2535,10 +2502,9 @@
           <a:p>
             <a:pPr lvl="0"/>
             <a:r>
-              <a:rPr lang="zh-CN" altLang="en-US" dirty="0" smtClean="0"/>
+              <a:rPr lang="zh-CN" altLang="en-US" dirty="0"/>
               <a:t>单击此处编辑母版文本样式</a:t>
             </a:r>
-            <a:endParaRPr lang="zh-CN" altLang="en-US" dirty="0" smtClean="0"/>
           </a:p>
         </p:txBody>
       </p:sp>
@@ -2564,42 +2530,37 @@
           <a:p>
             <a:pPr lvl="0"/>
             <a:r>
-              <a:rPr lang="zh-CN" altLang="en-US" dirty="0" smtClean="0"/>
+              <a:rPr lang="zh-CN" altLang="en-US" dirty="0"/>
               <a:t>单击此处编辑母版文本样式</a:t>
             </a:r>
-            <a:endParaRPr lang="zh-CN" altLang="en-US" dirty="0" smtClean="0"/>
           </a:p>
           <a:p>
             <a:pPr lvl="2"/>
             <a:r>
-              <a:rPr lang="zh-CN" altLang="en-US" dirty="0" smtClean="0"/>
+              <a:rPr lang="zh-CN" altLang="en-US" dirty="0"/>
               <a:t>第二级</a:t>
             </a:r>
-            <a:endParaRPr lang="zh-CN" altLang="en-US" dirty="0" smtClean="0"/>
           </a:p>
           <a:p>
             <a:pPr lvl="3"/>
             <a:r>
-              <a:rPr lang="zh-CN" altLang="en-US" dirty="0" smtClean="0"/>
+              <a:rPr lang="zh-CN" altLang="en-US" dirty="0"/>
               <a:t>第三级</a:t>
             </a:r>
-            <a:endParaRPr lang="zh-CN" altLang="en-US" dirty="0" smtClean="0"/>
           </a:p>
           <a:p>
             <a:pPr lvl="4"/>
             <a:r>
-              <a:rPr lang="zh-CN" altLang="en-US" dirty="0" smtClean="0"/>
+              <a:rPr lang="zh-CN" altLang="en-US" dirty="0"/>
               <a:t>第四级</a:t>
             </a:r>
-            <a:endParaRPr lang="zh-CN" altLang="en-US" dirty="0" smtClean="0"/>
           </a:p>
           <a:p>
             <a:pPr lvl="5"/>
             <a:r>
-              <a:rPr lang="zh-CN" altLang="en-US" dirty="0" smtClean="0"/>
+              <a:rPr lang="zh-CN" altLang="en-US" dirty="0"/>
               <a:t>第五级</a:t>
             </a:r>
-            <a:endParaRPr lang="zh-CN" altLang="en-US" dirty="0"/>
           </a:p>
         </p:txBody>
       </p:sp>
@@ -2620,6 +2581,7 @@
           <a:p>
             <a:fld id="{7E209CE7-C191-49CB-93DE-563C8614E8C5}" type="datetimeFigureOut">
               <a:rPr lang="zh-CN" altLang="en-US" smtClean="0"/>
+              <a:t>2020/7/15</a:t>
             </a:fld>
             <a:endParaRPr lang="zh-CN" altLang="en-US"/>
           </a:p>
@@ -2661,6 +2623,7 @@
           <a:p>
             <a:fld id="{B31067DD-7756-4DF3-904A-8F40BA684AA6}" type="slidenum">
               <a:rPr lang="zh-CN" altLang="en-US" smtClean="0"/>
+              <a:t>‹#›</a:t>
             </a:fld>
             <a:endParaRPr lang="zh-CN" altLang="en-US"/>
           </a:p>
@@ -2671,13 +2634,6 @@
   <p:clrMapOvr>
     <a:masterClrMapping/>
   </p:clrMapOvr>
-  <p:timing>
-    <p:tnLst>
-      <p:par>
-        <p:cTn id="1" dur="indefinite" restart="never" nodeType="tmRoot"/>
-      </p:par>
-    </p:tnLst>
-  </p:timing>
 </p:sldLayout>
 </file>
 
@@ -2707,11 +2663,11 @@
           <p:nvPr userDrawn="1"/>
         </p:nvPicPr>
         <p:blipFill>
-          <a:blip r:embed="rId2">
+          <a:blip r:embed="rId6">
             <a:extLst>
               <a:ext uri="{BEBA8EAE-BF5A-486C-A8C5-ECC9F3942E4B}">
                 <a14:imgProps xmlns:a14="http://schemas.microsoft.com/office/drawing/2010/main">
-                  <a14:imgLayer r:embed="rId3">
+                  <a14:imgLayer r:embed="rId7">
                     <a14:imgEffect>
                       <a14:artisticBlur/>
                     </a14:imgEffect>
@@ -2743,11 +2699,11 @@
           <p:nvPr userDrawn="1"/>
         </p:nvPicPr>
         <p:blipFill>
-          <a:blip r:embed="rId2">
+          <a:blip r:embed="rId6">
             <a:extLst>
               <a:ext uri="{BEBA8EAE-BF5A-486C-A8C5-ECC9F3942E4B}">
                 <a14:imgProps xmlns:a14="http://schemas.microsoft.com/office/drawing/2010/main">
-                  <a14:imgLayer r:embed="rId3">
+                  <a14:imgLayer r:embed="rId7">
                     <a14:imgEffect>
                       <a14:artisticBlur/>
                     </a14:imgEffect>
@@ -2841,7 +2797,7 @@
             <p:cNvSpPr/>
             <p:nvPr userDrawn="1">
               <p:custDataLst>
-                <p:tags r:id="rId4"/>
+                <p:tags r:id="rId1"/>
               </p:custDataLst>
             </p:nvPr>
           </p:nvSpPr>
@@ -2941,7 +2897,7 @@
             <p:cNvSpPr/>
             <p:nvPr userDrawn="1">
               <p:custDataLst>
-                <p:tags r:id="rId5"/>
+                <p:tags r:id="rId2"/>
               </p:custDataLst>
             </p:nvPr>
           </p:nvSpPr>
@@ -3041,7 +2997,7 @@
             <p:cNvSpPr/>
             <p:nvPr userDrawn="1">
               <p:custDataLst>
-                <p:tags r:id="rId6"/>
+                <p:tags r:id="rId3"/>
               </p:custDataLst>
             </p:nvPr>
           </p:nvSpPr>
@@ -3141,7 +3097,7 @@
             <p:cNvSpPr/>
             <p:nvPr userDrawn="1">
               <p:custDataLst>
-                <p:tags r:id="rId7"/>
+                <p:tags r:id="rId4"/>
               </p:custDataLst>
             </p:nvPr>
           </p:nvSpPr>
@@ -3259,10 +3215,9 @@
           </a:lstStyle>
           <a:p>
             <a:r>
-              <a:rPr lang="zh-CN" altLang="en-US" dirty="0" smtClean="0"/>
+              <a:rPr lang="zh-CN" altLang="en-US" dirty="0"/>
               <a:t>编辑标题</a:t>
             </a:r>
-            <a:endParaRPr lang="zh-CN" altLang="en-US" dirty="0"/>
           </a:p>
         </p:txBody>
       </p:sp>
@@ -3299,10 +3254,9 @@
           <a:p>
             <a:pPr lvl="0"/>
             <a:r>
-              <a:rPr lang="zh-CN" altLang="en-US" dirty="0" smtClean="0"/>
+              <a:rPr lang="zh-CN" altLang="en-US" dirty="0"/>
               <a:t>编辑副标题</a:t>
             </a:r>
-            <a:endParaRPr lang="zh-CN" altLang="en-US" dirty="0" smtClean="0"/>
           </a:p>
         </p:txBody>
       </p:sp>
@@ -3323,6 +3277,7 @@
           <a:p>
             <a:fld id="{7E209CE7-C191-49CB-93DE-563C8614E8C5}" type="datetimeFigureOut">
               <a:rPr lang="zh-CN" altLang="en-US" smtClean="0"/>
+              <a:t>2020/7/15</a:t>
             </a:fld>
             <a:endParaRPr lang="zh-CN" altLang="en-US"/>
           </a:p>
@@ -3364,6 +3319,7 @@
           <a:p>
             <a:fld id="{B31067DD-7756-4DF3-904A-8F40BA684AA6}" type="slidenum">
               <a:rPr lang="zh-CN" altLang="en-US" smtClean="0"/>
+              <a:t>‹#›</a:t>
             </a:fld>
             <a:endParaRPr lang="zh-CN" altLang="en-US"/>
           </a:p>
@@ -3374,13 +3330,6 @@
   <p:clrMapOvr>
     <a:masterClrMapping/>
   </p:clrMapOvr>
-  <p:timing>
-    <p:tnLst>
-      <p:par>
-        <p:cTn id="1" dur="indefinite" restart="never" nodeType="tmRoot"/>
-      </p:par>
-    </p:tnLst>
-  </p:timing>
 </p:sldLayout>
 </file>
 
@@ -3541,6 +3490,7 @@
           <a:p>
             <a:fld id="{7E209CE7-C191-49CB-93DE-563C8614E8C5}" type="datetimeFigureOut">
               <a:rPr lang="zh-CN" altLang="en-US" smtClean="0"/>
+              <a:t>2020/7/15</a:t>
             </a:fld>
             <a:endParaRPr lang="zh-CN" altLang="en-US"/>
           </a:p>
@@ -3582,6 +3532,7 @@
           <a:p>
             <a:fld id="{B31067DD-7756-4DF3-904A-8F40BA684AA6}" type="slidenum">
               <a:rPr lang="zh-CN" altLang="en-US" smtClean="0"/>
+              <a:t>‹#›</a:t>
             </a:fld>
             <a:endParaRPr lang="zh-CN" altLang="en-US"/>
           </a:p>
@@ -3592,13 +3543,6 @@
   <p:clrMapOvr>
     <a:masterClrMapping/>
   </p:clrMapOvr>
-  <p:timing>
-    <p:tnLst>
-      <p:par>
-        <p:cTn id="1" dur="indefinite" restart="never" nodeType="tmRoot"/>
-      </p:par>
-    </p:tnLst>
-  </p:timing>
 </p:sldLayout>
 </file>
 
@@ -3648,7 +3592,7 @@
           </a:lstStyle>
           <a:p>
             <a:r>
-              <a:rPr lang="zh-CN" altLang="en-US" dirty="0" smtClean="0"/>
+              <a:rPr lang="zh-CN" altLang="en-US" dirty="0"/>
               <a:t>单击此处编辑标题</a:t>
             </a:r>
             <a:endParaRPr lang="en-US" dirty="0"/>
@@ -3713,7 +3657,7 @@
           </a:lstStyle>
           <a:p>
             <a:r>
-              <a:rPr lang="zh-CN" altLang="en-US" smtClean="0"/>
+              <a:rPr lang="zh-CN" altLang="en-US"/>
               <a:t>单击图标添加图片</a:t>
             </a:r>
             <a:endParaRPr lang="en-US" dirty="0"/>
@@ -3781,10 +3725,9 @@
           <a:p>
             <a:pPr lvl="0"/>
             <a:r>
-              <a:rPr lang="zh-CN" altLang="en-US" dirty="0" smtClean="0"/>
+              <a:rPr lang="zh-CN" altLang="en-US" dirty="0"/>
               <a:t>单击此处编辑母版文本样式</a:t>
             </a:r>
-            <a:endParaRPr lang="zh-CN" altLang="en-US" dirty="0" smtClean="0"/>
           </a:p>
         </p:txBody>
       </p:sp>
@@ -3805,6 +3748,7 @@
           <a:p>
             <a:fld id="{7E209CE7-C191-49CB-93DE-563C8614E8C5}" type="datetimeFigureOut">
               <a:rPr lang="zh-CN" altLang="en-US" smtClean="0"/>
+              <a:t>2020/7/15</a:t>
             </a:fld>
             <a:endParaRPr lang="zh-CN" altLang="en-US"/>
           </a:p>
@@ -3846,6 +3790,7 @@
           <a:p>
             <a:fld id="{B31067DD-7756-4DF3-904A-8F40BA684AA6}" type="slidenum">
               <a:rPr lang="zh-CN" altLang="en-US" smtClean="0"/>
+              <a:t>‹#›</a:t>
             </a:fld>
             <a:endParaRPr lang="zh-CN" altLang="en-US"/>
           </a:p>
@@ -3856,13 +3801,6 @@
   <p:clrMapOvr>
     <a:masterClrMapping/>
   </p:clrMapOvr>
-  <p:timing>
-    <p:tnLst>
-      <p:par>
-        <p:cTn id="1" dur="indefinite" restart="never" nodeType="tmRoot"/>
-      </p:par>
-    </p:tnLst>
-  </p:timing>
 </p:sldLayout>
 </file>
 
@@ -3942,7 +3880,7 @@
           </a:lstStyle>
           <a:p>
             <a:r>
-              <a:rPr lang="zh-CN" altLang="en-US" dirty="0" smtClean="0"/>
+              <a:rPr lang="zh-CN" altLang="en-US" dirty="0"/>
               <a:t>编辑标题</a:t>
             </a:r>
             <a:endParaRPr lang="en-US" dirty="0"/>
@@ -3993,42 +3931,37 @@
           <a:p>
             <a:pPr lvl="0"/>
             <a:r>
-              <a:rPr lang="zh-CN" altLang="en-US" dirty="0" smtClean="0"/>
+              <a:rPr lang="zh-CN" altLang="en-US" dirty="0"/>
               <a:t>单击此处编辑母版文本样式</a:t>
             </a:r>
-            <a:endParaRPr lang="zh-CN" altLang="en-US" dirty="0" smtClean="0"/>
           </a:p>
           <a:p>
             <a:pPr lvl="2"/>
             <a:r>
-              <a:rPr lang="zh-CN" altLang="en-US" dirty="0" smtClean="0"/>
+              <a:rPr lang="zh-CN" altLang="en-US" dirty="0"/>
               <a:t>第二级</a:t>
             </a:r>
-            <a:endParaRPr lang="zh-CN" altLang="en-US" dirty="0" smtClean="0"/>
           </a:p>
           <a:p>
             <a:pPr lvl="3"/>
             <a:r>
-              <a:rPr lang="zh-CN" altLang="en-US" dirty="0" smtClean="0"/>
+              <a:rPr lang="zh-CN" altLang="en-US" dirty="0"/>
               <a:t>第三级</a:t>
             </a:r>
-            <a:endParaRPr lang="zh-CN" altLang="en-US" dirty="0" smtClean="0"/>
           </a:p>
           <a:p>
             <a:pPr lvl="4"/>
             <a:r>
-              <a:rPr lang="zh-CN" altLang="en-US" dirty="0" smtClean="0"/>
+              <a:rPr lang="zh-CN" altLang="en-US" dirty="0"/>
               <a:t>第四级</a:t>
             </a:r>
-            <a:endParaRPr lang="zh-CN" altLang="en-US" dirty="0" smtClean="0"/>
           </a:p>
           <a:p>
             <a:pPr lvl="5"/>
             <a:r>
-              <a:rPr lang="zh-CN" altLang="en-US" dirty="0" smtClean="0"/>
+              <a:rPr lang="zh-CN" altLang="en-US" dirty="0"/>
               <a:t>第五级</a:t>
             </a:r>
-            <a:endParaRPr lang="zh-CN" altLang="en-US" dirty="0"/>
           </a:p>
         </p:txBody>
       </p:sp>
@@ -4049,6 +3982,7 @@
           <a:p>
             <a:fld id="{7E209CE7-C191-49CB-93DE-563C8614E8C5}" type="datetimeFigureOut">
               <a:rPr lang="zh-CN" altLang="en-US" smtClean="0"/>
+              <a:t>2020/7/15</a:t>
             </a:fld>
             <a:endParaRPr lang="zh-CN" altLang="en-US"/>
           </a:p>
@@ -4090,6 +4024,7 @@
           <a:p>
             <a:fld id="{B31067DD-7756-4DF3-904A-8F40BA684AA6}" type="slidenum">
               <a:rPr lang="zh-CN" altLang="en-US" smtClean="0"/>
+              <a:t>‹#›</a:t>
             </a:fld>
             <a:endParaRPr lang="zh-CN" altLang="en-US"/>
           </a:p>
@@ -4100,13 +4035,6 @@
   <p:clrMapOvr>
     <a:masterClrMapping/>
   </p:clrMapOvr>
-  <p:timing>
-    <p:tnLst>
-      <p:par>
-        <p:cTn id="1" dur="indefinite" restart="never" nodeType="tmRoot"/>
-      </p:par>
-    </p:tnLst>
-  </p:timing>
 </p:sldLayout>
 </file>
 
@@ -4116,7 +4044,7 @@
     <p:bg>
       <p:bgPr>
         <a:blipFill dpi="0" rotWithShape="1">
-          <a:blip r:embed="rId11">
+          <a:blip r:embed="rId12">
             <a:lum/>
           </a:blip>
           <a:srcRect/>
@@ -4150,11 +4078,11 @@
           <p:nvPr/>
         </p:nvPicPr>
         <p:blipFill>
-          <a:blip r:embed="rId12">
+          <a:blip r:embed="rId13">
             <a:extLst>
               <a:ext uri="{BEBA8EAE-BF5A-486C-A8C5-ECC9F3942E4B}">
                 <a14:imgProps xmlns:a14="http://schemas.microsoft.com/office/drawing/2010/main">
-                  <a14:imgLayer r:embed="rId13">
+                  <a14:imgLayer r:embed="rId14">
                     <a14:imgEffect>
                       <a14:artisticBlur/>
                     </a14:imgEffect>
@@ -4254,7 +4182,7 @@
           <a:lstStyle/>
           <a:p>
             <a:r>
-              <a:rPr lang="zh-CN" altLang="en-US" dirty="0" smtClean="0"/>
+              <a:rPr lang="zh-CN" altLang="en-US" dirty="0"/>
               <a:t>单击此处编辑母版标题样式</a:t>
             </a:r>
             <a:endParaRPr lang="en-US" dirty="0"/>
@@ -4296,6 +4224,7 @@
           <a:p>
             <a:fld id="{7E209CE7-C191-49CB-93DE-563C8614E8C5}" type="datetimeFigureOut">
               <a:rPr lang="zh-CN" altLang="en-US" smtClean="0"/>
+              <a:t>2020/7/15</a:t>
             </a:fld>
             <a:endParaRPr lang="zh-CN" altLang="en-US"/>
           </a:p>
@@ -4373,6 +4302,7 @@
           <a:p>
             <a:fld id="{B31067DD-7756-4DF3-904A-8F40BA684AA6}" type="slidenum">
               <a:rPr lang="zh-CN" altLang="en-US" smtClean="0"/>
+              <a:t>‹#›</a:t>
             </a:fld>
             <a:endParaRPr lang="zh-CN" altLang="en-US"/>
           </a:p>
@@ -4405,42 +4335,37 @@
           <a:p>
             <a:pPr lvl="0"/>
             <a:r>
-              <a:rPr lang="zh-CN" altLang="en-US" dirty="0" smtClean="0"/>
+              <a:rPr lang="zh-CN" altLang="en-US" dirty="0"/>
               <a:t>单击此处编辑母版文本样式</a:t>
             </a:r>
-            <a:endParaRPr lang="zh-CN" altLang="en-US" dirty="0" smtClean="0"/>
           </a:p>
           <a:p>
             <a:pPr lvl="2"/>
             <a:r>
-              <a:rPr lang="zh-CN" altLang="en-US" dirty="0" smtClean="0"/>
+              <a:rPr lang="zh-CN" altLang="en-US" dirty="0"/>
               <a:t>第二级</a:t>
             </a:r>
-            <a:endParaRPr lang="zh-CN" altLang="en-US" dirty="0" smtClean="0"/>
           </a:p>
           <a:p>
             <a:pPr lvl="3"/>
             <a:r>
-              <a:rPr lang="zh-CN" altLang="en-US" dirty="0" smtClean="0"/>
+              <a:rPr lang="zh-CN" altLang="en-US" dirty="0"/>
               <a:t>第三级</a:t>
             </a:r>
-            <a:endParaRPr lang="zh-CN" altLang="en-US" dirty="0" smtClean="0"/>
           </a:p>
           <a:p>
             <a:pPr lvl="4"/>
             <a:r>
-              <a:rPr lang="zh-CN" altLang="en-US" dirty="0" smtClean="0"/>
+              <a:rPr lang="zh-CN" altLang="en-US" dirty="0"/>
               <a:t>第四级</a:t>
             </a:r>
-            <a:endParaRPr lang="zh-CN" altLang="en-US" dirty="0" smtClean="0"/>
           </a:p>
           <a:p>
             <a:pPr lvl="5"/>
             <a:r>
-              <a:rPr lang="zh-CN" altLang="en-US" dirty="0" smtClean="0"/>
+              <a:rPr lang="zh-CN" altLang="en-US" dirty="0"/>
               <a:t>第五级</a:t>
             </a:r>
-            <a:endParaRPr lang="zh-CN" altLang="en-US" dirty="0"/>
           </a:p>
         </p:txBody>
       </p:sp>
@@ -4459,13 +4384,6 @@
     <p:sldLayoutId id="2147483657" r:id="rId9"/>
     <p:sldLayoutId id="2147483658" r:id="rId10"/>
   </p:sldLayoutIdLst>
-  <p:timing>
-    <p:tnLst>
-      <p:par>
-        <p:cTn id="1" dur="indefinite" restart="never" nodeType="tmRoot"/>
-      </p:par>
-    </p:tnLst>
-  </p:timing>
   <p:txStyles>
     <p:titleStyle>
       <a:lvl1pPr algn="l" defTabSz="914400" rtl="0" eaLnBrk="1" latinLnBrk="0" hangingPunct="1">
@@ -4770,7 +4688,7 @@
     <p:bg>
       <p:bgPr>
         <a:blipFill dpi="0" rotWithShape="1">
-          <a:blip r:embed="rId1"/>
+          <a:blip r:embed="rId6"/>
           <a:srcRect/>
           <a:stretch>
             <a:fillRect t="-27000" b="-27000"/>
@@ -4814,16 +4732,12 @@
           <a:lstStyle/>
           <a:p>
             <a:r>
-              <a:rPr lang="zh-CN" altLang="en-US" dirty="0" smtClean="0">
+              <a:rPr lang="zh-CN" altLang="en-US" dirty="0">
                 <a:latin typeface="+mj-lt"/>
                 <a:ea typeface="+mj-ea"/>
               </a:rPr>
               <a:t>豆瓣数据管理 第六组</a:t>
             </a:r>
-            <a:endParaRPr lang="zh-CN" altLang="en-US" dirty="0" smtClean="0">
-              <a:latin typeface="+mj-lt"/>
-              <a:ea typeface="+mj-ea"/>
-            </a:endParaRPr>
           </a:p>
         </p:txBody>
       </p:sp>
@@ -4843,27 +4757,23 @@
         <p:spPr/>
         <p:txBody>
           <a:bodyPr>
-            <a:normAutofit lnSpcReduction="10000"/>
+            <a:normAutofit/>
           </a:bodyPr>
           <a:lstStyle/>
           <a:p>
             <a:r>
-              <a:rPr lang="zh-CN" altLang="da-DK" sz="2400" dirty="0" smtClean="0">
+              <a:rPr lang="zh-CN" altLang="da-DK" sz="2400" dirty="0">
                 <a:latin typeface="+mn-lt"/>
                 <a:ea typeface="+mn-ea"/>
               </a:rPr>
               <a:t>全体成员</a:t>
             </a:r>
-            <a:endParaRPr lang="zh-CN" altLang="da-DK" sz="2400" dirty="0" smtClean="0">
-              <a:latin typeface="+mn-lt"/>
-              <a:ea typeface="+mn-ea"/>
-            </a:endParaRPr>
           </a:p>
         </p:txBody>
       </p:sp>
     </p:spTree>
     <p:custDataLst>
-      <p:tags r:id="rId4"/>
+      <p:tags r:id="rId1"/>
     </p:custDataLst>
   </p:cSld>
   <p:clrMapOvr>
@@ -4872,13 +4782,6 @@
   <p:transition spd="slow">
     <p:push dir="u"/>
   </p:transition>
-  <p:timing>
-    <p:tnLst>
-      <p:par>
-        <p:cTn id="1" dur="indefinite" restart="never" nodeType="tmRoot"/>
-      </p:par>
-    </p:tnLst>
-  </p:timing>
 </p:sld>
 </file>
 
@@ -4891,7 +4794,14 @@
         <p:cNvGrpSpPr/>
         <p:nvPr/>
       </p:nvGrpSpPr>
-      <p:grpSpPr/>
+      <p:grpSpPr>
+        <a:xfrm>
+          <a:off x="0" y="0"/>
+          <a:ext cx="0" cy="0"/>
+          <a:chOff x="0" y="0"/>
+          <a:chExt cx="0" cy="0"/>
+        </a:xfrm>
+      </p:grpSpPr>
       <p:sp>
         <p:nvSpPr>
           <p:cNvPr id="2" name="标题 1"/>
@@ -4905,13 +4815,13 @@
         <p:spPr/>
         <p:txBody>
           <a:bodyPr/>
+          <a:lstStyle/>
           <a:p>
             <a:pPr algn="ctr"/>
             <a:r>
               <a:rPr lang="zh-CN" altLang="en-US"/>
               <a:t>各主要功能截图</a:t>
             </a:r>
-            <a:endParaRPr lang="zh-CN" altLang="en-US"/>
           </a:p>
         </p:txBody>
       </p:sp>
@@ -4928,12 +4838,12 @@
         <p:spPr/>
         <p:txBody>
           <a:bodyPr/>
+          <a:lstStyle/>
           <a:p>
             <a:r>
               <a:rPr lang="zh-CN" altLang="en-US"/>
               <a:t>樊午龙：</a:t>
             </a:r>
-            <a:endParaRPr lang="zh-CN" altLang="en-US"/>
           </a:p>
         </p:txBody>
       </p:sp>
@@ -4946,7 +4856,7 @@
           <p:nvPr/>
         </p:nvPicPr>
         <p:blipFill>
-          <a:blip r:embed="rId1"/>
+          <a:blip r:embed="rId2"/>
           <a:stretch>
             <a:fillRect/>
           </a:stretch>
@@ -4970,7 +4880,7 @@
           <p:nvPr/>
         </p:nvPicPr>
         <p:blipFill>
-          <a:blip r:embed="rId2"/>
+          <a:blip r:embed="rId3"/>
           <a:stretch>
             <a:fillRect/>
           </a:stretch>
@@ -4994,7 +4904,7 @@
           <p:nvPr/>
         </p:nvPicPr>
         <p:blipFill>
-          <a:blip r:embed="rId3"/>
+          <a:blip r:embed="rId4"/>
           <a:stretch>
             <a:fillRect/>
           </a:stretch>
@@ -5026,7 +4936,14 @@
         <p:cNvGrpSpPr/>
         <p:nvPr/>
       </p:nvGrpSpPr>
-      <p:grpSpPr/>
+      <p:grpSpPr>
+        <a:xfrm>
+          <a:off x="0" y="0"/>
+          <a:ext cx="0" cy="0"/>
+          <a:chOff x="0" y="0"/>
+          <a:chExt cx="0" cy="0"/>
+        </a:xfrm>
+      </p:grpSpPr>
       <p:sp>
         <p:nvSpPr>
           <p:cNvPr id="2" name="标题 1"/>
@@ -5040,13 +4957,13 @@
         <p:spPr/>
         <p:txBody>
           <a:bodyPr/>
+          <a:lstStyle/>
           <a:p>
             <a:pPr algn="ctr"/>
             <a:r>
               <a:rPr lang="zh-CN" altLang="en-US"/>
               <a:t>各主要功能截图</a:t>
             </a:r>
-            <a:endParaRPr lang="zh-CN" altLang="en-US"/>
           </a:p>
         </p:txBody>
       </p:sp>
@@ -5063,12 +4980,12 @@
         <p:spPr/>
         <p:txBody>
           <a:bodyPr/>
+          <a:lstStyle/>
           <a:p>
             <a:r>
               <a:rPr lang="zh-CN" altLang="en-US"/>
               <a:t>郝子成：</a:t>
             </a:r>
-            <a:endParaRPr lang="zh-CN" altLang="en-US"/>
           </a:p>
         </p:txBody>
       </p:sp>
@@ -5081,7 +4998,7 @@
           <p:nvPr/>
         </p:nvPicPr>
         <p:blipFill>
-          <a:blip r:embed="rId1"/>
+          <a:blip r:embed="rId2"/>
           <a:stretch>
             <a:fillRect/>
           </a:stretch>
@@ -5105,7 +5022,7 @@
           <p:nvPr/>
         </p:nvPicPr>
         <p:blipFill>
-          <a:blip r:embed="rId2"/>
+          <a:blip r:embed="rId3"/>
           <a:stretch>
             <a:fillRect/>
           </a:stretch>
@@ -5129,7 +5046,7 @@
           <p:nvPr/>
         </p:nvPicPr>
         <p:blipFill>
-          <a:blip r:embed="rId3"/>
+          <a:blip r:embed="rId4"/>
           <a:stretch>
             <a:fillRect/>
           </a:stretch>
@@ -5153,7 +5070,7 @@
           <p:nvPr/>
         </p:nvPicPr>
         <p:blipFill>
-          <a:blip r:embed="rId4"/>
+          <a:blip r:embed="rId5"/>
           <a:stretch>
             <a:fillRect/>
           </a:stretch>
@@ -5186,7 +5103,7 @@
     <p:bg>
       <p:bgPr>
         <a:blipFill dpi="0" rotWithShape="1">
-          <a:blip r:embed="rId1"/>
+          <a:blip r:embed="rId2"/>
           <a:srcRect/>
           <a:stretch>
             <a:fillRect t="-27000" b="-27000"/>
@@ -5227,10 +5144,9 @@
           <a:lstStyle/>
           <a:p>
             <a:r>
-              <a:rPr lang="zh-CN" altLang="en-US" sz="4800" dirty="0" smtClean="0"/>
+              <a:rPr lang="zh-CN" altLang="en-US" sz="4800" dirty="0"/>
               <a:t>谢谢观看</a:t>
             </a:r>
-            <a:endParaRPr lang="zh-CN" altLang="en-US" sz="4800" dirty="0"/>
           </a:p>
         </p:txBody>
       </p:sp>
@@ -5242,13 +5158,6 @@
   <p:transition spd="slow">
     <p:push dir="u"/>
   </p:transition>
-  <p:timing>
-    <p:tnLst>
-      <p:par>
-        <p:cTn id="1" dur="indefinite" restart="never" nodeType="tmRoot"/>
-      </p:par>
-    </p:tnLst>
-  </p:timing>
 </p:sld>
 </file>
 
@@ -5258,7 +5167,7 @@
     <p:bg>
       <p:bgPr>
         <a:blipFill dpi="0" rotWithShape="1">
-          <a:blip r:embed="rId1"/>
+          <a:blip r:embed="rId2"/>
           <a:srcRect/>
           <a:stretch>
             <a:fillRect t="-16000" b="-16000"/>
@@ -5305,18 +5214,13 @@
           <a:p>
             <a:pPr algn="ctr"/>
             <a:r>
-              <a:rPr lang="zh-CN" altLang="en-US" sz="5400" dirty="0" smtClean="0">
+              <a:rPr lang="zh-CN" altLang="en-US" sz="5400" dirty="0">
                 <a:solidFill>
                   <a:srgbClr val="FF0000"/>
                 </a:solidFill>
               </a:rPr>
               <a:t>  目录</a:t>
             </a:r>
-            <a:endParaRPr lang="zh-CN" altLang="en-US" sz="5400" dirty="0">
-              <a:solidFill>
-                <a:srgbClr val="FF0000"/>
-              </a:solidFill>
-            </a:endParaRPr>
           </a:p>
         </p:txBody>
       </p:sp>
@@ -5342,10 +5246,10 @@
               <a:buChar char="u"/>
             </a:pPr>
             <a:r>
-              <a:rPr lang="zh-CN" altLang="en-US" sz="4400" dirty="0" smtClean="0"/>
+              <a:rPr lang="zh-CN" altLang="en-US" sz="4400" dirty="0"/>
               <a:t>成员介绍及分工说明</a:t>
             </a:r>
-            <a:endParaRPr lang="en-US" altLang="zh-CN" sz="4400" dirty="0" smtClean="0"/>
+            <a:endParaRPr lang="en-US" altLang="zh-CN" sz="4400" dirty="0"/>
           </a:p>
           <a:p>
             <a:pPr algn="l">
@@ -5353,10 +5257,9 @@
               <a:buChar char="u"/>
             </a:pPr>
             <a:r>
-              <a:rPr lang="zh-CN" sz="4400" dirty="0" smtClean="0"/>
+              <a:rPr lang="zh-CN" sz="4400" dirty="0"/>
               <a:t>数据爬虫条目数汇总</a:t>
             </a:r>
-            <a:endParaRPr lang="zh-CN" sz="4400" dirty="0" smtClean="0"/>
           </a:p>
           <a:p>
             <a:pPr algn="l">
@@ -5364,10 +5267,9 @@
               <a:buChar char="u"/>
             </a:pPr>
             <a:r>
-              <a:rPr lang="zh-CN" sz="4400" dirty="0" smtClean="0"/>
+              <a:rPr lang="zh-CN" sz="4400" dirty="0"/>
               <a:t>所用技术列表及介绍</a:t>
             </a:r>
-            <a:endParaRPr lang="zh-CN" sz="4400" dirty="0" smtClean="0"/>
           </a:p>
           <a:p>
             <a:pPr algn="l">
@@ -5378,7 +5280,6 @@
               <a:rPr lang="zh-CN" altLang="en-US" sz="4400" dirty="0"/>
               <a:t>各主要功能截图</a:t>
             </a:r>
-            <a:endParaRPr lang="zh-CN" altLang="en-US" sz="4400" dirty="0"/>
           </a:p>
         </p:txBody>
       </p:sp>
@@ -5387,25 +5288,18 @@
   <p:clrMapOvr>
     <a:masterClrMapping/>
   </p:clrMapOvr>
-  <mc:AlternateContent xmlns:mc="http://schemas.openxmlformats.org/markup-compatibility/2006">
-    <mc:Choice xmlns:p14="http://schemas.microsoft.com/office/powerpoint/2010/main" Requires="p14">
+  <mc:AlternateContent xmlns:mc="http://schemas.openxmlformats.org/markup-compatibility/2006" xmlns:p14="http://schemas.microsoft.com/office/powerpoint/2010/main">
+    <mc:Choice Requires="p14">
       <p:transition spd="med" p14:dur="700">
         <p:fade/>
       </p:transition>
     </mc:Choice>
-    <mc:Fallback>
+    <mc:Fallback xmlns="">
       <p:transition spd="med">
         <p:fade/>
       </p:transition>
     </mc:Fallback>
   </mc:AlternateContent>
-  <p:timing>
-    <p:tnLst>
-      <p:par>
-        <p:cTn id="1" dur="indefinite" restart="never" nodeType="tmRoot"/>
-      </p:par>
-    </p:tnLst>
-  </p:timing>
 </p:sld>
 </file>
 
@@ -5415,7 +5309,7 @@
     <p:bg>
       <p:bgPr>
         <a:blipFill dpi="0" rotWithShape="1">
-          <a:blip r:embed="rId1"/>
+          <a:blip r:embed="rId2"/>
           <a:srcRect/>
           <a:stretch>
             <a:fillRect t="-61000" b="-61000"/>
@@ -5455,18 +5349,13 @@
           <a:p>
             <a:pPr algn="ctr"/>
             <a:r>
-              <a:rPr lang="zh-CN" altLang="en-US" dirty="0" smtClean="0">
+              <a:rPr lang="zh-CN" altLang="en-US" dirty="0">
                 <a:solidFill>
                   <a:srgbClr val="FF0000"/>
                 </a:solidFill>
               </a:rPr>
               <a:t>    成员介绍及分工说明</a:t>
             </a:r>
-            <a:endParaRPr lang="zh-CN" altLang="en-US" dirty="0">
-              <a:solidFill>
-                <a:srgbClr val="FF0000"/>
-              </a:solidFill>
-            </a:endParaRPr>
           </a:p>
         </p:txBody>
       </p:sp>
@@ -5492,7 +5381,6 @@
               <a:rPr lang="zh-CN" altLang="en-US" dirty="0"/>
               <a:t>组长：孔维一</a:t>
             </a:r>
-            <a:endParaRPr lang="zh-CN" altLang="en-US" dirty="0"/>
           </a:p>
           <a:p>
             <a:pPr marL="0" indent="0">
@@ -5502,7 +5390,6 @@
               <a:rPr lang="zh-CN" altLang="en-US" dirty="0"/>
               <a:t>组员：史芯源 樊午龙 郝子成</a:t>
             </a:r>
-            <a:endParaRPr lang="zh-CN" altLang="en-US" dirty="0"/>
           </a:p>
           <a:p>
             <a:pPr marL="0" indent="0">
@@ -5526,7 +5413,6 @@
               <a:rPr lang="zh-CN" altLang="en-US" dirty="0"/>
               <a:t>孔维一</a:t>
             </a:r>
-            <a:endParaRPr lang="zh-CN" altLang="en-US" dirty="0"/>
           </a:p>
           <a:p>
             <a:pPr marL="0" indent="0">
@@ -5548,7 +5434,6 @@
               <a:rPr lang="zh-CN" altLang="en-US" dirty="0"/>
               <a:t>樊午龙</a:t>
             </a:r>
-            <a:endParaRPr lang="zh-CN" altLang="en-US" dirty="0"/>
           </a:p>
           <a:p>
             <a:pPr marL="0" indent="0">
@@ -5570,7 +5455,6 @@
               <a:rPr lang="zh-CN" altLang="en-US" dirty="0"/>
               <a:t>史芯源</a:t>
             </a:r>
-            <a:endParaRPr lang="zh-CN" altLang="en-US" dirty="0"/>
           </a:p>
           <a:p>
             <a:pPr marL="0" indent="0">
@@ -5592,7 +5476,6 @@
               <a:rPr lang="zh-CN" altLang="en-US" dirty="0"/>
               <a:t>郝子成</a:t>
             </a:r>
-            <a:endParaRPr lang="zh-CN" altLang="en-US" dirty="0"/>
           </a:p>
           <a:p>
             <a:pPr marL="0" indent="0">
@@ -5604,7 +5487,7 @@
             </a:r>
             <a:r>
               <a:rPr lang="zh-CN" altLang="en-US" dirty="0"/>
-              <a:t>用户及登录模块</a:t>
+              <a:t>用户模块</a:t>
             </a:r>
             <a:r>
               <a:rPr lang="en-US" altLang="zh-CN" dirty="0"/>
@@ -5614,7 +5497,6 @@
               <a:rPr lang="zh-CN" altLang="en-US" dirty="0"/>
               <a:t>主要为孔维一负责</a:t>
             </a:r>
-            <a:endParaRPr lang="zh-CN" altLang="en-US" dirty="0"/>
           </a:p>
           <a:p>
             <a:pPr marL="0" indent="0">
@@ -5628,7 +5510,6 @@
               <a:rPr lang="zh-CN" altLang="en-US" dirty="0"/>
               <a:t>其余人负责页面编写修订等内容</a:t>
             </a:r>
-            <a:endParaRPr lang="zh-CN" altLang="en-US" dirty="0"/>
           </a:p>
         </p:txBody>
       </p:sp>
@@ -5640,13 +5521,6 @@
   <p:transition spd="slow">
     <p:wipe/>
   </p:transition>
-  <p:timing>
-    <p:tnLst>
-      <p:par>
-        <p:cTn id="1" dur="indefinite" restart="never" nodeType="tmRoot"/>
-      </p:par>
-    </p:tnLst>
-  </p:timing>
 </p:sld>
 </file>
 
@@ -5656,7 +5530,7 @@
     <p:bg>
       <p:bgPr>
         <a:blipFill dpi="0" rotWithShape="1">
-          <a:blip r:embed="rId1"/>
+          <a:blip r:embed="rId2"/>
           <a:srcRect/>
           <a:stretch>
             <a:fillRect/>
@@ -5703,11 +5577,6 @@
               </a:rPr>
               <a:t>数据爬虫条目数汇总</a:t>
             </a:r>
-            <a:endParaRPr lang="zh-CN" altLang="en-US" dirty="0">
-              <a:solidFill>
-                <a:srgbClr val="FF0000"/>
-              </a:solidFill>
-            </a:endParaRPr>
           </a:p>
         </p:txBody>
       </p:sp>
@@ -5746,7 +5615,6 @@
               <a:rPr lang="zh-CN" altLang="en-US" dirty="0"/>
               <a:t>本图书信息</a:t>
             </a:r>
-            <a:endParaRPr lang="zh-CN" altLang="en-US" dirty="0"/>
           </a:p>
           <a:p>
             <a:pPr marL="0" indent="0">
@@ -5768,7 +5636,6 @@
               <a:rPr lang="zh-CN" altLang="en-US" dirty="0"/>
               <a:t>条评论信息</a:t>
             </a:r>
-            <a:endParaRPr lang="zh-CN" altLang="en-US" dirty="0"/>
           </a:p>
           <a:p>
             <a:pPr marL="0" indent="0">
@@ -5804,7 +5671,6 @@
               <a:rPr lang="zh-CN" altLang="en-US" dirty="0"/>
               <a:t>首音乐信息</a:t>
             </a:r>
-            <a:endParaRPr lang="zh-CN" altLang="en-US" dirty="0"/>
           </a:p>
           <a:p>
             <a:pPr marL="0" indent="0">
@@ -5826,7 +5692,6 @@
               <a:rPr lang="zh-CN" altLang="en-US" dirty="0"/>
               <a:t>条评论信息</a:t>
             </a:r>
-            <a:endParaRPr lang="zh-CN" altLang="en-US" dirty="0"/>
           </a:p>
         </p:txBody>
       </p:sp>
@@ -5839,7 +5704,7 @@
           <p:nvPr/>
         </p:nvPicPr>
         <p:blipFill>
-          <a:blip r:embed="rId2"/>
+          <a:blip r:embed="rId3"/>
           <a:stretch>
             <a:fillRect/>
           </a:stretch>
@@ -5863,7 +5728,7 @@
           <p:nvPr/>
         </p:nvPicPr>
         <p:blipFill>
-          <a:blip r:embed="rId3"/>
+          <a:blip r:embed="rId4"/>
           <a:stretch>
             <a:fillRect/>
           </a:stretch>
@@ -5887,7 +5752,7 @@
           <p:nvPr/>
         </p:nvPicPr>
         <p:blipFill>
-          <a:blip r:embed="rId4"/>
+          <a:blip r:embed="rId5"/>
           <a:stretch>
             <a:fillRect/>
           </a:stretch>
@@ -5911,7 +5776,7 @@
           <p:nvPr/>
         </p:nvPicPr>
         <p:blipFill>
-          <a:blip r:embed="rId5"/>
+          <a:blip r:embed="rId6"/>
           <a:stretch>
             <a:fillRect/>
           </a:stretch>
@@ -5931,25 +5796,18 @@
   <p:clrMapOvr>
     <a:masterClrMapping/>
   </p:clrMapOvr>
-  <mc:AlternateContent xmlns:mc="http://schemas.openxmlformats.org/markup-compatibility/2006">
-    <mc:Choice xmlns:p14="http://schemas.microsoft.com/office/powerpoint/2010/main" Requires="p14">
+  <mc:AlternateContent xmlns:mc="http://schemas.openxmlformats.org/markup-compatibility/2006" xmlns:p14="http://schemas.microsoft.com/office/powerpoint/2010/main">
+    <mc:Choice Requires="p14">
       <p:transition spd="slow" p14:dur="1500">
         <p:split orient="vert"/>
       </p:transition>
     </mc:Choice>
-    <mc:Fallback>
+    <mc:Fallback xmlns="">
       <p:transition spd="slow">
         <p:split orient="vert"/>
       </p:transition>
     </mc:Fallback>
   </mc:AlternateContent>
-  <p:timing>
-    <p:tnLst>
-      <p:par>
-        <p:cTn id="1" dur="indefinite" restart="never" nodeType="tmRoot"/>
-      </p:par>
-    </p:tnLst>
-  </p:timing>
 </p:sld>
 </file>
 
@@ -5959,7 +5817,7 @@
     <p:bg>
       <p:bgPr>
         <a:blipFill dpi="0" rotWithShape="1">
-          <a:blip r:embed="rId1"/>
+          <a:blip r:embed="rId2"/>
           <a:srcRect/>
           <a:stretch>
             <a:fillRect/>
@@ -6006,11 +5864,6 @@
               </a:rPr>
               <a:t>数据爬虫条目数汇总</a:t>
             </a:r>
-            <a:endParaRPr lang="zh-CN" altLang="en-US" dirty="0">
-              <a:solidFill>
-                <a:srgbClr val="FF0000"/>
-              </a:solidFill>
-            </a:endParaRPr>
           </a:p>
         </p:txBody>
       </p:sp>
@@ -6049,7 +5902,6 @@
               <a:rPr lang="zh-CN" altLang="en-US" dirty="0"/>
               <a:t>部电视剧信息</a:t>
             </a:r>
-            <a:endParaRPr lang="zh-CN" altLang="en-US" dirty="0"/>
           </a:p>
           <a:p>
             <a:pPr marL="0" indent="0">
@@ -6063,7 +5915,6 @@
               <a:rPr lang="zh-CN" altLang="en-US" dirty="0"/>
               <a:t>（包括评论在内）</a:t>
             </a:r>
-            <a:endParaRPr lang="zh-CN" altLang="en-US" dirty="0"/>
           </a:p>
           <a:p>
             <a:pPr marL="0" indent="0">
@@ -6091,13 +5942,8 @@
             </a:r>
             <a:r>
               <a:rPr lang="zh-CN" altLang="en-US" dirty="0"/>
-              <a:t>部电影</a:t>
-            </a:r>
-            <a:r>
-              <a:rPr lang="zh-CN" altLang="en-US" dirty="0"/>
-              <a:t>信息</a:t>
-            </a:r>
-            <a:endParaRPr lang="zh-CN" altLang="en-US" dirty="0"/>
+              <a:t>部电影信息</a:t>
+            </a:r>
           </a:p>
           <a:p>
             <a:pPr marL="0" indent="0">
@@ -6119,7 +5965,6 @@
               <a:rPr lang="zh-CN" altLang="en-US" dirty="0"/>
               <a:t>条评论信息</a:t>
             </a:r>
-            <a:endParaRPr lang="zh-CN" altLang="en-US" dirty="0"/>
           </a:p>
         </p:txBody>
       </p:sp>
@@ -6132,7 +5977,7 @@
           <p:nvPr/>
         </p:nvPicPr>
         <p:blipFill>
-          <a:blip r:embed="rId2"/>
+          <a:blip r:embed="rId3"/>
           <a:stretch>
             <a:fillRect/>
           </a:stretch>
@@ -6156,7 +6001,7 @@
           <p:nvPr/>
         </p:nvPicPr>
         <p:blipFill>
-          <a:blip r:embed="rId3"/>
+          <a:blip r:embed="rId4"/>
           <a:stretch>
             <a:fillRect/>
           </a:stretch>
@@ -6180,7 +6025,7 @@
           <p:nvPr/>
         </p:nvPicPr>
         <p:blipFill>
-          <a:blip r:embed="rId4"/>
+          <a:blip r:embed="rId5"/>
           <a:stretch>
             <a:fillRect/>
           </a:stretch>
@@ -6200,25 +6045,18 @@
   <p:clrMapOvr>
     <a:masterClrMapping/>
   </p:clrMapOvr>
-  <mc:AlternateContent xmlns:mc="http://schemas.openxmlformats.org/markup-compatibility/2006">
-    <mc:Choice xmlns:p14="http://schemas.microsoft.com/office/powerpoint/2010/main" Requires="p14">
+  <mc:AlternateContent xmlns:mc="http://schemas.openxmlformats.org/markup-compatibility/2006" xmlns:p14="http://schemas.microsoft.com/office/powerpoint/2010/main">
+    <mc:Choice Requires="p14">
       <p:transition spd="slow" p14:dur="1500">
         <p:split orient="vert"/>
       </p:transition>
     </mc:Choice>
-    <mc:Fallback>
+    <mc:Fallback xmlns="">
       <p:transition spd="slow">
         <p:split orient="vert"/>
       </p:transition>
     </mc:Fallback>
   </mc:AlternateContent>
-  <p:timing>
-    <p:tnLst>
-      <p:par>
-        <p:cTn id="1" dur="indefinite" restart="never" nodeType="tmRoot"/>
-      </p:par>
-    </p:tnLst>
-  </p:timing>
 </p:sld>
 </file>
 
@@ -6228,7 +6066,7 @@
     <p:bg>
       <p:bgPr>
         <a:blipFill dpi="0" rotWithShape="1">
-          <a:blip r:embed="rId1"/>
+          <a:blip r:embed="rId3"/>
           <a:srcRect/>
           <a:stretch>
             <a:fillRect/>
@@ -6275,11 +6113,6 @@
               </a:rPr>
               <a:t>数据爬虫条目数汇总</a:t>
             </a:r>
-            <a:endParaRPr lang="zh-CN" altLang="en-US" dirty="0">
-              <a:solidFill>
-                <a:srgbClr val="FF0000"/>
-              </a:solidFill>
-            </a:endParaRPr>
           </a:p>
         </p:txBody>
       </p:sp>
@@ -6318,7 +6151,6 @@
               <a:rPr lang="zh-CN" altLang="en-US" dirty="0"/>
               <a:t>条豆瓣用户信息</a:t>
             </a:r>
-            <a:endParaRPr lang="zh-CN" altLang="en-US" dirty="0"/>
           </a:p>
         </p:txBody>
       </p:sp>
@@ -6330,12 +6162,12 @@
           </p:cNvPicPr>
           <p:nvPr>
             <p:custDataLst>
-              <p:tags r:id="rId2"/>
+              <p:tags r:id="rId1"/>
             </p:custDataLst>
           </p:nvPr>
         </p:nvPicPr>
         <p:blipFill>
-          <a:blip r:embed="rId3"/>
+          <a:blip r:embed="rId4"/>
           <a:stretch>
             <a:fillRect/>
           </a:stretch>
@@ -6355,25 +6187,18 @@
   <p:clrMapOvr>
     <a:masterClrMapping/>
   </p:clrMapOvr>
-  <mc:AlternateContent xmlns:mc="http://schemas.openxmlformats.org/markup-compatibility/2006">
-    <mc:Choice xmlns:p14="http://schemas.microsoft.com/office/powerpoint/2010/main" Requires="p14">
+  <mc:AlternateContent xmlns:mc="http://schemas.openxmlformats.org/markup-compatibility/2006" xmlns:p14="http://schemas.microsoft.com/office/powerpoint/2010/main">
+    <mc:Choice Requires="p14">
       <p:transition spd="slow" p14:dur="1500">
         <p:split orient="vert"/>
       </p:transition>
     </mc:Choice>
-    <mc:Fallback>
+    <mc:Fallback xmlns="">
       <p:transition spd="slow">
         <p:split orient="vert"/>
       </p:transition>
     </mc:Fallback>
   </mc:AlternateContent>
-  <p:timing>
-    <p:tnLst>
-      <p:par>
-        <p:cTn id="1" dur="indefinite" restart="never" nodeType="tmRoot"/>
-      </p:par>
-    </p:tnLst>
-  </p:timing>
 </p:sld>
 </file>
 
@@ -6386,7 +6211,14 @@
         <p:cNvGrpSpPr/>
         <p:nvPr/>
       </p:nvGrpSpPr>
-      <p:grpSpPr/>
+      <p:grpSpPr>
+        <a:xfrm>
+          <a:off x="0" y="0"/>
+          <a:ext cx="0" cy="0"/>
+          <a:chOff x="0" y="0"/>
+          <a:chExt cx="0" cy="0"/>
+        </a:xfrm>
+      </p:grpSpPr>
       <p:sp>
         <p:nvSpPr>
           <p:cNvPr id="2" name="标题 1"/>
@@ -6402,10 +6234,11 @@
           <a:bodyPr>
             <a:normAutofit/>
           </a:bodyPr>
+          <a:lstStyle/>
           <a:p>
             <a:pPr algn="ctr"/>
             <a:r>
-              <a:rPr lang="zh-CN" dirty="0" smtClean="0">
+              <a:rPr lang="zh-CN" dirty="0">
                 <a:sym typeface="+mn-ea"/>
               </a:rPr>
               <a:t>所用技术列表及介绍</a:t>
@@ -6417,9 +6250,16 @@
       <p:graphicFrame>
         <p:nvGraphicFramePr>
           <p:cNvPr id="7" name="内容占位符 6"/>
-          <p:cNvGraphicFramePr/>
+          <p:cNvGraphicFramePr>
+            <a:graphicFrameLocks noGrp="1"/>
+          </p:cNvGraphicFramePr>
           <p:nvPr>
             <p:ph idx="1"/>
+            <p:extLst>
+              <p:ext uri="{D42A27DB-BD31-4B8C-83A1-F6EECF244321}">
+                <p14:modId xmlns:p14="http://schemas.microsoft.com/office/powerpoint/2010/main" val="3351483417"/>
+              </p:ext>
+            </p:extLst>
           </p:nvPr>
         </p:nvGraphicFramePr>
         <p:xfrm>
@@ -6433,86 +6273,119 @@
                 <a:tableStyleId>{5C22544A-7EE6-4342-B048-85BDC9FD1C3A}</a:tableStyleId>
               </a:tblPr>
               <a:tblGrid>
-                <a:gridCol w="2714625"/>
-                <a:gridCol w="2714625"/>
-                <a:gridCol w="2714625"/>
-                <a:gridCol w="2714625"/>
+                <a:gridCol w="2714625">
+                  <a:extLst>
+                    <a:ext uri="{9D8B030D-6E8A-4147-A177-3AD203B41FA5}">
+                      <a16:colId xmlns:a16="http://schemas.microsoft.com/office/drawing/2014/main" val="20000"/>
+                    </a:ext>
+                  </a:extLst>
+                </a:gridCol>
+                <a:gridCol w="2714625">
+                  <a:extLst>
+                    <a:ext uri="{9D8B030D-6E8A-4147-A177-3AD203B41FA5}">
+                      <a16:colId xmlns:a16="http://schemas.microsoft.com/office/drawing/2014/main" val="20001"/>
+                    </a:ext>
+                  </a:extLst>
+                </a:gridCol>
+                <a:gridCol w="2714625">
+                  <a:extLst>
+                    <a:ext uri="{9D8B030D-6E8A-4147-A177-3AD203B41FA5}">
+                      <a16:colId xmlns:a16="http://schemas.microsoft.com/office/drawing/2014/main" val="20002"/>
+                    </a:ext>
+                  </a:extLst>
+                </a:gridCol>
+                <a:gridCol w="2714625">
+                  <a:extLst>
+                    <a:ext uri="{9D8B030D-6E8A-4147-A177-3AD203B41FA5}">
+                      <a16:colId xmlns:a16="http://schemas.microsoft.com/office/drawing/2014/main" val="20003"/>
+                    </a:ext>
+                  </a:extLst>
+                </a:gridCol>
               </a:tblGrid>
               <a:tr h="4361815">
                 <a:tc>
                   <a:txBody>
                     <a:bodyPr/>
+                    <a:lstStyle/>
                     <a:p>
                       <a:pPr algn="ctr">
                         <a:buNone/>
                       </a:pPr>
                       <a:r>
-                        <a:rPr lang="zh-CN" altLang="en-US" sz="2400"/>
+                        <a:rPr lang="zh-CN" altLang="en-US" sz="2400" dirty="0"/>
                         <a:t>爬虫技术：</a:t>
                       </a:r>
-                      <a:endParaRPr lang="zh-CN" altLang="en-US" sz="2400"/>
                     </a:p>
                     <a:p>
                       <a:pPr algn="l">
                         <a:buNone/>
                       </a:pPr>
                       <a:r>
-                        <a:rPr lang="en-US" altLang="zh-CN" sz="1800"/>
+                        <a:rPr lang="en-US" altLang="zh-CN" sz="1800" dirty="0"/>
                         <a:t>Python Scrapy</a:t>
                       </a:r>
                       <a:r>
-                        <a:rPr lang="zh-CN" altLang="en-US" sz="1800"/>
+                        <a:rPr lang="zh-CN" altLang="en-US" sz="1800" dirty="0"/>
                         <a:t>框架</a:t>
                       </a:r>
-                      <a:endParaRPr lang="zh-CN" altLang="en-US" sz="1800"/>
                     </a:p>
                     <a:p>
                       <a:pPr algn="l">
                         <a:buNone/>
                       </a:pPr>
                       <a:r>
-                        <a:rPr lang="en-US" altLang="zh-CN" sz="1800"/>
+                        <a:rPr lang="en-US" altLang="zh-CN" sz="1800" dirty="0"/>
                         <a:t>PS</a:t>
                       </a:r>
                       <a:r>
-                        <a:rPr lang="zh-CN" altLang="en-US" sz="1800"/>
+                        <a:rPr lang="zh-CN" altLang="en-US" sz="1800" dirty="0"/>
                         <a:t>：史芯源使用的为BeautifulSoup爬虫技术</a:t>
                       </a:r>
-                      <a:endParaRPr lang="zh-CN" altLang="en-US" sz="1800"/>
                     </a:p>
                     <a:p>
                       <a:pPr algn="l">
                         <a:buNone/>
                       </a:pPr>
-                      <a:endParaRPr lang="zh-CN" altLang="en-US" sz="1800"/>
+                      <a:endParaRPr lang="zh-CN" altLang="en-US" sz="1800" dirty="0"/>
                     </a:p>
                     <a:p>
                       <a:pPr algn="l">
                         <a:buNone/>
                       </a:pPr>
-                      <a:endParaRPr lang="zh-CN" altLang="en-US" sz="1800"/>
+                      <a:endParaRPr lang="zh-CN" altLang="en-US" sz="1800" dirty="0"/>
+                    </a:p>
+                    <a:p>
+                      <a:pPr algn="l">
+                        <a:buNone/>
+                      </a:pPr>
+                      <a:endParaRPr lang="en-US" altLang="zh-CN" sz="1800" dirty="0"/>
+                    </a:p>
+                    <a:p>
+                      <a:pPr algn="l">
+                        <a:buNone/>
+                      </a:pPr>
+                      <a:endParaRPr lang="en-US" altLang="zh-CN" sz="1800" dirty="0"/>
                     </a:p>
                     <a:p>
                       <a:pPr algn="l">
                         <a:buNone/>
                       </a:pPr>
                       <a:r>
-                        <a:rPr lang="zh-CN" altLang="en-US" sz="1800"/>
-                        <a:t>该技术用于四个模块豆瓣信息的爬取。</a:t>
+                        <a:rPr lang="zh-CN" altLang="en-US" sz="1800" dirty="0"/>
+                        <a:t>       该技术用于四个模块豆瓣数据信息的爬取。</a:t>
                       </a:r>
-                      <a:endParaRPr lang="zh-CN" altLang="en-US" sz="1800"/>
                     </a:p>
                     <a:p>
                       <a:pPr algn="l">
                         <a:buNone/>
                       </a:pPr>
-                      <a:endParaRPr lang="zh-CN" altLang="en-US" sz="1800"/>
+                      <a:endParaRPr lang="zh-CN" altLang="en-US" sz="1800" dirty="0"/>
                     </a:p>
                     <a:p>
                       <a:pPr algn="l">
                         <a:buNone/>
                       </a:pPr>
-                      <a:endParaRPr lang="zh-CN" altLang="en-US" sz="1800"/>
+                      <a:endParaRPr lang="zh-CN" altLang="en-US" sz="1800" dirty="0"/>
                     </a:p>
                   </a:txBody>
                   <a:tcPr/>
@@ -6520,81 +6393,133 @@
                 <a:tc>
                   <a:txBody>
                     <a:bodyPr/>
+                    <a:lstStyle/>
                     <a:p>
                       <a:pPr algn="ctr">
                         <a:buNone/>
                       </a:pPr>
                       <a:r>
-                        <a:rPr lang="zh-CN" altLang="en-US" sz="2400"/>
+                        <a:rPr lang="zh-CN" altLang="en-US" sz="2400" dirty="0"/>
                         <a:t>服务器端开发框架：</a:t>
                       </a:r>
-                      <a:endParaRPr lang="zh-CN" altLang="en-US" sz="2400"/>
                     </a:p>
                     <a:p>
                       <a:pPr algn="l">
                         <a:buNone/>
                       </a:pPr>
                       <a:r>
-                        <a:rPr lang="en-US" altLang="zh-CN" sz="1800"/>
-                        <a:t>SSM</a:t>
+                        <a:rPr lang="en-US" altLang="zh-CN" sz="1800" dirty="0" err="1"/>
+                        <a:t>SpringBoot</a:t>
                       </a:r>
                       <a:r>
-                        <a:rPr sz="1800"/>
-                        <a:t>（Spring + SpringMVC + MyBatis）</a:t>
+                        <a:rPr lang="zh-CN" altLang="en-US" sz="1800" dirty="0"/>
+                        <a:t>框架</a:t>
                       </a:r>
-                      <a:endParaRPr sz="1800"/>
+                      <a:r>
+                        <a:rPr lang="en-US" altLang="zh-CN" sz="1800" dirty="0"/>
+                        <a:t>,</a:t>
+                      </a:r>
+                      <a:r>
+                        <a:rPr lang="zh-CN" altLang="en-US" sz="1800" dirty="0"/>
+                        <a:t>加载组件有</a:t>
+                      </a:r>
+                      <a:r>
+                        <a:rPr lang="en-US" altLang="zh-CN" sz="1800" b="1" kern="1200" dirty="0">
+                          <a:solidFill>
+                            <a:schemeClr val="lt1"/>
+                          </a:solidFill>
+                          <a:effectLst/>
+                          <a:latin typeface="+mn-lt"/>
+                          <a:ea typeface="+mn-ea"/>
+                          <a:cs typeface="+mn-cs"/>
+                        </a:rPr>
+                        <a:t>Spring Boot </a:t>
+                      </a:r>
+                      <a:r>
+                        <a:rPr lang="en-US" altLang="zh-CN" sz="1800" b="1" kern="1200" dirty="0" err="1">
+                          <a:solidFill>
+                            <a:schemeClr val="lt1"/>
+                          </a:solidFill>
+                          <a:effectLst/>
+                          <a:latin typeface="+mn-lt"/>
+                          <a:ea typeface="+mn-ea"/>
+                          <a:cs typeface="+mn-cs"/>
+                        </a:rPr>
+                        <a:t>DevTools</a:t>
+                      </a:r>
+                      <a:r>
+                        <a:rPr lang="en-US" altLang="zh-CN" sz="1800" b="1" kern="1200" dirty="0">
+                          <a:solidFill>
+                            <a:schemeClr val="lt1"/>
+                          </a:solidFill>
+                          <a:effectLst/>
+                          <a:latin typeface="+mn-lt"/>
+                          <a:ea typeface="+mn-ea"/>
+                          <a:cs typeface="+mn-cs"/>
+                        </a:rPr>
+                        <a:t>, Lombok, Spring Web, </a:t>
+                      </a:r>
+                      <a:r>
+                        <a:rPr lang="en-US" altLang="zh-CN" sz="1800" b="1" kern="1200" dirty="0" err="1">
+                          <a:solidFill>
+                            <a:schemeClr val="lt1"/>
+                          </a:solidFill>
+                          <a:effectLst/>
+                          <a:latin typeface="+mn-lt"/>
+                          <a:ea typeface="+mn-ea"/>
+                          <a:cs typeface="+mn-cs"/>
+                        </a:rPr>
+                        <a:t>MyBatis</a:t>
+                      </a:r>
+                      <a:r>
+                        <a:rPr lang="en-US" altLang="zh-CN" sz="1800" b="1" kern="1200" dirty="0">
+                          <a:solidFill>
+                            <a:schemeClr val="lt1"/>
+                          </a:solidFill>
+                          <a:effectLst/>
+                          <a:latin typeface="+mn-lt"/>
+                          <a:ea typeface="+mn-ea"/>
+                          <a:cs typeface="+mn-cs"/>
+                        </a:rPr>
+                        <a:t> Framework, MySQL Driver</a:t>
+                      </a:r>
+                      <a:endParaRPr sz="1800" dirty="0"/>
                     </a:p>
                     <a:p>
                       <a:pPr algn="l">
                         <a:buNone/>
                       </a:pPr>
-                      <a:endParaRPr sz="1800"/>
-                    </a:p>
-                    <a:p>
-                      <a:pPr algn="l">
-                        <a:buNone/>
-                      </a:pPr>
-                      <a:endParaRPr sz="1800"/>
-                    </a:p>
-                    <a:p>
-                      <a:pPr algn="l">
-                        <a:buNone/>
-                      </a:pPr>
-                      <a:endParaRPr sz="1800"/>
+                      <a:endParaRPr lang="zh-CN" altLang="en-US" sz="1800" dirty="0"/>
                     </a:p>
                     <a:p>
                       <a:pPr algn="l">
                         <a:buNone/>
                       </a:pPr>
                       <a:r>
-                        <a:rPr lang="zh-CN" altLang="en-US" sz="1800"/>
-                        <a:t>该技术在</a:t>
+                        <a:rPr lang="zh-CN" altLang="en-US" sz="1800" dirty="0"/>
+                        <a:t>       实现前后端分离的</a:t>
                       </a:r>
                       <a:r>
-                        <a:rPr lang="en-US" altLang="zh-CN" sz="1800"/>
-                        <a:t>IDEA</a:t>
+                        <a:rPr lang="en-US" altLang="zh-CN" sz="1800" dirty="0"/>
+                        <a:t>BS</a:t>
                       </a:r>
                       <a:r>
-                        <a:rPr lang="zh-CN" altLang="en-US" sz="1800"/>
-                        <a:t>上实现，由于纯</a:t>
+                        <a:rPr lang="zh-CN" altLang="en-US" sz="1800" dirty="0"/>
+                        <a:t>项目开发。其中一些技术用于简化开发难度，如</a:t>
                       </a:r>
                       <a:r>
-                        <a:rPr lang="en-US" altLang="zh-CN" sz="1800"/>
-                        <a:t>html</a:t>
+                        <a:rPr lang="en-US" altLang="zh-CN" sz="1800" dirty="0"/>
+                        <a:t>Lombok, </a:t>
                       </a:r>
                       <a:r>
-                        <a:rPr lang="zh-CN" altLang="en-US" sz="1800"/>
-                        <a:t>页面与</a:t>
+                        <a:rPr lang="en-US" altLang="zh-CN" sz="1800" dirty="0" err="1"/>
+                        <a:t>MyBatis</a:t>
                       </a:r>
                       <a:r>
-                        <a:rPr lang="en-US" altLang="zh-CN" sz="1800"/>
-                        <a:t>javascript</a:t>
+                        <a:rPr lang="en-US" altLang="zh-CN" sz="1800" dirty="0"/>
+                        <a:t> Framework</a:t>
                       </a:r>
-                      <a:r>
-                        <a:rPr lang="zh-CN" altLang="en-US" sz="1800"/>
-                        <a:t>无法与数据库产生交互，需要用这些技术让前端与服务器端产生交互。</a:t>
-                      </a:r>
-                      <a:endParaRPr lang="zh-CN" altLang="en-US" sz="1800"/>
+                      <a:endParaRPr lang="zh-CN" altLang="en-US" sz="1800" dirty="0"/>
                     </a:p>
                   </a:txBody>
                   <a:tcPr/>
@@ -6602,77 +6527,99 @@
                 <a:tc>
                   <a:txBody>
                     <a:bodyPr/>
+                    <a:lstStyle/>
                     <a:p>
                       <a:pPr algn="ctr">
                         <a:buNone/>
                       </a:pPr>
                       <a:r>
-                        <a:rPr lang="zh-CN" altLang="en-US" sz="2400"/>
+                        <a:rPr lang="zh-CN" altLang="en-US" sz="2400" dirty="0"/>
                         <a:t>前端开发技术：</a:t>
                       </a:r>
-                      <a:endParaRPr lang="zh-CN" altLang="en-US" sz="2400"/>
                     </a:p>
                     <a:p>
                       <a:pPr algn="l">
                         <a:buNone/>
                       </a:pPr>
                       <a:r>
-                        <a:rPr lang="zh-CN" altLang="en-US" sz="1800"/>
-                        <a:t>jQuery + LayUI + eCharts</a:t>
+                        <a:rPr lang="en-US" altLang="zh-CN" sz="1800" dirty="0"/>
+                        <a:t>HTML + JavaScript</a:t>
                       </a:r>
-                      <a:endParaRPr lang="zh-CN" altLang="en-US" sz="1800"/>
+                      <a:r>
+                        <a:rPr lang="zh-CN" altLang="en-US" sz="1800" dirty="0"/>
+                        <a:t> + LayUI + eCharts</a:t>
+                      </a:r>
                     </a:p>
                     <a:p>
                       <a:pPr algn="l">
                         <a:buNone/>
                       </a:pPr>
-                      <a:endParaRPr lang="zh-CN" altLang="en-US" sz="1800"/>
+                      <a:endParaRPr lang="zh-CN" altLang="en-US" sz="1800" dirty="0"/>
                     </a:p>
                     <a:p>
                       <a:pPr algn="l">
                         <a:buNone/>
                       </a:pPr>
-                      <a:endParaRPr lang="zh-CN" altLang="en-US" sz="1800"/>
+                      <a:endParaRPr lang="zh-CN" altLang="en-US" sz="1800" dirty="0"/>
                     </a:p>
                     <a:p>
                       <a:pPr algn="l">
                         <a:buNone/>
                       </a:pPr>
-                      <a:endParaRPr lang="zh-CN" altLang="en-US" sz="1800"/>
+                      <a:endParaRPr lang="zh-CN" altLang="en-US" sz="1800" dirty="0"/>
+                    </a:p>
+                    <a:p>
+                      <a:pPr algn="l">
+                        <a:buNone/>
+                      </a:pPr>
+                      <a:endParaRPr lang="en-US" altLang="zh-CN" sz="1800" dirty="0"/>
+                    </a:p>
+                    <a:p>
+                      <a:pPr algn="l">
+                        <a:buNone/>
+                      </a:pPr>
+                      <a:endParaRPr lang="en-US" altLang="zh-CN" sz="1800" dirty="0"/>
                     </a:p>
                     <a:p>
                       <a:pPr algn="l">
                         <a:buNone/>
                       </a:pPr>
                       <a:r>
-                        <a:rPr lang="zh-CN" altLang="en-US" sz="1800"/>
-                        <a:t>该技术用于前端页面的布局，</a:t>
+                        <a:rPr lang="zh-CN" altLang="en-US" sz="1800" dirty="0"/>
+                        <a:t>       用于前端</a:t>
                       </a:r>
                       <a:r>
-                        <a:rPr lang="en-US" altLang="zh-CN" sz="1800"/>
+                        <a:rPr lang="en-US" altLang="zh-CN" sz="1800" dirty="0"/>
+                        <a:t>UI</a:t>
+                      </a:r>
+                      <a:r>
+                        <a:rPr lang="zh-CN" altLang="en-US" sz="1800" dirty="0"/>
+                        <a:t>页面的开发，</a:t>
+                      </a:r>
+                      <a:r>
+                        <a:rPr lang="en-US" altLang="zh-CN" sz="1800" dirty="0" err="1"/>
                         <a:t>LayUI</a:t>
                       </a:r>
                       <a:r>
-                        <a:rPr lang="zh-CN" altLang="en-US" sz="1800"/>
+                        <a:rPr lang="zh-CN" altLang="en-US" sz="1800" dirty="0"/>
                         <a:t>用于让</a:t>
                       </a:r>
                       <a:r>
-                        <a:rPr lang="en-US" altLang="zh-CN" sz="1800"/>
+                        <a:rPr lang="en-US" altLang="zh-CN" sz="1800" dirty="0"/>
                         <a:t>html</a:t>
                       </a:r>
                       <a:r>
-                        <a:rPr lang="zh-CN" altLang="en-US" sz="1800"/>
+                        <a:rPr lang="zh-CN" altLang="en-US" sz="1800" dirty="0"/>
                         <a:t>页面美观、简洁，</a:t>
                       </a:r>
                       <a:r>
-                        <a:rPr lang="en-US" altLang="zh-CN" sz="1800"/>
+                        <a:rPr lang="en-US" altLang="zh-CN" sz="1800" dirty="0" err="1"/>
                         <a:t>eCharts</a:t>
                       </a:r>
                       <a:r>
-                        <a:rPr lang="zh-CN" altLang="en-US" sz="1800"/>
+                        <a:rPr lang="zh-CN" altLang="en-US" sz="1800" dirty="0"/>
                         <a:t>将数据库中爬来的数据进行图表等可视化展示。</a:t>
                       </a:r>
-                      <a:endParaRPr lang="zh-CN" altLang="en-US" sz="1800"/>
                     </a:p>
                   </a:txBody>
                   <a:tcPr/>
@@ -6680,65 +6627,84 @@
                 <a:tc>
                   <a:txBody>
                     <a:bodyPr/>
+                    <a:lstStyle/>
                     <a:p>
                       <a:pPr algn="ctr">
                         <a:buNone/>
                       </a:pPr>
                       <a:r>
-                        <a:rPr lang="zh-CN" altLang="en-US" sz="2400"/>
+                        <a:rPr lang="zh-CN" altLang="en-US" sz="2400" dirty="0"/>
                         <a:t>数据库技术：</a:t>
                       </a:r>
-                      <a:endParaRPr lang="zh-CN" altLang="en-US" sz="2400"/>
                     </a:p>
                     <a:p>
                       <a:pPr algn="ctr">
                         <a:buNone/>
                       </a:pPr>
                       <a:r>
-                        <a:rPr lang="en-US" altLang="zh-CN" sz="2400"/>
+                        <a:rPr lang="en-US" altLang="zh-CN" sz="2400" dirty="0"/>
                         <a:t>MySQL</a:t>
                       </a:r>
                       <a:r>
-                        <a:rPr lang="zh-CN" altLang="en-US" sz="2400"/>
+                        <a:rPr lang="zh-CN" altLang="en-US" sz="2400" dirty="0"/>
                         <a:t>（</a:t>
                       </a:r>
                       <a:r>
-                        <a:rPr lang="en-US" altLang="zh-CN" sz="2400"/>
-                        <a:t>Mariadb)</a:t>
+                        <a:rPr lang="en-US" altLang="zh-CN" sz="2400" dirty="0" err="1"/>
+                        <a:t>Mariadb</a:t>
                       </a:r>
-                      <a:endParaRPr lang="en-US" altLang="zh-CN" sz="2400"/>
+                      <a:r>
+                        <a:rPr lang="en-US" altLang="zh-CN" sz="2400" dirty="0"/>
+                        <a:t>)</a:t>
+                      </a:r>
                     </a:p>
                     <a:p>
                       <a:pPr algn="ctr">
                         <a:buNone/>
                       </a:pPr>
-                      <a:endParaRPr lang="en-US" altLang="zh-CN" sz="2400"/>
+                      <a:endParaRPr lang="en-US" altLang="zh-CN" sz="2400" dirty="0"/>
                     </a:p>
                     <a:p>
                       <a:pPr algn="ctr">
                         <a:buNone/>
                       </a:pPr>
-                      <a:endParaRPr lang="en-US" altLang="zh-CN" sz="2400"/>
+                      <a:endParaRPr lang="en-US" altLang="zh-CN" sz="2400" dirty="0"/>
                     </a:p>
                     <a:p>
                       <a:pPr algn="l">
                         <a:buNone/>
                       </a:pPr>
-                      <a:endParaRPr lang="zh-CN" altLang="en-US" sz="1800"/>
+                      <a:endParaRPr lang="zh-CN" altLang="en-US" sz="1800" dirty="0"/>
+                    </a:p>
+                    <a:p>
+                      <a:pPr algn="l">
+                        <a:buNone/>
+                      </a:pPr>
+                      <a:endParaRPr lang="en-US" altLang="zh-CN" sz="1800" dirty="0"/>
+                    </a:p>
+                    <a:p>
+                      <a:pPr algn="l">
+                        <a:buNone/>
+                      </a:pPr>
+                      <a:endParaRPr lang="en-US" altLang="zh-CN" sz="1800" dirty="0"/>
                     </a:p>
                     <a:p>
                       <a:pPr algn="l">
                         <a:buNone/>
                       </a:pPr>
                       <a:r>
-                        <a:rPr lang="zh-CN" altLang="en-US" sz="1800"/>
-                        <a:t>此次是在远程服务器上部署数据库而非本地，本地下载安装数据库管理工具即可。</a:t>
+                        <a:rPr lang="zh-CN" altLang="en-US" sz="1800" dirty="0"/>
+                        <a:t>此次是在远端服务器上部署数据库而非本地，本地下载安装数据库管理工具即可。</a:t>
                       </a:r>
-                      <a:endParaRPr lang="zh-CN" altLang="en-US" sz="1800"/>
                     </a:p>
                   </a:txBody>
                   <a:tcPr/>
                 </a:tc>
+                <a:extLst>
+                  <a:ext uri="{0D108BD9-81ED-4DB2-BD59-A6C34878D82A}">
+                    <a16:rowId xmlns:a16="http://schemas.microsoft.com/office/drawing/2014/main" val="10000"/>
+                  </a:ext>
+                </a:extLst>
               </a:tr>
             </a:tbl>
           </a:graphicData>
@@ -6761,7 +6727,14 @@
         <p:cNvGrpSpPr/>
         <p:nvPr/>
       </p:nvGrpSpPr>
-      <p:grpSpPr/>
+      <p:grpSpPr>
+        <a:xfrm>
+          <a:off x="0" y="0"/>
+          <a:ext cx="0" cy="0"/>
+          <a:chOff x="0" y="0"/>
+          <a:chExt cx="0" cy="0"/>
+        </a:xfrm>
+      </p:grpSpPr>
       <p:sp>
         <p:nvSpPr>
           <p:cNvPr id="2" name="标题 1"/>
@@ -6775,13 +6748,13 @@
         <p:spPr/>
         <p:txBody>
           <a:bodyPr/>
+          <a:lstStyle/>
           <a:p>
             <a:pPr algn="ctr"/>
             <a:r>
               <a:rPr lang="zh-CN" altLang="en-US"/>
               <a:t>各主要功能截图</a:t>
             </a:r>
-            <a:endParaRPr lang="zh-CN" altLang="en-US"/>
           </a:p>
         </p:txBody>
       </p:sp>
@@ -6798,26 +6771,28 @@
         <p:spPr/>
         <p:txBody>
           <a:bodyPr/>
+          <a:lstStyle/>
           <a:p>
             <a:r>
               <a:rPr lang="zh-CN" altLang="en-US"/>
               <a:t>孔维一：</a:t>
             </a:r>
-            <a:endParaRPr lang="zh-CN" altLang="en-US"/>
           </a:p>
         </p:txBody>
       </p:sp>
       <p:pic>
         <p:nvPicPr>
-          <p:cNvPr id="4" name="图片 3"/>
+          <p:cNvPr id="8" name="图片 7">
+            <a:extLst>
+              <a:ext uri="{FF2B5EF4-FFF2-40B4-BE49-F238E27FC236}">
+                <a16:creationId xmlns:a16="http://schemas.microsoft.com/office/drawing/2014/main" id="{06E1C03E-1961-4F7D-A31A-73F9227A2FF0}"/>
+              </a:ext>
+            </a:extLst>
+          </p:cNvPr>
           <p:cNvPicPr>
             <a:picLocks noChangeAspect="1"/>
           </p:cNvPicPr>
-          <p:nvPr>
-            <p:custDataLst>
-              <p:tags r:id="rId1"/>
-            </p:custDataLst>
-          </p:nvPr>
+          <p:nvPr/>
         </p:nvPicPr>
         <p:blipFill>
           <a:blip r:embed="rId2"/>
@@ -6827,8 +6802,8 @@
         </p:blipFill>
         <p:spPr>
           <a:xfrm>
-            <a:off x="2664460" y="1195070"/>
-            <a:ext cx="3141345" cy="2336800"/>
+            <a:off x="577061" y="1024710"/>
+            <a:ext cx="2910621" cy="1896972"/>
           </a:xfrm>
           <a:prstGeom prst="rect">
             <a:avLst/>
@@ -6837,7 +6812,13 @@
       </p:pic>
       <p:pic>
         <p:nvPicPr>
-          <p:cNvPr id="5" name="图片 4"/>
+          <p:cNvPr id="10" name="图片 9">
+            <a:extLst>
+              <a:ext uri="{FF2B5EF4-FFF2-40B4-BE49-F238E27FC236}">
+                <a16:creationId xmlns:a16="http://schemas.microsoft.com/office/drawing/2014/main" id="{C443AD6F-7F1F-4B57-8D38-F4FD6DE63767}"/>
+              </a:ext>
+            </a:extLst>
+          </p:cNvPr>
           <p:cNvPicPr>
             <a:picLocks noChangeAspect="1"/>
           </p:cNvPicPr>
@@ -6851,8 +6832,8 @@
         </p:blipFill>
         <p:spPr>
           <a:xfrm>
-            <a:off x="6129020" y="1538605"/>
-            <a:ext cx="5069205" cy="1470025"/>
+            <a:off x="3612174" y="1024710"/>
+            <a:ext cx="3956538" cy="1897717"/>
           </a:xfrm>
           <a:prstGeom prst="rect">
             <a:avLst/>
@@ -6861,7 +6842,13 @@
       </p:pic>
       <p:pic>
         <p:nvPicPr>
-          <p:cNvPr id="6" name="图片 5"/>
+          <p:cNvPr id="11" name="图片 10">
+            <a:extLst>
+              <a:ext uri="{FF2B5EF4-FFF2-40B4-BE49-F238E27FC236}">
+                <a16:creationId xmlns:a16="http://schemas.microsoft.com/office/drawing/2014/main" id="{5C652BFD-5E43-4AB0-954D-5F0067A5D79B}"/>
+              </a:ext>
+            </a:extLst>
+          </p:cNvPr>
           <p:cNvPicPr>
             <a:picLocks noChangeAspect="1"/>
           </p:cNvPicPr>
@@ -6875,8 +6862,8 @@
         </p:blipFill>
         <p:spPr>
           <a:xfrm>
-            <a:off x="6128385" y="3789680"/>
-            <a:ext cx="5070475" cy="2119630"/>
+            <a:off x="3612174" y="3032477"/>
+            <a:ext cx="3956538" cy="1806193"/>
           </a:xfrm>
           <a:prstGeom prst="rect">
             <a:avLst/>
@@ -6885,7 +6872,13 @@
       </p:pic>
       <p:pic>
         <p:nvPicPr>
-          <p:cNvPr id="7" name="图片 6"/>
+          <p:cNvPr id="12" name="图片 11">
+            <a:extLst>
+              <a:ext uri="{FF2B5EF4-FFF2-40B4-BE49-F238E27FC236}">
+                <a16:creationId xmlns:a16="http://schemas.microsoft.com/office/drawing/2014/main" id="{AE8CDBFA-4D21-4614-9E1D-5CF3941857A9}"/>
+              </a:ext>
+            </a:extLst>
+          </p:cNvPr>
           <p:cNvPicPr>
             <a:picLocks noChangeAspect="1"/>
           </p:cNvPicPr>
@@ -6899,8 +6892,98 @@
         </p:blipFill>
         <p:spPr>
           <a:xfrm>
-            <a:off x="2664460" y="3789045"/>
-            <a:ext cx="3141345" cy="2764155"/>
+            <a:off x="7759591" y="1024710"/>
+            <a:ext cx="4073478" cy="1893086"/>
+          </a:xfrm>
+          <a:prstGeom prst="rect">
+            <a:avLst/>
+          </a:prstGeom>
+        </p:spPr>
+      </p:pic>
+      <p:pic>
+        <p:nvPicPr>
+          <p:cNvPr id="13" name="图片 12">
+            <a:extLst>
+              <a:ext uri="{FF2B5EF4-FFF2-40B4-BE49-F238E27FC236}">
+                <a16:creationId xmlns:a16="http://schemas.microsoft.com/office/drawing/2014/main" id="{B3296F1D-2D4A-4186-87AD-982422F21B30}"/>
+              </a:ext>
+            </a:extLst>
+          </p:cNvPr>
+          <p:cNvPicPr>
+            <a:picLocks noChangeAspect="1"/>
+          </p:cNvPicPr>
+          <p:nvPr/>
+        </p:nvPicPr>
+        <p:blipFill>
+          <a:blip r:embed="rId6"/>
+          <a:stretch>
+            <a:fillRect/>
+          </a:stretch>
+        </p:blipFill>
+        <p:spPr>
+          <a:xfrm>
+            <a:off x="4106624" y="4843493"/>
+            <a:ext cx="2967637" cy="1845834"/>
+          </a:xfrm>
+          <a:prstGeom prst="rect">
+            <a:avLst/>
+          </a:prstGeom>
+        </p:spPr>
+      </p:pic>
+      <p:pic>
+        <p:nvPicPr>
+          <p:cNvPr id="14" name="图片 13">
+            <a:extLst>
+              <a:ext uri="{FF2B5EF4-FFF2-40B4-BE49-F238E27FC236}">
+                <a16:creationId xmlns:a16="http://schemas.microsoft.com/office/drawing/2014/main" id="{1E07D82D-FADA-4E26-AEBB-58CF5365D76B}"/>
+              </a:ext>
+            </a:extLst>
+          </p:cNvPr>
+          <p:cNvPicPr>
+            <a:picLocks noChangeAspect="1"/>
+          </p:cNvPicPr>
+          <p:nvPr/>
+        </p:nvPicPr>
+        <p:blipFill>
+          <a:blip r:embed="rId7"/>
+          <a:stretch>
+            <a:fillRect/>
+          </a:stretch>
+        </p:blipFill>
+        <p:spPr>
+          <a:xfrm>
+            <a:off x="7759591" y="3121858"/>
+            <a:ext cx="3956538" cy="3567469"/>
+          </a:xfrm>
+          <a:prstGeom prst="rect">
+            <a:avLst/>
+          </a:prstGeom>
+        </p:spPr>
+      </p:pic>
+      <p:pic>
+        <p:nvPicPr>
+          <p:cNvPr id="15" name="图片 14">
+            <a:extLst>
+              <a:ext uri="{FF2B5EF4-FFF2-40B4-BE49-F238E27FC236}">
+                <a16:creationId xmlns:a16="http://schemas.microsoft.com/office/drawing/2014/main" id="{04222CE3-CEDC-429A-B4B8-A637A7BE1BA0}"/>
+              </a:ext>
+            </a:extLst>
+          </p:cNvPr>
+          <p:cNvPicPr>
+            <a:picLocks noChangeAspect="1"/>
+          </p:cNvPicPr>
+          <p:nvPr/>
+        </p:nvPicPr>
+        <p:blipFill>
+          <a:blip r:embed="rId8"/>
+          <a:stretch>
+            <a:fillRect/>
+          </a:stretch>
+        </p:blipFill>
+        <p:spPr>
+          <a:xfrm>
+            <a:off x="358930" y="4237892"/>
+            <a:ext cx="3101157" cy="2440941"/>
           </a:xfrm>
           <a:prstGeom prst="rect">
             <a:avLst/>
@@ -6924,7 +7007,14 @@
         <p:cNvGrpSpPr/>
         <p:nvPr/>
       </p:nvGrpSpPr>
-      <p:grpSpPr/>
+      <p:grpSpPr>
+        <a:xfrm>
+          <a:off x="0" y="0"/>
+          <a:ext cx="0" cy="0"/>
+          <a:chOff x="0" y="0"/>
+          <a:chExt cx="0" cy="0"/>
+        </a:xfrm>
+      </p:grpSpPr>
       <p:sp>
         <p:nvSpPr>
           <p:cNvPr id="2" name="标题 1"/>
@@ -6938,13 +7028,13 @@
         <p:spPr/>
         <p:txBody>
           <a:bodyPr/>
+          <a:lstStyle/>
           <a:p>
             <a:pPr algn="ctr"/>
             <a:r>
               <a:rPr lang="zh-CN" altLang="en-US"/>
               <a:t>各主要功能截图</a:t>
             </a:r>
-            <a:endParaRPr lang="zh-CN" altLang="en-US"/>
           </a:p>
         </p:txBody>
       </p:sp>
@@ -6961,12 +7051,12 @@
         <p:spPr/>
         <p:txBody>
           <a:bodyPr/>
+          <a:lstStyle/>
           <a:p>
             <a:r>
               <a:rPr lang="zh-CN" altLang="en-US"/>
               <a:t>史芯源：</a:t>
             </a:r>
-            <a:endParaRPr lang="zh-CN" altLang="en-US"/>
           </a:p>
         </p:txBody>
       </p:sp>
@@ -6979,7 +7069,7 @@
           <p:nvPr/>
         </p:nvPicPr>
         <p:blipFill>
-          <a:blip r:embed="rId1"/>
+          <a:blip r:embed="rId2"/>
           <a:stretch>
             <a:fillRect/>
           </a:stretch>
@@ -7003,7 +7093,7 @@
           <p:nvPr/>
         </p:nvPicPr>
         <p:blipFill>
-          <a:blip r:embed="rId2"/>
+          <a:blip r:embed="rId3"/>
           <a:stretch>
             <a:fillRect/>
           </a:stretch>
@@ -7027,7 +7117,7 @@
           <p:nvPr/>
         </p:nvPicPr>
         <p:blipFill>
-          <a:blip r:embed="rId3"/>
+          <a:blip r:embed="rId4"/>
           <a:stretch>
             <a:fillRect/>
           </a:stretch>
@@ -7051,7 +7141,7 @@
 </file>
 
 <file path=ppt/tags/tag1.xml><?xml version="1.0" encoding="utf-8"?>
-<p:tagLst xmlns:p="http://schemas.openxmlformats.org/presentationml/2006/main">
+<p:tagLst xmlns:a="http://schemas.openxmlformats.org/drawingml/2006/main" xmlns:r="http://schemas.openxmlformats.org/officeDocument/2006/relationships" xmlns:p="http://schemas.openxmlformats.org/presentationml/2006/main">
   <p:tag name="MH" val="20150923180313"/>
   <p:tag name="MH_LIBRARY" val="CONTENTS"/>
   <p:tag name="MH_TYPE" val="OTHERS"/>
@@ -7060,19 +7150,13 @@
 </file>
 
 <file path=ppt/tags/tag10.xml><?xml version="1.0" encoding="utf-8"?>
-<p:tagLst xmlns:p="http://schemas.openxmlformats.org/presentationml/2006/main">
+<p:tagLst xmlns:a="http://schemas.openxmlformats.org/drawingml/2006/main" xmlns:r="http://schemas.openxmlformats.org/officeDocument/2006/relationships" xmlns:p="http://schemas.openxmlformats.org/presentationml/2006/main">
   <p:tag name="KSO_WM_UNIT_PLACING_PICTURE_USER_VIEWPORT" val="{&quot;height&quot;:2496,&quot;width&quot;:16560}"/>
 </p:tagLst>
 </file>
 
-<file path=ppt/tags/tag11.xml><?xml version="1.0" encoding="utf-8"?>
-<p:tagLst xmlns:p="http://schemas.openxmlformats.org/presentationml/2006/main">
-  <p:tag name="KSO_WM_UNIT_PLACING_PICTURE_USER_VIEWPORT" val="{&quot;height&quot;:6204,&quot;width&quot;:8340}"/>
-</p:tagLst>
-</file>
-
 <file path=ppt/tags/tag2.xml><?xml version="1.0" encoding="utf-8"?>
-<p:tagLst xmlns:p="http://schemas.openxmlformats.org/presentationml/2006/main">
+<p:tagLst xmlns:a="http://schemas.openxmlformats.org/drawingml/2006/main" xmlns:r="http://schemas.openxmlformats.org/officeDocument/2006/relationships" xmlns:p="http://schemas.openxmlformats.org/presentationml/2006/main">
   <p:tag name="MH" val="20150923180313"/>
   <p:tag name="MH_LIBRARY" val="CONTENTS"/>
   <p:tag name="MH_TYPE" val="NUMBER"/>
@@ -7082,7 +7166,7 @@
 </file>
 
 <file path=ppt/tags/tag3.xml><?xml version="1.0" encoding="utf-8"?>
-<p:tagLst xmlns:p="http://schemas.openxmlformats.org/presentationml/2006/main">
+<p:tagLst xmlns:a="http://schemas.openxmlformats.org/drawingml/2006/main" xmlns:r="http://schemas.openxmlformats.org/officeDocument/2006/relationships" xmlns:p="http://schemas.openxmlformats.org/presentationml/2006/main">
   <p:tag name="MH" val="20151014092127"/>
   <p:tag name="MH_LIBRARY" val="GRAPHIC"/>
   <p:tag name="MH_ORDER" val="Freeform 36"/>
@@ -7090,7 +7174,7 @@
 </file>
 
 <file path=ppt/tags/tag4.xml><?xml version="1.0" encoding="utf-8"?>
-<p:tagLst xmlns:p="http://schemas.openxmlformats.org/presentationml/2006/main">
+<p:tagLst xmlns:a="http://schemas.openxmlformats.org/drawingml/2006/main" xmlns:r="http://schemas.openxmlformats.org/officeDocument/2006/relationships" xmlns:p="http://schemas.openxmlformats.org/presentationml/2006/main">
   <p:tag name="MH" val="20151014092127"/>
   <p:tag name="MH_LIBRARY" val="GRAPHIC"/>
   <p:tag name="MH_ORDER" val="Freeform 34"/>
@@ -7098,7 +7182,7 @@
 </file>
 
 <file path=ppt/tags/tag5.xml><?xml version="1.0" encoding="utf-8"?>
-<p:tagLst xmlns:p="http://schemas.openxmlformats.org/presentationml/2006/main">
+<p:tagLst xmlns:a="http://schemas.openxmlformats.org/drawingml/2006/main" xmlns:r="http://schemas.openxmlformats.org/officeDocument/2006/relationships" xmlns:p="http://schemas.openxmlformats.org/presentationml/2006/main">
   <p:tag name="MH" val="20151014092127"/>
   <p:tag name="MH_LIBRARY" val="GRAPHIC"/>
   <p:tag name="MH_ORDER" val="Freeform 35"/>
@@ -7106,7 +7190,7 @@
 </file>
 
 <file path=ppt/tags/tag6.xml><?xml version="1.0" encoding="utf-8"?>
-<p:tagLst xmlns:p="http://schemas.openxmlformats.org/presentationml/2006/main">
+<p:tagLst xmlns:a="http://schemas.openxmlformats.org/drawingml/2006/main" xmlns:r="http://schemas.openxmlformats.org/officeDocument/2006/relationships" xmlns:p="http://schemas.openxmlformats.org/presentationml/2006/main">
   <p:tag name="MH" val="20151014092127"/>
   <p:tag name="MH_LIBRARY" val="GRAPHIC"/>
   <p:tag name="MH_ORDER" val="Freeform 38"/>
@@ -7114,7 +7198,24 @@
 </file>
 
 <file path=ppt/tags/tag7.xml><?xml version="1.0" encoding="utf-8"?>
-<p:tagLst xmlns:p="http://schemas.openxmlformats.org/presentationml/2006/main">
+<p:tagLst xmlns:a="http://schemas.openxmlformats.org/drawingml/2006/main" xmlns:r="http://schemas.openxmlformats.org/officeDocument/2006/relationships" xmlns:p="http://schemas.openxmlformats.org/presentationml/2006/main">
+  <p:tag name="KSO_WM_TEMPLATE_CATEGORY" val="custom"/>
+  <p:tag name="KSO_WM_TEMPLATE_INDEX" val="160107"/>
+  <p:tag name="KSO_WM_TAG_VERSION" val="1.0"/>
+  <p:tag name="KSO_WM_SLIDE_ID" val="custom160107_1"/>
+  <p:tag name="KSO_WM_SLIDE_INDEX" val="1"/>
+  <p:tag name="KSO_WM_SLIDE_ITEM_CNT" val="2"/>
+  <p:tag name="KSO_WM_SLIDE_LAYOUT" val="a_b"/>
+  <p:tag name="KSO_WM_SLIDE_LAYOUT_CNT" val="1_1"/>
+  <p:tag name="KSO_WM_SLIDE_TYPE" val="title"/>
+  <p:tag name="KSO_WM_BEAUTIFY_FLAG" val="#wm#"/>
+  <p:tag name="KSO_WM_TEMPLATE_THUMBS_INDEX" val="1、3、8、14、18、23、24、25"/>
+  <p:tag name="KSO_WM_SLIDE_MODEL_TYPE" val="cover"/>
+</p:tagLst>
+</file>
+
+<file path=ppt/tags/tag8.xml><?xml version="1.0" encoding="utf-8"?>
+<p:tagLst xmlns:a="http://schemas.openxmlformats.org/drawingml/2006/main" xmlns:r="http://schemas.openxmlformats.org/officeDocument/2006/relationships" xmlns:p="http://schemas.openxmlformats.org/presentationml/2006/main">
   <p:tag name="KSO_WM_TAG_VERSION" val="1.0"/>
   <p:tag name="KSO_WM_BEAUTIFY_FLAG" val="#wm#"/>
   <p:tag name="KSO_WM_TEMPLATE_CATEGORY" val="custom"/>
@@ -7133,8 +7234,8 @@
 </p:tagLst>
 </file>
 
-<file path=ppt/tags/tag8.xml><?xml version="1.0" encoding="utf-8"?>
-<p:tagLst xmlns:p="http://schemas.openxmlformats.org/presentationml/2006/main">
+<file path=ppt/tags/tag9.xml><?xml version="1.0" encoding="utf-8"?>
+<p:tagLst xmlns:a="http://schemas.openxmlformats.org/drawingml/2006/main" xmlns:r="http://schemas.openxmlformats.org/officeDocument/2006/relationships" xmlns:p="http://schemas.openxmlformats.org/presentationml/2006/main">
   <p:tag name="KSO_WM_TAG_VERSION" val="1.0"/>
   <p:tag name="KSO_WM_BEAUTIFY_FLAG" val="#wm#"/>
   <p:tag name="KSO_WM_TEMPLATE_CATEGORY" val="custom"/>
@@ -7150,23 +7251,6 @@
   <p:tag name="KSO_WM_UNIT_COMPATIBLE" val="0"/>
   <p:tag name="KSO_WM_UNIT_PRESET_TEXT_INDEX" val="3"/>
   <p:tag name="KSO_WM_UNIT_PRESET_TEXT_LEN" val="24"/>
-</p:tagLst>
-</file>
-
-<file path=ppt/tags/tag9.xml><?xml version="1.0" encoding="utf-8"?>
-<p:tagLst xmlns:p="http://schemas.openxmlformats.org/presentationml/2006/main">
-  <p:tag name="KSO_WM_TEMPLATE_CATEGORY" val="custom"/>
-  <p:tag name="KSO_WM_TEMPLATE_INDEX" val="160107"/>
-  <p:tag name="KSO_WM_TAG_VERSION" val="1.0"/>
-  <p:tag name="KSO_WM_SLIDE_ID" val="custom160107_1"/>
-  <p:tag name="KSO_WM_SLIDE_INDEX" val="1"/>
-  <p:tag name="KSO_WM_SLIDE_ITEM_CNT" val="2"/>
-  <p:tag name="KSO_WM_SLIDE_LAYOUT" val="a_b"/>
-  <p:tag name="KSO_WM_SLIDE_LAYOUT_CNT" val="1_1"/>
-  <p:tag name="KSO_WM_SLIDE_TYPE" val="title"/>
-  <p:tag name="KSO_WM_BEAUTIFY_FLAG" val="#wm#"/>
-  <p:tag name="KSO_WM_TEMPLATE_THUMBS_INDEX" val="1、3、8、14、18、23、24、25"/>
-  <p:tag name="KSO_WM_SLIDE_MODEL_TYPE" val="cover"/>
 </p:tagLst>
 </file>
 
@@ -7411,6 +7495,7 @@
       </a:lstStyle>
     </a:txDef>
   </a:objectDefaults>
+  <a:extraClrSchemeLst/>
   <a:extLst>
     <a:ext uri="{05A4C25C-085E-4340-85A3-A5531E510DB2}">
       <thm15:themeFamily xmlns:thm15="http://schemas.microsoft.com/office/thememl/2012/main" name="Office Theme" id="{62F939B6-93AF-4DB8-9C6B-D6C7DFDC589F}" vid="{4A3C46E8-61CC-4603-A589-7422A47A8E4A}"/>
@@ -7670,6 +7755,8 @@
       </a:bgFillStyleLst>
     </a:fmtScheme>
   </a:themeElements>
+  <a:objectDefaults/>
+  <a:extraClrSchemeLst/>
   <a:extLst>
     <a:ext uri="{05A4C25C-085E-4340-85A3-A5531E510DB2}">
       <thm15:themeFamily xmlns:thm15="http://schemas.microsoft.com/office/thememl/2012/main" name="Office Theme" id="{62F939B6-93AF-4DB8-9C6B-D6C7DFDC589F}" vid="{4A3C46E8-61CC-4603-A589-7422A47A8E4A}"/>
